--- a/Formal/Prototype_Presentation.pptx
+++ b/Formal/Prototype_Presentation.pptx
@@ -1,8 +1,8 @@
 
 <file path=ppt/presentation.xml><?xml version="1.0" encoding="utf-8"?>
-<p:presentation xmlns:a="http://schemas.openxmlformats.org/drawingml/2006/main" xmlns:p="http://schemas.openxmlformats.org/presentationml/2006/main" xmlns:r="http://schemas.openxmlformats.org/officeDocument/2006/relationships" autoCompressPictures="0" saveSubsetFonts="1">
+<p:presentation xmlns:a="http://schemas.openxmlformats.org/drawingml/2006/main" xmlns:p="http://schemas.openxmlformats.org/presentationml/2006/main" xmlns:r="http://schemas.openxmlformats.org/officeDocument/2006/relationships" removePersonalInfoOnSave="1" saveSubsetFonts="1">
   <p:sldMasterIdLst>
-    <p:sldMasterId id="2147483648" r:id="rId1"/>
+    <p:sldMasterId id="2147483680" r:id="rId1"/>
   </p:sldMasterIdLst>
   <p:sldIdLst>
     <p:sldId id="256" r:id="rId2"/>
@@ -14,13 +14,13 @@
     <p:sldId id="262" r:id="rId8"/>
     <p:sldId id="263" r:id="rId9"/>
   </p:sldIdLst>
-  <p:sldSz cx="9144000" cy="6858000" type="screen4x3"/>
-  <p:notesSz cx="6858000" cy="9144000"/>
+  <p:sldSz cx="12192000" cy="6858000"/>
+  <p:notesSz cx="7023100" cy="9309100"/>
   <p:defaultTextStyle>
     <a:defPPr>
       <a:defRPr lang="en-US"/>
     </a:defPPr>
-    <a:lvl1pPr algn="l" defTabSz="457200" eaLnBrk="1" hangingPunct="1" latinLnBrk="0" marL="0" rtl="0">
+    <a:lvl1pPr algn="l" defTabSz="914400" eaLnBrk="1" hangingPunct="1" latinLnBrk="0" marL="0" rtl="0">
       <a:defRPr kern="1200" sz="1800">
         <a:solidFill>
           <a:schemeClr val="tx1"/>
@@ -30,7 +30,7 @@
         <a:cs typeface="+mn-cs"/>
       </a:defRPr>
     </a:lvl1pPr>
-    <a:lvl2pPr algn="l" defTabSz="457200" eaLnBrk="1" hangingPunct="1" latinLnBrk="0" marL="457200" rtl="0">
+    <a:lvl2pPr algn="l" defTabSz="914400" eaLnBrk="1" hangingPunct="1" latinLnBrk="0" marL="457200" rtl="0">
       <a:defRPr kern="1200" sz="1800">
         <a:solidFill>
           <a:schemeClr val="tx1"/>
@@ -40,7 +40,7 @@
         <a:cs typeface="+mn-cs"/>
       </a:defRPr>
     </a:lvl2pPr>
-    <a:lvl3pPr algn="l" defTabSz="457200" eaLnBrk="1" hangingPunct="1" latinLnBrk="0" marL="914400" rtl="0">
+    <a:lvl3pPr algn="l" defTabSz="914400" eaLnBrk="1" hangingPunct="1" latinLnBrk="0" marL="914400" rtl="0">
       <a:defRPr kern="1200" sz="1800">
         <a:solidFill>
           <a:schemeClr val="tx1"/>
@@ -50,7 +50,7 @@
         <a:cs typeface="+mn-cs"/>
       </a:defRPr>
     </a:lvl3pPr>
-    <a:lvl4pPr algn="l" defTabSz="457200" eaLnBrk="1" hangingPunct="1" latinLnBrk="0" marL="1371600" rtl="0">
+    <a:lvl4pPr algn="l" defTabSz="914400" eaLnBrk="1" hangingPunct="1" latinLnBrk="0" marL="1371600" rtl="0">
       <a:defRPr kern="1200" sz="1800">
         <a:solidFill>
           <a:schemeClr val="tx1"/>
@@ -60,7 +60,7 @@
         <a:cs typeface="+mn-cs"/>
       </a:defRPr>
     </a:lvl4pPr>
-    <a:lvl5pPr algn="l" defTabSz="457200" eaLnBrk="1" hangingPunct="1" latinLnBrk="0" marL="1828800" rtl="0">
+    <a:lvl5pPr algn="l" defTabSz="914400" eaLnBrk="1" hangingPunct="1" latinLnBrk="0" marL="1828800" rtl="0">
       <a:defRPr kern="1200" sz="1800">
         <a:solidFill>
           <a:schemeClr val="tx1"/>
@@ -70,7 +70,7 @@
         <a:cs typeface="+mn-cs"/>
       </a:defRPr>
     </a:lvl5pPr>
-    <a:lvl6pPr algn="l" defTabSz="457200" eaLnBrk="1" hangingPunct="1" latinLnBrk="0" marL="2286000" rtl="0">
+    <a:lvl6pPr algn="l" defTabSz="914400" eaLnBrk="1" hangingPunct="1" latinLnBrk="0" marL="2286000" rtl="0">
       <a:defRPr kern="1200" sz="1800">
         <a:solidFill>
           <a:schemeClr val="tx1"/>
@@ -80,7 +80,7 @@
         <a:cs typeface="+mn-cs"/>
       </a:defRPr>
     </a:lvl6pPr>
-    <a:lvl7pPr algn="l" defTabSz="457200" eaLnBrk="1" hangingPunct="1" latinLnBrk="0" marL="2743200" rtl="0">
+    <a:lvl7pPr algn="l" defTabSz="914400" eaLnBrk="1" hangingPunct="1" latinLnBrk="0" marL="2743200" rtl="0">
       <a:defRPr kern="1200" sz="1800">
         <a:solidFill>
           <a:schemeClr val="tx1"/>
@@ -90,7 +90,7 @@
         <a:cs typeface="+mn-cs"/>
       </a:defRPr>
     </a:lvl7pPr>
-    <a:lvl8pPr algn="l" defTabSz="457200" eaLnBrk="1" hangingPunct="1" latinLnBrk="0" marL="3200400" rtl="0">
+    <a:lvl8pPr algn="l" defTabSz="914400" eaLnBrk="1" hangingPunct="1" latinLnBrk="0" marL="3200400" rtl="0">
       <a:defRPr kern="1200" sz="1800">
         <a:solidFill>
           <a:schemeClr val="tx1"/>
@@ -100,7 +100,7 @@
         <a:cs typeface="+mn-cs"/>
       </a:defRPr>
     </a:lvl8pPr>
-    <a:lvl9pPr algn="l" defTabSz="457200" eaLnBrk="1" hangingPunct="1" latinLnBrk="0" marL="3657600" rtl="0">
+    <a:lvl9pPr algn="l" defTabSz="914400" eaLnBrk="1" hangingPunct="1" latinLnBrk="0" marL="3657600" rtl="0">
       <a:defRPr kern="1200" sz="1800">
         <a:solidFill>
           <a:schemeClr val="tx1"/>
@@ -114,17 +114,20 @@
   <p:extLst>
     <p:ext uri="{EFAFB233-063F-42B5-8137-9DF3F51BA10A}">
       <p15:sldGuideLst xmlns:p15="http://schemas.microsoft.com/office/powerpoint/2012/main">
-        <p15:guide id="1" orient="horz" pos="2160">
+        <p15:guide id="1" orient="horz" pos="2160" userDrawn="1">
           <p15:clr>
             <a:srgbClr val="A4A3A4"/>
           </p15:clr>
         </p15:guide>
-        <p15:guide id="2" pos="2880">
+        <p15:guide id="2" pos="3840" userDrawn="1">
           <p15:clr>
             <a:srgbClr val="A4A3A4"/>
           </p15:clr>
         </p15:guide>
       </p15:sldGuideLst>
+    </p:ext>
+    <p:ext uri="{2D200454-40CA-4A62-9FC3-DE9A4176ACB9}">
+      <p15:notesGuideLst xmlns:p15="http://schemas.microsoft.com/office/powerpoint/2012/main"/>
     </p:ext>
   </p:extLst>
 </p:presentation>
@@ -159,13 +162,17 @@
         </p:nvSpPr>
         <p:spPr>
           <a:xfrm>
-            <a:off x="685800" y="2130425"/>
-            <a:ext cx="7772400" cy="1470025"/>
+            <a:off x="1154955" y="1447800"/>
+            <a:ext cx="8825658" cy="3329581"/>
           </a:xfrm>
         </p:spPr>
         <p:txBody>
-          <a:bodyPr/>
-          <a:lstStyle/>
+          <a:bodyPr anchor="b"/>
+          <a:lstStyle>
+            <a:lvl1pPr>
+              <a:defRPr sz="7200"/>
+            </a:lvl1pPr>
+          </a:lstStyle>
           <a:p>
             <a:r>
               <a:rPr lang="en-US" smtClean="0"/>
@@ -187,20 +194,18 @@
         </p:nvSpPr>
         <p:spPr>
           <a:xfrm>
-            <a:off x="1371600" y="3886200"/>
-            <a:ext cx="6400800" cy="1752600"/>
+            <a:off x="1154955" y="4777380"/>
+            <a:ext cx="8825658" cy="861420"/>
           </a:xfrm>
         </p:spPr>
         <p:txBody>
-          <a:bodyPr/>
+          <a:bodyPr anchor="t"/>
           <a:lstStyle>
-            <a:lvl1pPr marL="0" indent="0" algn="ctr">
-              <a:buNone/>
-              <a:defRPr>
+            <a:lvl1pPr marL="0" indent="0" algn="l">
+              <a:buNone/>
+              <a:defRPr cap="all">
                 <a:solidFill>
-                  <a:schemeClr val="tx1">
-                    <a:tint val="75000"/>
-                  </a:schemeClr>
+                  <a:schemeClr val="accent1"/>
                 </a:solidFill>
               </a:defRPr>
             </a:lvl1pPr>
@@ -309,9 +314,9 @@
           <a:bodyPr/>
           <a:lstStyle/>
           <a:p>
-            <a:fld id="{241EB5C9-1307-BA42-ABA2-0BC069CD8E7F}" type="datetimeFigureOut">
-              <a:rPr lang="en-US" smtClean="0"/>
-              <a:t>4/5/2019</a:t>
+            <a:fld id="{40FF0622-75E4-48B8-A617-5428CA5926CE}" type="datetimeFigureOut">
+              <a:rPr lang="en-US" smtClean="0"/>
+              <a:t>7/31/2013</a:t>
             </a:fld>
             <a:endParaRPr lang="en-US"/>
           </a:p>
@@ -351,7 +356,7 @@
           <a:bodyPr/>
           <a:lstStyle/>
           <a:p>
-            <a:fld id="{C5EF2332-01BF-834F-8236-50238282D533}" type="slidenum">
+            <a:fld id="{BA875541-8164-4CC7-9F2F-6F0C49BB858D}" type="slidenum">
               <a:rPr lang="en-US" smtClean="0"/>
               <a:t>‹#›</a:t>
             </a:fld>
@@ -362,7 +367,7 @@
     </p:spTree>
     <p:extLst>
       <p:ext uri="{BB962C8B-B14F-4D97-AF65-F5344CB8AC3E}">
-        <p14:creationId xmlns:p14="http://schemas.microsoft.com/office/powerpoint/2010/main" val="1444357513"/>
+        <p14:creationId xmlns:p14="http://schemas.microsoft.com/office/powerpoint/2010/main" val="940892787"/>
       </p:ext>
     </p:extLst>
   </p:cSld>
@@ -373,6 +378,3093 @@
 </file>
 
 <file path=ppt/slideLayouts/slideLayout10.xml><?xml version="1.0" encoding="utf-8"?>
+<p:sldLayout xmlns:a="http://schemas.openxmlformats.org/drawingml/2006/main" xmlns:r="http://schemas.openxmlformats.org/officeDocument/2006/relationships" xmlns:p="http://schemas.openxmlformats.org/presentationml/2006/main" type="picTx" preserve="1">
+  <p:cSld name="Panoramic Picture with Caption">
+    <p:spTree>
+      <p:nvGrpSpPr>
+        <p:cNvPr id="1" name=""/>
+        <p:cNvGrpSpPr/>
+        <p:nvPr/>
+      </p:nvGrpSpPr>
+      <p:grpSpPr>
+        <a:xfrm>
+          <a:off x="0" y="0"/>
+          <a:ext cx="0" cy="0"/>
+          <a:chOff x="0" y="0"/>
+          <a:chExt cx="0" cy="0"/>
+        </a:xfrm>
+      </p:grpSpPr>
+      <p:sp>
+        <p:nvSpPr>
+          <p:cNvPr id="2" name="Title 1"/>
+          <p:cNvSpPr>
+            <a:spLocks noGrp="1"/>
+          </p:cNvSpPr>
+          <p:nvPr>
+            <p:ph type="title"/>
+          </p:nvPr>
+        </p:nvSpPr>
+        <p:spPr>
+          <a:xfrm>
+            <a:off x="1154956" y="4800587"/>
+            <a:ext cx="8825657" cy="566738"/>
+          </a:xfrm>
+        </p:spPr>
+        <p:txBody>
+          <a:bodyPr anchor="b">
+            <a:normAutofit/>
+          </a:bodyPr>
+          <a:lstStyle>
+            <a:lvl1pPr algn="l">
+              <a:defRPr sz="2400" b="0"/>
+            </a:lvl1pPr>
+          </a:lstStyle>
+          <a:p>
+            <a:r>
+              <a:rPr lang="en-US" smtClean="0"/>
+              <a:t>Click to edit Master title style</a:t>
+            </a:r>
+            <a:endParaRPr lang="en-US"/>
+          </a:p>
+        </p:txBody>
+      </p:sp>
+      <p:sp>
+        <p:nvSpPr>
+          <p:cNvPr id="3" name="Picture Placeholder 2"/>
+          <p:cNvSpPr>
+            <a:spLocks noGrp="1" noChangeAspect="1"/>
+          </p:cNvSpPr>
+          <p:nvPr>
+            <p:ph type="pic" idx="1"/>
+          </p:nvPr>
+        </p:nvSpPr>
+        <p:spPr>
+          <a:xfrm>
+            <a:off x="1154955" y="685800"/>
+            <a:ext cx="8825658" cy="3640666"/>
+          </a:xfrm>
+          <a:prstGeom prst="roundRect">
+            <a:avLst>
+              <a:gd name="adj" fmla="val 1858"/>
+            </a:avLst>
+          </a:prstGeom>
+          <a:effectLst>
+            <a:outerShdw blurRad="50800" dist="50800" dir="5400000" algn="tl" rotWithShape="0">
+              <a:srgbClr val="000000">
+                <a:alpha val="43000"/>
+              </a:srgbClr>
+            </a:outerShdw>
+          </a:effectLst>
+        </p:spPr>
+        <p:txBody>
+          <a:bodyPr anchor="ctr">
+            <a:normAutofit/>
+          </a:bodyPr>
+          <a:lstStyle>
+            <a:lvl1pPr marL="0" indent="0" algn="ctr">
+              <a:buNone/>
+              <a:defRPr sz="1600"/>
+            </a:lvl1pPr>
+            <a:lvl2pPr marL="457200" indent="0">
+              <a:buNone/>
+              <a:defRPr sz="2800"/>
+            </a:lvl2pPr>
+            <a:lvl3pPr marL="914400" indent="0">
+              <a:buNone/>
+              <a:defRPr sz="2400"/>
+            </a:lvl3pPr>
+            <a:lvl4pPr marL="1371600" indent="0">
+              <a:buNone/>
+              <a:defRPr sz="2000"/>
+            </a:lvl4pPr>
+            <a:lvl5pPr marL="1828800" indent="0">
+              <a:buNone/>
+              <a:defRPr sz="2000"/>
+            </a:lvl5pPr>
+            <a:lvl6pPr marL="2286000" indent="0">
+              <a:buNone/>
+              <a:defRPr sz="2000"/>
+            </a:lvl6pPr>
+            <a:lvl7pPr marL="2743200" indent="0">
+              <a:buNone/>
+              <a:defRPr sz="2000"/>
+            </a:lvl7pPr>
+            <a:lvl8pPr marL="3200400" indent="0">
+              <a:buNone/>
+              <a:defRPr sz="2000"/>
+            </a:lvl8pPr>
+            <a:lvl9pPr marL="3657600" indent="0">
+              <a:buNone/>
+              <a:defRPr sz="2000"/>
+            </a:lvl9pPr>
+          </a:lstStyle>
+          <a:p>
+            <a:r>
+              <a:rPr lang="en-US" dirty="0" smtClean="0"/>
+              <a:t>Click icon to add picture</a:t>
+            </a:r>
+            <a:endParaRPr lang="en-US" dirty="0"/>
+          </a:p>
+        </p:txBody>
+      </p:sp>
+      <p:sp>
+        <p:nvSpPr>
+          <p:cNvPr id="4" name="Text Placeholder 3"/>
+          <p:cNvSpPr>
+            <a:spLocks noGrp="1"/>
+          </p:cNvSpPr>
+          <p:nvPr>
+            <p:ph type="body" sz="half" idx="2"/>
+          </p:nvPr>
+        </p:nvSpPr>
+        <p:spPr>
+          <a:xfrm>
+            <a:off x="1154956" y="5367325"/>
+            <a:ext cx="8825656" cy="493712"/>
+          </a:xfrm>
+        </p:spPr>
+        <p:txBody>
+          <a:bodyPr>
+            <a:normAutofit/>
+          </a:bodyPr>
+          <a:lstStyle>
+            <a:lvl1pPr marL="0" indent="0">
+              <a:buNone/>
+              <a:defRPr sz="1200"/>
+            </a:lvl1pPr>
+            <a:lvl2pPr marL="457200" indent="0">
+              <a:buNone/>
+              <a:defRPr sz="1200"/>
+            </a:lvl2pPr>
+            <a:lvl3pPr marL="914400" indent="0">
+              <a:buNone/>
+              <a:defRPr sz="1000"/>
+            </a:lvl3pPr>
+            <a:lvl4pPr marL="1371600" indent="0">
+              <a:buNone/>
+              <a:defRPr sz="900"/>
+            </a:lvl4pPr>
+            <a:lvl5pPr marL="1828800" indent="0">
+              <a:buNone/>
+              <a:defRPr sz="900"/>
+            </a:lvl5pPr>
+            <a:lvl6pPr marL="2286000" indent="0">
+              <a:buNone/>
+              <a:defRPr sz="900"/>
+            </a:lvl6pPr>
+            <a:lvl7pPr marL="2743200" indent="0">
+              <a:buNone/>
+              <a:defRPr sz="900"/>
+            </a:lvl7pPr>
+            <a:lvl8pPr marL="3200400" indent="0">
+              <a:buNone/>
+              <a:defRPr sz="900"/>
+            </a:lvl8pPr>
+            <a:lvl9pPr marL="3657600" indent="0">
+              <a:buNone/>
+              <a:defRPr sz="900"/>
+            </a:lvl9pPr>
+          </a:lstStyle>
+          <a:p>
+            <a:pPr lvl="0"/>
+            <a:r>
+              <a:rPr lang="en-US" smtClean="0"/>
+              <a:t>Click to edit Master text styles</a:t>
+            </a:r>
+          </a:p>
+        </p:txBody>
+      </p:sp>
+      <p:sp>
+        <p:nvSpPr>
+          <p:cNvPr id="5" name="Date Placeholder 4"/>
+          <p:cNvSpPr>
+            <a:spLocks noGrp="1"/>
+          </p:cNvSpPr>
+          <p:nvPr>
+            <p:ph type="dt" sz="half" idx="10"/>
+          </p:nvPr>
+        </p:nvSpPr>
+        <p:spPr/>
+        <p:txBody>
+          <a:bodyPr/>
+          <a:lstStyle/>
+          <a:p>
+            <a:fld id="{40FF0622-75E4-48B8-A617-5428CA5926CE}" type="datetimeFigureOut">
+              <a:rPr lang="en-US" smtClean="0"/>
+              <a:t>7/31/2013</a:t>
+            </a:fld>
+            <a:endParaRPr lang="en-US"/>
+          </a:p>
+        </p:txBody>
+      </p:sp>
+      <p:sp>
+        <p:nvSpPr>
+          <p:cNvPr id="6" name="Footer Placeholder 5"/>
+          <p:cNvSpPr>
+            <a:spLocks noGrp="1"/>
+          </p:cNvSpPr>
+          <p:nvPr>
+            <p:ph type="ftr" sz="quarter" idx="11"/>
+          </p:nvPr>
+        </p:nvSpPr>
+        <p:spPr/>
+        <p:txBody>
+          <a:bodyPr/>
+          <a:lstStyle/>
+          <a:p>
+            <a:endParaRPr lang="en-US"/>
+          </a:p>
+        </p:txBody>
+      </p:sp>
+      <p:sp>
+        <p:nvSpPr>
+          <p:cNvPr id="7" name="Slide Number Placeholder 6"/>
+          <p:cNvSpPr>
+            <a:spLocks noGrp="1"/>
+          </p:cNvSpPr>
+          <p:nvPr>
+            <p:ph type="sldNum" sz="quarter" idx="12"/>
+          </p:nvPr>
+        </p:nvSpPr>
+        <p:spPr/>
+        <p:txBody>
+          <a:bodyPr/>
+          <a:lstStyle/>
+          <a:p>
+            <a:fld id="{BA875541-8164-4CC7-9F2F-6F0C49BB858D}" type="slidenum">
+              <a:rPr lang="en-US" smtClean="0"/>
+              <a:t>‹#›</a:t>
+            </a:fld>
+            <a:endParaRPr lang="en-US"/>
+          </a:p>
+        </p:txBody>
+      </p:sp>
+    </p:spTree>
+    <p:extLst>
+      <p:ext uri="{BB962C8B-B14F-4D97-AF65-F5344CB8AC3E}">
+        <p14:creationId xmlns:p14="http://schemas.microsoft.com/office/powerpoint/2010/main" val="2581391208"/>
+      </p:ext>
+    </p:extLst>
+  </p:cSld>
+  <p:clrMapOvr>
+    <a:masterClrMapping/>
+  </p:clrMapOvr>
+</p:sldLayout>
+</file>
+
+<file path=ppt/slideLayouts/slideLayout11.xml><?xml version="1.0" encoding="utf-8"?>
+<p:sldLayout xmlns:a="http://schemas.openxmlformats.org/drawingml/2006/main" xmlns:r="http://schemas.openxmlformats.org/officeDocument/2006/relationships" xmlns:p="http://schemas.openxmlformats.org/presentationml/2006/main" preserve="1">
+  <p:cSld name="Title and Caption">
+    <p:spTree>
+      <p:nvGrpSpPr>
+        <p:cNvPr id="1" name=""/>
+        <p:cNvGrpSpPr/>
+        <p:nvPr/>
+      </p:nvGrpSpPr>
+      <p:grpSpPr>
+        <a:xfrm>
+          <a:off x="0" y="0"/>
+          <a:ext cx="0" cy="0"/>
+          <a:chOff x="0" y="0"/>
+          <a:chExt cx="0" cy="0"/>
+        </a:xfrm>
+      </p:grpSpPr>
+      <p:sp>
+        <p:nvSpPr>
+          <p:cNvPr id="2" name="Title 1"/>
+          <p:cNvSpPr>
+            <a:spLocks noGrp="1"/>
+          </p:cNvSpPr>
+          <p:nvPr>
+            <p:ph type="title"/>
+          </p:nvPr>
+        </p:nvSpPr>
+        <p:spPr>
+          <a:xfrm>
+            <a:off x="1154954" y="1447800"/>
+            <a:ext cx="8825659" cy="1981200"/>
+          </a:xfrm>
+        </p:spPr>
+        <p:txBody>
+          <a:bodyPr/>
+          <a:lstStyle>
+            <a:lvl1pPr>
+              <a:defRPr sz="4800"/>
+            </a:lvl1pPr>
+          </a:lstStyle>
+          <a:p>
+            <a:r>
+              <a:rPr lang="en-US" smtClean="0"/>
+              <a:t>Click to edit Master title style</a:t>
+            </a:r>
+            <a:endParaRPr lang="en-US"/>
+          </a:p>
+        </p:txBody>
+      </p:sp>
+      <p:sp>
+        <p:nvSpPr>
+          <p:cNvPr id="4" name="Date Placeholder 3"/>
+          <p:cNvSpPr>
+            <a:spLocks noGrp="1"/>
+          </p:cNvSpPr>
+          <p:nvPr>
+            <p:ph type="dt" sz="half" idx="10"/>
+          </p:nvPr>
+        </p:nvSpPr>
+        <p:spPr/>
+        <p:txBody>
+          <a:bodyPr/>
+          <a:lstStyle/>
+          <a:p>
+            <a:fld id="{40FF0622-75E4-48B8-A617-5428CA5926CE}" type="datetimeFigureOut">
+              <a:rPr lang="en-US" smtClean="0"/>
+              <a:t>7/31/2013</a:t>
+            </a:fld>
+            <a:endParaRPr lang="en-US"/>
+          </a:p>
+        </p:txBody>
+      </p:sp>
+      <p:sp>
+        <p:nvSpPr>
+          <p:cNvPr id="5" name="Footer Placeholder 4"/>
+          <p:cNvSpPr>
+            <a:spLocks noGrp="1"/>
+          </p:cNvSpPr>
+          <p:nvPr>
+            <p:ph type="ftr" sz="quarter" idx="11"/>
+          </p:nvPr>
+        </p:nvSpPr>
+        <p:spPr/>
+        <p:txBody>
+          <a:bodyPr/>
+          <a:lstStyle/>
+          <a:p>
+            <a:endParaRPr lang="en-US"/>
+          </a:p>
+        </p:txBody>
+      </p:sp>
+      <p:sp>
+        <p:nvSpPr>
+          <p:cNvPr id="6" name="Slide Number Placeholder 5"/>
+          <p:cNvSpPr>
+            <a:spLocks noGrp="1"/>
+          </p:cNvSpPr>
+          <p:nvPr>
+            <p:ph type="sldNum" sz="quarter" idx="12"/>
+          </p:nvPr>
+        </p:nvSpPr>
+        <p:spPr/>
+        <p:txBody>
+          <a:bodyPr/>
+          <a:lstStyle/>
+          <a:p>
+            <a:fld id="{BA875541-8164-4CC7-9F2F-6F0C49BB858D}" type="slidenum">
+              <a:rPr lang="en-US" smtClean="0"/>
+              <a:t>‹#›</a:t>
+            </a:fld>
+            <a:endParaRPr lang="en-US"/>
+          </a:p>
+        </p:txBody>
+      </p:sp>
+      <p:sp>
+        <p:nvSpPr>
+          <p:cNvPr id="8" name="Text Placeholder 3"/>
+          <p:cNvSpPr>
+            <a:spLocks noGrp="1"/>
+          </p:cNvSpPr>
+          <p:nvPr>
+            <p:ph type="body" sz="half" idx="2"/>
+          </p:nvPr>
+        </p:nvSpPr>
+        <p:spPr>
+          <a:xfrm>
+            <a:off x="1154954" y="3657600"/>
+            <a:ext cx="8825659" cy="2362200"/>
+          </a:xfrm>
+        </p:spPr>
+        <p:txBody>
+          <a:bodyPr anchor="ctr">
+            <a:normAutofit/>
+          </a:bodyPr>
+          <a:lstStyle>
+            <a:lvl1pPr marL="0" indent="0">
+              <a:buNone/>
+              <a:defRPr sz="1800"/>
+            </a:lvl1pPr>
+            <a:lvl2pPr marL="457200" indent="0">
+              <a:buNone/>
+              <a:defRPr sz="1200"/>
+            </a:lvl2pPr>
+            <a:lvl3pPr marL="914400" indent="0">
+              <a:buNone/>
+              <a:defRPr sz="1000"/>
+            </a:lvl3pPr>
+            <a:lvl4pPr marL="1371600" indent="0">
+              <a:buNone/>
+              <a:defRPr sz="900"/>
+            </a:lvl4pPr>
+            <a:lvl5pPr marL="1828800" indent="0">
+              <a:buNone/>
+              <a:defRPr sz="900"/>
+            </a:lvl5pPr>
+            <a:lvl6pPr marL="2286000" indent="0">
+              <a:buNone/>
+              <a:defRPr sz="900"/>
+            </a:lvl6pPr>
+            <a:lvl7pPr marL="2743200" indent="0">
+              <a:buNone/>
+              <a:defRPr sz="900"/>
+            </a:lvl7pPr>
+            <a:lvl8pPr marL="3200400" indent="0">
+              <a:buNone/>
+              <a:defRPr sz="900"/>
+            </a:lvl8pPr>
+            <a:lvl9pPr marL="3657600" indent="0">
+              <a:buNone/>
+              <a:defRPr sz="900"/>
+            </a:lvl9pPr>
+          </a:lstStyle>
+          <a:p>
+            <a:pPr lvl="0"/>
+            <a:r>
+              <a:rPr lang="en-US" smtClean="0"/>
+              <a:t>Click to edit Master text styles</a:t>
+            </a:r>
+          </a:p>
+        </p:txBody>
+      </p:sp>
+    </p:spTree>
+    <p:extLst>
+      <p:ext uri="{BB962C8B-B14F-4D97-AF65-F5344CB8AC3E}">
+        <p14:creationId xmlns:p14="http://schemas.microsoft.com/office/powerpoint/2010/main" val="1640915260"/>
+      </p:ext>
+    </p:extLst>
+  </p:cSld>
+  <p:clrMapOvr>
+    <a:masterClrMapping/>
+  </p:clrMapOvr>
+</p:sldLayout>
+</file>
+
+<file path=ppt/slideLayouts/slideLayout12.xml><?xml version="1.0" encoding="utf-8"?>
+<p:sldLayout xmlns:a="http://schemas.openxmlformats.org/drawingml/2006/main" xmlns:r="http://schemas.openxmlformats.org/officeDocument/2006/relationships" xmlns:p="http://schemas.openxmlformats.org/presentationml/2006/main" preserve="1">
+  <p:cSld name="Quote with Caption">
+    <p:spTree>
+      <p:nvGrpSpPr>
+        <p:cNvPr id="1" name=""/>
+        <p:cNvGrpSpPr/>
+        <p:nvPr/>
+      </p:nvGrpSpPr>
+      <p:grpSpPr>
+        <a:xfrm>
+          <a:off x="0" y="0"/>
+          <a:ext cx="0" cy="0"/>
+          <a:chOff x="0" y="0"/>
+          <a:chExt cx="0" cy="0"/>
+        </a:xfrm>
+      </p:grpSpPr>
+      <p:sp>
+        <p:nvSpPr>
+          <p:cNvPr id="2" name="Title 1"/>
+          <p:cNvSpPr>
+            <a:spLocks noGrp="1"/>
+          </p:cNvSpPr>
+          <p:nvPr>
+            <p:ph type="title"/>
+          </p:nvPr>
+        </p:nvSpPr>
+        <p:spPr>
+          <a:xfrm>
+            <a:off x="1574801" y="1447800"/>
+            <a:ext cx="7999315" cy="2323374"/>
+          </a:xfrm>
+        </p:spPr>
+        <p:txBody>
+          <a:bodyPr/>
+          <a:lstStyle>
+            <a:lvl1pPr>
+              <a:defRPr sz="4800"/>
+            </a:lvl1pPr>
+          </a:lstStyle>
+          <a:p>
+            <a:r>
+              <a:rPr lang="en-US" smtClean="0"/>
+              <a:t>Click to edit Master title style</a:t>
+            </a:r>
+            <a:endParaRPr lang="en-US" dirty="0"/>
+          </a:p>
+        </p:txBody>
+      </p:sp>
+      <p:sp>
+        <p:nvSpPr>
+          <p:cNvPr id="4" name="Date Placeholder 3"/>
+          <p:cNvSpPr>
+            <a:spLocks noGrp="1"/>
+          </p:cNvSpPr>
+          <p:nvPr>
+            <p:ph type="dt" sz="half" idx="10"/>
+          </p:nvPr>
+        </p:nvSpPr>
+        <p:spPr/>
+        <p:txBody>
+          <a:bodyPr/>
+          <a:lstStyle/>
+          <a:p>
+            <a:fld id="{40FF0622-75E4-48B8-A617-5428CA5926CE}" type="datetimeFigureOut">
+              <a:rPr lang="en-US" smtClean="0"/>
+              <a:t>7/31/2013</a:t>
+            </a:fld>
+            <a:endParaRPr lang="en-US"/>
+          </a:p>
+        </p:txBody>
+      </p:sp>
+      <p:sp>
+        <p:nvSpPr>
+          <p:cNvPr id="5" name="Footer Placeholder 4"/>
+          <p:cNvSpPr>
+            <a:spLocks noGrp="1"/>
+          </p:cNvSpPr>
+          <p:nvPr>
+            <p:ph type="ftr" sz="quarter" idx="11"/>
+          </p:nvPr>
+        </p:nvSpPr>
+        <p:spPr/>
+        <p:txBody>
+          <a:bodyPr/>
+          <a:lstStyle/>
+          <a:p>
+            <a:endParaRPr lang="en-US"/>
+          </a:p>
+        </p:txBody>
+      </p:sp>
+      <p:sp>
+        <p:nvSpPr>
+          <p:cNvPr id="6" name="Slide Number Placeholder 5"/>
+          <p:cNvSpPr>
+            <a:spLocks noGrp="1"/>
+          </p:cNvSpPr>
+          <p:nvPr>
+            <p:ph type="sldNum" sz="quarter" idx="12"/>
+          </p:nvPr>
+        </p:nvSpPr>
+        <p:spPr/>
+        <p:txBody>
+          <a:bodyPr/>
+          <a:lstStyle/>
+          <a:p>
+            <a:fld id="{BA875541-8164-4CC7-9F2F-6F0C49BB858D}" type="slidenum">
+              <a:rPr lang="en-US" smtClean="0"/>
+              <a:t>‹#›</a:t>
+            </a:fld>
+            <a:endParaRPr lang="en-US"/>
+          </a:p>
+        </p:txBody>
+      </p:sp>
+      <p:sp>
+        <p:nvSpPr>
+          <p:cNvPr id="10" name="Text Placeholder 3"/>
+          <p:cNvSpPr>
+            <a:spLocks noGrp="1"/>
+          </p:cNvSpPr>
+          <p:nvPr>
+            <p:ph type="body" sz="half" idx="2"/>
+          </p:nvPr>
+        </p:nvSpPr>
+        <p:spPr>
+          <a:xfrm>
+            <a:off x="1154954" y="4350657"/>
+            <a:ext cx="8825659" cy="1676400"/>
+          </a:xfrm>
+        </p:spPr>
+        <p:txBody>
+          <a:bodyPr anchor="ctr">
+            <a:normAutofit/>
+          </a:bodyPr>
+          <a:lstStyle>
+            <a:lvl1pPr marL="0" indent="0">
+              <a:buNone/>
+              <a:defRPr sz="1800"/>
+            </a:lvl1pPr>
+            <a:lvl2pPr marL="457200" indent="0">
+              <a:buNone/>
+              <a:defRPr sz="1200"/>
+            </a:lvl2pPr>
+            <a:lvl3pPr marL="914400" indent="0">
+              <a:buNone/>
+              <a:defRPr sz="1000"/>
+            </a:lvl3pPr>
+            <a:lvl4pPr marL="1371600" indent="0">
+              <a:buNone/>
+              <a:defRPr sz="900"/>
+            </a:lvl4pPr>
+            <a:lvl5pPr marL="1828800" indent="0">
+              <a:buNone/>
+              <a:defRPr sz="900"/>
+            </a:lvl5pPr>
+            <a:lvl6pPr marL="2286000" indent="0">
+              <a:buNone/>
+              <a:defRPr sz="900"/>
+            </a:lvl6pPr>
+            <a:lvl7pPr marL="2743200" indent="0">
+              <a:buNone/>
+              <a:defRPr sz="900"/>
+            </a:lvl7pPr>
+            <a:lvl8pPr marL="3200400" indent="0">
+              <a:buNone/>
+              <a:defRPr sz="900"/>
+            </a:lvl8pPr>
+            <a:lvl9pPr marL="3657600" indent="0">
+              <a:buNone/>
+              <a:defRPr sz="900"/>
+            </a:lvl9pPr>
+          </a:lstStyle>
+          <a:p>
+            <a:pPr lvl="0"/>
+            <a:r>
+              <a:rPr lang="en-US" smtClean="0"/>
+              <a:t>Click to edit Master text styles</a:t>
+            </a:r>
+          </a:p>
+        </p:txBody>
+      </p:sp>
+      <p:sp>
+        <p:nvSpPr>
+          <p:cNvPr id="14" name="Text Placeholder 3"/>
+          <p:cNvSpPr>
+            <a:spLocks noGrp="1"/>
+          </p:cNvSpPr>
+          <p:nvPr>
+            <p:ph type="body" sz="half" idx="13"/>
+          </p:nvPr>
+        </p:nvSpPr>
+        <p:spPr>
+          <a:xfrm>
+            <a:off x="1930400" y="3771174"/>
+            <a:ext cx="7385828" cy="342174"/>
+          </a:xfrm>
+        </p:spPr>
+        <p:txBody>
+          <a:bodyPr anchor="t">
+            <a:normAutofit/>
+          </a:bodyPr>
+          <a:lstStyle>
+            <a:lvl1pPr marL="0" indent="0">
+              <a:buNone/>
+              <a:defRPr lang="en-US" sz="1400" b="0" i="0" kern="1200" cap="small" dirty="0" smtClean="0">
+                <a:solidFill>
+                  <a:schemeClr val="accent1"/>
+                </a:solidFill>
+                <a:latin typeface="+mj-lt"/>
+                <a:ea typeface="+mj-ea"/>
+                <a:cs typeface="+mj-cs"/>
+              </a:defRPr>
+            </a:lvl1pPr>
+            <a:lvl2pPr marL="457200" indent="0">
+              <a:buNone/>
+              <a:defRPr sz="1200"/>
+            </a:lvl2pPr>
+            <a:lvl3pPr marL="914400" indent="0">
+              <a:buNone/>
+              <a:defRPr sz="1000"/>
+            </a:lvl3pPr>
+            <a:lvl4pPr marL="1371600" indent="0">
+              <a:buNone/>
+              <a:defRPr sz="900"/>
+            </a:lvl4pPr>
+            <a:lvl5pPr marL="1828800" indent="0">
+              <a:buNone/>
+              <a:defRPr sz="900"/>
+            </a:lvl5pPr>
+            <a:lvl6pPr marL="2286000" indent="0">
+              <a:buNone/>
+              <a:defRPr sz="900"/>
+            </a:lvl6pPr>
+            <a:lvl7pPr marL="2743200" indent="0">
+              <a:buNone/>
+              <a:defRPr sz="900"/>
+            </a:lvl7pPr>
+            <a:lvl8pPr marL="3200400" indent="0">
+              <a:buNone/>
+              <a:defRPr sz="900"/>
+            </a:lvl8pPr>
+            <a:lvl9pPr marL="3657600" indent="0">
+              <a:buNone/>
+              <a:defRPr sz="900"/>
+            </a:lvl9pPr>
+          </a:lstStyle>
+          <a:p>
+            <a:pPr lvl="0"/>
+            <a:r>
+              <a:rPr lang="en-US" smtClean="0"/>
+              <a:t>Click to edit Master text styles</a:t>
+            </a:r>
+          </a:p>
+        </p:txBody>
+      </p:sp>
+      <p:sp>
+        <p:nvSpPr>
+          <p:cNvPr id="11" name="TextBox 10"/>
+          <p:cNvSpPr txBox="1"/>
+          <p:nvPr/>
+        </p:nvSpPr>
+        <p:spPr>
+          <a:xfrm>
+            <a:off x="898295" y="971253"/>
+            <a:ext cx="801912" cy="1969770"/>
+          </a:xfrm>
+          <a:prstGeom prst="rect">
+            <a:avLst/>
+          </a:prstGeom>
+          <a:noFill/>
+        </p:spPr>
+        <p:txBody>
+          <a:bodyPr wrap="square" rtlCol="0">
+            <a:spAutoFit/>
+          </a:bodyPr>
+          <a:lstStyle>
+            <a:defPPr>
+              <a:defRPr lang="en-US"/>
+            </a:defPPr>
+            <a:lvl1pPr algn="r">
+              <a:defRPr sz="12200" b="0" i="0">
+                <a:solidFill>
+                  <a:schemeClr val="accent1"/>
+                </a:solidFill>
+                <a:latin typeface="Arial"/>
+                <a:ea typeface="+mj-ea"/>
+                <a:cs typeface="+mj-cs"/>
+              </a:defRPr>
+            </a:lvl1pPr>
+          </a:lstStyle>
+          <a:p>
+            <a:pPr lvl="0"/>
+            <a:r>
+              <a:rPr lang="en-US" dirty="0" smtClean="0"/>
+              <a:t>“</a:t>
+            </a:r>
+            <a:endParaRPr lang="en-US" dirty="0"/>
+          </a:p>
+        </p:txBody>
+      </p:sp>
+      <p:sp>
+        <p:nvSpPr>
+          <p:cNvPr id="13" name="TextBox 12"/>
+          <p:cNvSpPr txBox="1"/>
+          <p:nvPr/>
+        </p:nvSpPr>
+        <p:spPr>
+          <a:xfrm>
+            <a:off x="9330490" y="2613787"/>
+            <a:ext cx="801912" cy="1969770"/>
+          </a:xfrm>
+          <a:prstGeom prst="rect">
+            <a:avLst/>
+          </a:prstGeom>
+          <a:noFill/>
+        </p:spPr>
+        <p:txBody>
+          <a:bodyPr wrap="square" rtlCol="0">
+            <a:spAutoFit/>
+          </a:bodyPr>
+          <a:lstStyle>
+            <a:defPPr>
+              <a:defRPr lang="en-US"/>
+            </a:defPPr>
+            <a:lvl1pPr algn="r">
+              <a:defRPr sz="12200" b="0" i="0">
+                <a:solidFill>
+                  <a:schemeClr val="accent1"/>
+                </a:solidFill>
+                <a:latin typeface="Arial"/>
+                <a:ea typeface="+mj-ea"/>
+                <a:cs typeface="+mj-cs"/>
+              </a:defRPr>
+            </a:lvl1pPr>
+          </a:lstStyle>
+          <a:p>
+            <a:pPr lvl="0"/>
+            <a:r>
+              <a:rPr lang="en-US" dirty="0" smtClean="0"/>
+              <a:t>”</a:t>
+            </a:r>
+            <a:endParaRPr lang="en-US" dirty="0"/>
+          </a:p>
+        </p:txBody>
+      </p:sp>
+    </p:spTree>
+    <p:extLst>
+      <p:ext uri="{BB962C8B-B14F-4D97-AF65-F5344CB8AC3E}">
+        <p14:creationId xmlns:p14="http://schemas.microsoft.com/office/powerpoint/2010/main" val="2347621684"/>
+      </p:ext>
+    </p:extLst>
+  </p:cSld>
+  <p:clrMapOvr>
+    <a:masterClrMapping/>
+  </p:clrMapOvr>
+</p:sldLayout>
+</file>
+
+<file path=ppt/slideLayouts/slideLayout13.xml><?xml version="1.0" encoding="utf-8"?>
+<p:sldLayout xmlns:a="http://schemas.openxmlformats.org/drawingml/2006/main" xmlns:r="http://schemas.openxmlformats.org/officeDocument/2006/relationships" xmlns:p="http://schemas.openxmlformats.org/presentationml/2006/main" type="secHead" preserve="1">
+  <p:cSld name="Name Card">
+    <p:spTree>
+      <p:nvGrpSpPr>
+        <p:cNvPr id="1" name=""/>
+        <p:cNvGrpSpPr/>
+        <p:nvPr/>
+      </p:nvGrpSpPr>
+      <p:grpSpPr>
+        <a:xfrm>
+          <a:off x="0" y="0"/>
+          <a:ext cx="0" cy="0"/>
+          <a:chOff x="0" y="0"/>
+          <a:chExt cx="0" cy="0"/>
+        </a:xfrm>
+      </p:grpSpPr>
+      <p:sp>
+        <p:nvSpPr>
+          <p:cNvPr id="2" name="Title 1"/>
+          <p:cNvSpPr>
+            <a:spLocks noGrp="1"/>
+          </p:cNvSpPr>
+          <p:nvPr>
+            <p:ph type="title"/>
+          </p:nvPr>
+        </p:nvSpPr>
+        <p:spPr>
+          <a:xfrm>
+            <a:off x="1154954" y="3124201"/>
+            <a:ext cx="8825659" cy="1653180"/>
+          </a:xfrm>
+        </p:spPr>
+        <p:txBody>
+          <a:bodyPr anchor="b"/>
+          <a:lstStyle>
+            <a:lvl1pPr algn="l">
+              <a:defRPr sz="4000" b="0" cap="none"/>
+            </a:lvl1pPr>
+          </a:lstStyle>
+          <a:p>
+            <a:r>
+              <a:rPr lang="en-US" smtClean="0"/>
+              <a:t>Click to edit Master title style</a:t>
+            </a:r>
+            <a:endParaRPr lang="en-US" dirty="0"/>
+          </a:p>
+        </p:txBody>
+      </p:sp>
+      <p:sp>
+        <p:nvSpPr>
+          <p:cNvPr id="3" name="Text Placeholder 2"/>
+          <p:cNvSpPr>
+            <a:spLocks noGrp="1"/>
+          </p:cNvSpPr>
+          <p:nvPr>
+            <p:ph type="body" idx="1"/>
+          </p:nvPr>
+        </p:nvSpPr>
+        <p:spPr>
+          <a:xfrm>
+            <a:off x="1154955" y="4777381"/>
+            <a:ext cx="8825658" cy="860400"/>
+          </a:xfrm>
+        </p:spPr>
+        <p:txBody>
+          <a:bodyPr anchor="t"/>
+          <a:lstStyle>
+            <a:lvl1pPr marL="0" indent="0" algn="l">
+              <a:buNone/>
+              <a:defRPr sz="2000" cap="none">
+                <a:solidFill>
+                  <a:schemeClr val="accent1"/>
+                </a:solidFill>
+              </a:defRPr>
+            </a:lvl1pPr>
+            <a:lvl2pPr marL="457200" indent="0">
+              <a:buNone/>
+              <a:defRPr sz="1800">
+                <a:solidFill>
+                  <a:schemeClr val="tx1">
+                    <a:tint val="75000"/>
+                  </a:schemeClr>
+                </a:solidFill>
+              </a:defRPr>
+            </a:lvl2pPr>
+            <a:lvl3pPr marL="914400" indent="0">
+              <a:buNone/>
+              <a:defRPr sz="1600">
+                <a:solidFill>
+                  <a:schemeClr val="tx1">
+                    <a:tint val="75000"/>
+                  </a:schemeClr>
+                </a:solidFill>
+              </a:defRPr>
+            </a:lvl3pPr>
+            <a:lvl4pPr marL="1371600" indent="0">
+              <a:buNone/>
+              <a:defRPr sz="1400">
+                <a:solidFill>
+                  <a:schemeClr val="tx1">
+                    <a:tint val="75000"/>
+                  </a:schemeClr>
+                </a:solidFill>
+              </a:defRPr>
+            </a:lvl4pPr>
+            <a:lvl5pPr marL="1828800" indent="0">
+              <a:buNone/>
+              <a:defRPr sz="1400">
+                <a:solidFill>
+                  <a:schemeClr val="tx1">
+                    <a:tint val="75000"/>
+                  </a:schemeClr>
+                </a:solidFill>
+              </a:defRPr>
+            </a:lvl5pPr>
+            <a:lvl6pPr marL="2286000" indent="0">
+              <a:buNone/>
+              <a:defRPr sz="1400">
+                <a:solidFill>
+                  <a:schemeClr val="tx1">
+                    <a:tint val="75000"/>
+                  </a:schemeClr>
+                </a:solidFill>
+              </a:defRPr>
+            </a:lvl6pPr>
+            <a:lvl7pPr marL="2743200" indent="0">
+              <a:buNone/>
+              <a:defRPr sz="1400">
+                <a:solidFill>
+                  <a:schemeClr val="tx1">
+                    <a:tint val="75000"/>
+                  </a:schemeClr>
+                </a:solidFill>
+              </a:defRPr>
+            </a:lvl7pPr>
+            <a:lvl8pPr marL="3200400" indent="0">
+              <a:buNone/>
+              <a:defRPr sz="1400">
+                <a:solidFill>
+                  <a:schemeClr val="tx1">
+                    <a:tint val="75000"/>
+                  </a:schemeClr>
+                </a:solidFill>
+              </a:defRPr>
+            </a:lvl8pPr>
+            <a:lvl9pPr marL="3657600" indent="0">
+              <a:buNone/>
+              <a:defRPr sz="1400">
+                <a:solidFill>
+                  <a:schemeClr val="tx1">
+                    <a:tint val="75000"/>
+                  </a:schemeClr>
+                </a:solidFill>
+              </a:defRPr>
+            </a:lvl9pPr>
+          </a:lstStyle>
+          <a:p>
+            <a:pPr lvl="0"/>
+            <a:r>
+              <a:rPr lang="en-US" smtClean="0"/>
+              <a:t>Click to edit Master text styles</a:t>
+            </a:r>
+          </a:p>
+        </p:txBody>
+      </p:sp>
+      <p:sp>
+        <p:nvSpPr>
+          <p:cNvPr id="4" name="Date Placeholder 3"/>
+          <p:cNvSpPr>
+            <a:spLocks noGrp="1"/>
+          </p:cNvSpPr>
+          <p:nvPr>
+            <p:ph type="dt" sz="half" idx="10"/>
+          </p:nvPr>
+        </p:nvSpPr>
+        <p:spPr/>
+        <p:txBody>
+          <a:bodyPr/>
+          <a:lstStyle/>
+          <a:p>
+            <a:fld id="{40FF0622-75E4-48B8-A617-5428CA5926CE}" type="datetimeFigureOut">
+              <a:rPr lang="en-US" smtClean="0"/>
+              <a:t>7/31/2013</a:t>
+            </a:fld>
+            <a:endParaRPr lang="en-US"/>
+          </a:p>
+        </p:txBody>
+      </p:sp>
+      <p:sp>
+        <p:nvSpPr>
+          <p:cNvPr id="5" name="Footer Placeholder 4"/>
+          <p:cNvSpPr>
+            <a:spLocks noGrp="1"/>
+          </p:cNvSpPr>
+          <p:nvPr>
+            <p:ph type="ftr" sz="quarter" idx="11"/>
+          </p:nvPr>
+        </p:nvSpPr>
+        <p:spPr/>
+        <p:txBody>
+          <a:bodyPr/>
+          <a:lstStyle/>
+          <a:p>
+            <a:endParaRPr lang="en-US"/>
+          </a:p>
+        </p:txBody>
+      </p:sp>
+      <p:sp>
+        <p:nvSpPr>
+          <p:cNvPr id="6" name="Slide Number Placeholder 5"/>
+          <p:cNvSpPr>
+            <a:spLocks noGrp="1"/>
+          </p:cNvSpPr>
+          <p:nvPr>
+            <p:ph type="sldNum" sz="quarter" idx="12"/>
+          </p:nvPr>
+        </p:nvSpPr>
+        <p:spPr/>
+        <p:txBody>
+          <a:bodyPr/>
+          <a:lstStyle/>
+          <a:p>
+            <a:fld id="{BA875541-8164-4CC7-9F2F-6F0C49BB858D}" type="slidenum">
+              <a:rPr lang="en-US" smtClean="0"/>
+              <a:t>‹#›</a:t>
+            </a:fld>
+            <a:endParaRPr lang="en-US"/>
+          </a:p>
+        </p:txBody>
+      </p:sp>
+    </p:spTree>
+    <p:extLst>
+      <p:ext uri="{BB962C8B-B14F-4D97-AF65-F5344CB8AC3E}">
+        <p14:creationId xmlns:p14="http://schemas.microsoft.com/office/powerpoint/2010/main" val="1049460774"/>
+      </p:ext>
+    </p:extLst>
+  </p:cSld>
+  <p:clrMapOvr>
+    <a:masterClrMapping/>
+  </p:clrMapOvr>
+</p:sldLayout>
+</file>
+
+<file path=ppt/slideLayouts/slideLayout14.xml><?xml version="1.0" encoding="utf-8"?>
+<p:sldLayout xmlns:a="http://schemas.openxmlformats.org/drawingml/2006/main" xmlns:r="http://schemas.openxmlformats.org/officeDocument/2006/relationships" xmlns:p="http://schemas.openxmlformats.org/presentationml/2006/main" preserve="1">
+  <p:cSld name="Quote Name Card">
+    <p:spTree>
+      <p:nvGrpSpPr>
+        <p:cNvPr id="1" name=""/>
+        <p:cNvGrpSpPr/>
+        <p:nvPr/>
+      </p:nvGrpSpPr>
+      <p:grpSpPr>
+        <a:xfrm>
+          <a:off x="0" y="0"/>
+          <a:ext cx="0" cy="0"/>
+          <a:chOff x="0" y="0"/>
+          <a:chExt cx="0" cy="0"/>
+        </a:xfrm>
+      </p:grpSpPr>
+      <p:sp>
+        <p:nvSpPr>
+          <p:cNvPr id="2" name="Title 1"/>
+          <p:cNvSpPr>
+            <a:spLocks noGrp="1"/>
+          </p:cNvSpPr>
+          <p:nvPr>
+            <p:ph type="title"/>
+          </p:nvPr>
+        </p:nvSpPr>
+        <p:spPr>
+          <a:xfrm>
+            <a:off x="1574801" y="1447800"/>
+            <a:ext cx="7999315" cy="3163026"/>
+          </a:xfrm>
+        </p:spPr>
+        <p:txBody>
+          <a:bodyPr/>
+          <a:lstStyle>
+            <a:lvl1pPr>
+              <a:defRPr sz="4800"/>
+            </a:lvl1pPr>
+          </a:lstStyle>
+          <a:p>
+            <a:r>
+              <a:rPr lang="en-US" smtClean="0"/>
+              <a:t>Click to edit Master title style</a:t>
+            </a:r>
+            <a:endParaRPr lang="en-US"/>
+          </a:p>
+        </p:txBody>
+      </p:sp>
+      <p:sp>
+        <p:nvSpPr>
+          <p:cNvPr id="4" name="Date Placeholder 3"/>
+          <p:cNvSpPr>
+            <a:spLocks noGrp="1"/>
+          </p:cNvSpPr>
+          <p:nvPr>
+            <p:ph type="dt" sz="half" idx="10"/>
+          </p:nvPr>
+        </p:nvSpPr>
+        <p:spPr/>
+        <p:txBody>
+          <a:bodyPr/>
+          <a:lstStyle/>
+          <a:p>
+            <a:fld id="{40FF0622-75E4-48B8-A617-5428CA5926CE}" type="datetimeFigureOut">
+              <a:rPr lang="en-US" smtClean="0"/>
+              <a:t>7/31/2013</a:t>
+            </a:fld>
+            <a:endParaRPr lang="en-US"/>
+          </a:p>
+        </p:txBody>
+      </p:sp>
+      <p:sp>
+        <p:nvSpPr>
+          <p:cNvPr id="5" name="Footer Placeholder 4"/>
+          <p:cNvSpPr>
+            <a:spLocks noGrp="1"/>
+          </p:cNvSpPr>
+          <p:nvPr>
+            <p:ph type="ftr" sz="quarter" idx="11"/>
+          </p:nvPr>
+        </p:nvSpPr>
+        <p:spPr/>
+        <p:txBody>
+          <a:bodyPr/>
+          <a:lstStyle/>
+          <a:p>
+            <a:endParaRPr lang="en-US"/>
+          </a:p>
+        </p:txBody>
+      </p:sp>
+      <p:sp>
+        <p:nvSpPr>
+          <p:cNvPr id="6" name="Slide Number Placeholder 5"/>
+          <p:cNvSpPr>
+            <a:spLocks noGrp="1"/>
+          </p:cNvSpPr>
+          <p:nvPr>
+            <p:ph type="sldNum" sz="quarter" idx="12"/>
+          </p:nvPr>
+        </p:nvSpPr>
+        <p:spPr/>
+        <p:txBody>
+          <a:bodyPr/>
+          <a:lstStyle/>
+          <a:p>
+            <a:fld id="{BA875541-8164-4CC7-9F2F-6F0C49BB858D}" type="slidenum">
+              <a:rPr lang="en-US" smtClean="0"/>
+              <a:t>‹#›</a:t>
+            </a:fld>
+            <a:endParaRPr lang="en-US"/>
+          </a:p>
+        </p:txBody>
+      </p:sp>
+      <p:sp>
+        <p:nvSpPr>
+          <p:cNvPr id="8" name="Text Placeholder 3"/>
+          <p:cNvSpPr>
+            <a:spLocks noGrp="1"/>
+          </p:cNvSpPr>
+          <p:nvPr>
+            <p:ph type="body" sz="half" idx="2"/>
+          </p:nvPr>
+        </p:nvSpPr>
+        <p:spPr>
+          <a:xfrm>
+            <a:off x="1574801" y="4953000"/>
+            <a:ext cx="7999315" cy="1074057"/>
+          </a:xfrm>
+        </p:spPr>
+        <p:txBody>
+          <a:bodyPr anchor="t">
+            <a:normAutofit/>
+          </a:bodyPr>
+          <a:lstStyle>
+            <a:lvl1pPr marL="0" indent="0">
+              <a:buNone/>
+              <a:defRPr lang="en-US" sz="1800" b="0" i="0" kern="1200" dirty="0" smtClean="0">
+                <a:solidFill>
+                  <a:schemeClr val="accent1"/>
+                </a:solidFill>
+                <a:latin typeface="+mj-lt"/>
+                <a:ea typeface="+mj-ea"/>
+                <a:cs typeface="+mj-cs"/>
+              </a:defRPr>
+            </a:lvl1pPr>
+            <a:lvl2pPr marL="457200" indent="0">
+              <a:buNone/>
+              <a:defRPr sz="1200"/>
+            </a:lvl2pPr>
+            <a:lvl3pPr marL="914400" indent="0">
+              <a:buNone/>
+              <a:defRPr sz="1000"/>
+            </a:lvl3pPr>
+            <a:lvl4pPr marL="1371600" indent="0">
+              <a:buNone/>
+              <a:defRPr sz="900"/>
+            </a:lvl4pPr>
+            <a:lvl5pPr marL="1828800" indent="0">
+              <a:buNone/>
+              <a:defRPr sz="900"/>
+            </a:lvl5pPr>
+            <a:lvl6pPr marL="2286000" indent="0">
+              <a:buNone/>
+              <a:defRPr sz="900"/>
+            </a:lvl6pPr>
+            <a:lvl7pPr marL="2743200" indent="0">
+              <a:buNone/>
+              <a:defRPr sz="900"/>
+            </a:lvl7pPr>
+            <a:lvl8pPr marL="3200400" indent="0">
+              <a:buNone/>
+              <a:defRPr sz="900"/>
+            </a:lvl8pPr>
+            <a:lvl9pPr marL="3657600" indent="0">
+              <a:buNone/>
+              <a:defRPr sz="900"/>
+            </a:lvl9pPr>
+          </a:lstStyle>
+          <a:p>
+            <a:pPr lvl="0"/>
+            <a:r>
+              <a:rPr lang="en-US" smtClean="0"/>
+              <a:t>Click to edit Master text styles</a:t>
+            </a:r>
+          </a:p>
+        </p:txBody>
+      </p:sp>
+      <p:sp>
+        <p:nvSpPr>
+          <p:cNvPr id="11" name="TextBox 10"/>
+          <p:cNvSpPr txBox="1"/>
+          <p:nvPr/>
+        </p:nvSpPr>
+        <p:spPr>
+          <a:xfrm>
+            <a:off x="9334033" y="3316513"/>
+            <a:ext cx="801912" cy="1969770"/>
+          </a:xfrm>
+          <a:prstGeom prst="rect">
+            <a:avLst/>
+          </a:prstGeom>
+          <a:noFill/>
+        </p:spPr>
+        <p:txBody>
+          <a:bodyPr wrap="square" rtlCol="0">
+            <a:spAutoFit/>
+          </a:bodyPr>
+          <a:lstStyle>
+            <a:defPPr>
+              <a:defRPr lang="en-US"/>
+            </a:defPPr>
+            <a:lvl1pPr algn="r">
+              <a:defRPr sz="12200" b="0" i="0">
+                <a:solidFill>
+                  <a:schemeClr val="accent1"/>
+                </a:solidFill>
+                <a:latin typeface="Arial"/>
+                <a:ea typeface="+mj-ea"/>
+                <a:cs typeface="+mj-cs"/>
+              </a:defRPr>
+            </a:lvl1pPr>
+          </a:lstStyle>
+          <a:p>
+            <a:pPr lvl="0"/>
+            <a:r>
+              <a:rPr lang="en-US" dirty="0" smtClean="0"/>
+              <a:t>”</a:t>
+            </a:r>
+            <a:endParaRPr lang="en-US" dirty="0"/>
+          </a:p>
+        </p:txBody>
+      </p:sp>
+      <p:sp>
+        <p:nvSpPr>
+          <p:cNvPr id="14" name="TextBox 13"/>
+          <p:cNvSpPr txBox="1"/>
+          <p:nvPr/>
+        </p:nvSpPr>
+        <p:spPr>
+          <a:xfrm>
+            <a:off x="898295" y="971253"/>
+            <a:ext cx="801912" cy="1969770"/>
+          </a:xfrm>
+          <a:prstGeom prst="rect">
+            <a:avLst/>
+          </a:prstGeom>
+          <a:noFill/>
+        </p:spPr>
+        <p:txBody>
+          <a:bodyPr wrap="square" rtlCol="0">
+            <a:spAutoFit/>
+          </a:bodyPr>
+          <a:lstStyle>
+            <a:defPPr>
+              <a:defRPr lang="en-US"/>
+            </a:defPPr>
+            <a:lvl1pPr algn="r">
+              <a:defRPr sz="12200" b="0" i="0">
+                <a:solidFill>
+                  <a:schemeClr val="accent1"/>
+                </a:solidFill>
+                <a:latin typeface="Arial"/>
+                <a:ea typeface="+mj-ea"/>
+                <a:cs typeface="+mj-cs"/>
+              </a:defRPr>
+            </a:lvl1pPr>
+          </a:lstStyle>
+          <a:p>
+            <a:pPr lvl="0"/>
+            <a:r>
+              <a:rPr lang="en-US" dirty="0" smtClean="0"/>
+              <a:t>“</a:t>
+            </a:r>
+            <a:endParaRPr lang="en-US" dirty="0"/>
+          </a:p>
+        </p:txBody>
+      </p:sp>
+    </p:spTree>
+    <p:extLst>
+      <p:ext uri="{BB962C8B-B14F-4D97-AF65-F5344CB8AC3E}">
+        <p14:creationId xmlns:p14="http://schemas.microsoft.com/office/powerpoint/2010/main" val="1664584053"/>
+      </p:ext>
+    </p:extLst>
+  </p:cSld>
+  <p:clrMapOvr>
+    <a:masterClrMapping/>
+  </p:clrMapOvr>
+</p:sldLayout>
+</file>
+
+<file path=ppt/slideLayouts/slideLayout15.xml><?xml version="1.0" encoding="utf-8"?>
+<p:sldLayout xmlns:a="http://schemas.openxmlformats.org/drawingml/2006/main" xmlns:r="http://schemas.openxmlformats.org/officeDocument/2006/relationships" xmlns:p="http://schemas.openxmlformats.org/presentationml/2006/main" preserve="1">
+  <p:cSld name="True or False">
+    <p:spTree>
+      <p:nvGrpSpPr>
+        <p:cNvPr id="1" name=""/>
+        <p:cNvGrpSpPr/>
+        <p:nvPr/>
+      </p:nvGrpSpPr>
+      <p:grpSpPr>
+        <a:xfrm>
+          <a:off x="0" y="0"/>
+          <a:ext cx="0" cy="0"/>
+          <a:chOff x="0" y="0"/>
+          <a:chExt cx="0" cy="0"/>
+        </a:xfrm>
+      </p:grpSpPr>
+      <p:sp>
+        <p:nvSpPr>
+          <p:cNvPr id="2" name="Title 1"/>
+          <p:cNvSpPr>
+            <a:spLocks noGrp="1"/>
+          </p:cNvSpPr>
+          <p:nvPr>
+            <p:ph type="title"/>
+          </p:nvPr>
+        </p:nvSpPr>
+        <p:spPr>
+          <a:xfrm>
+            <a:off x="1154954" y="1447800"/>
+            <a:ext cx="8825659" cy="1981200"/>
+          </a:xfrm>
+        </p:spPr>
+        <p:txBody>
+          <a:bodyPr/>
+          <a:lstStyle>
+            <a:lvl1pPr>
+              <a:defRPr sz="4800"/>
+            </a:lvl1pPr>
+          </a:lstStyle>
+          <a:p>
+            <a:r>
+              <a:rPr lang="en-US" smtClean="0"/>
+              <a:t>Click to edit Master title style</a:t>
+            </a:r>
+            <a:endParaRPr lang="en-US"/>
+          </a:p>
+        </p:txBody>
+      </p:sp>
+      <p:sp>
+        <p:nvSpPr>
+          <p:cNvPr id="4" name="Date Placeholder 3"/>
+          <p:cNvSpPr>
+            <a:spLocks noGrp="1"/>
+          </p:cNvSpPr>
+          <p:nvPr>
+            <p:ph type="dt" sz="half" idx="10"/>
+          </p:nvPr>
+        </p:nvSpPr>
+        <p:spPr/>
+        <p:txBody>
+          <a:bodyPr/>
+          <a:lstStyle/>
+          <a:p>
+            <a:fld id="{40FF0622-75E4-48B8-A617-5428CA5926CE}" type="datetimeFigureOut">
+              <a:rPr lang="en-US" smtClean="0"/>
+              <a:t>7/31/2013</a:t>
+            </a:fld>
+            <a:endParaRPr lang="en-US"/>
+          </a:p>
+        </p:txBody>
+      </p:sp>
+      <p:sp>
+        <p:nvSpPr>
+          <p:cNvPr id="5" name="Footer Placeholder 4"/>
+          <p:cNvSpPr>
+            <a:spLocks noGrp="1"/>
+          </p:cNvSpPr>
+          <p:nvPr>
+            <p:ph type="ftr" sz="quarter" idx="11"/>
+          </p:nvPr>
+        </p:nvSpPr>
+        <p:spPr/>
+        <p:txBody>
+          <a:bodyPr/>
+          <a:lstStyle/>
+          <a:p>
+            <a:endParaRPr lang="en-US"/>
+          </a:p>
+        </p:txBody>
+      </p:sp>
+      <p:sp>
+        <p:nvSpPr>
+          <p:cNvPr id="6" name="Slide Number Placeholder 5"/>
+          <p:cNvSpPr>
+            <a:spLocks noGrp="1"/>
+          </p:cNvSpPr>
+          <p:nvPr>
+            <p:ph type="sldNum" sz="quarter" idx="12"/>
+          </p:nvPr>
+        </p:nvSpPr>
+        <p:spPr/>
+        <p:txBody>
+          <a:bodyPr/>
+          <a:lstStyle/>
+          <a:p>
+            <a:fld id="{BA875541-8164-4CC7-9F2F-6F0C49BB858D}" type="slidenum">
+              <a:rPr lang="en-US" smtClean="0"/>
+              <a:t>‹#›</a:t>
+            </a:fld>
+            <a:endParaRPr lang="en-US"/>
+          </a:p>
+        </p:txBody>
+      </p:sp>
+      <p:sp>
+        <p:nvSpPr>
+          <p:cNvPr id="10" name="Text Placeholder 3"/>
+          <p:cNvSpPr>
+            <a:spLocks noGrp="1"/>
+          </p:cNvSpPr>
+          <p:nvPr>
+            <p:ph type="body" sz="half" idx="2"/>
+          </p:nvPr>
+        </p:nvSpPr>
+        <p:spPr>
+          <a:xfrm>
+            <a:off x="1154954" y="4350657"/>
+            <a:ext cx="8825659" cy="1676400"/>
+          </a:xfrm>
+        </p:spPr>
+        <p:txBody>
+          <a:bodyPr anchor="t">
+            <a:normAutofit/>
+          </a:bodyPr>
+          <a:lstStyle>
+            <a:lvl1pPr marL="0" indent="0">
+              <a:buNone/>
+              <a:defRPr sz="1800"/>
+            </a:lvl1pPr>
+            <a:lvl2pPr marL="457200" indent="0">
+              <a:buNone/>
+              <a:defRPr sz="1200"/>
+            </a:lvl2pPr>
+            <a:lvl3pPr marL="914400" indent="0">
+              <a:buNone/>
+              <a:defRPr sz="1000"/>
+            </a:lvl3pPr>
+            <a:lvl4pPr marL="1371600" indent="0">
+              <a:buNone/>
+              <a:defRPr sz="900"/>
+            </a:lvl4pPr>
+            <a:lvl5pPr marL="1828800" indent="0">
+              <a:buNone/>
+              <a:defRPr sz="900"/>
+            </a:lvl5pPr>
+            <a:lvl6pPr marL="2286000" indent="0">
+              <a:buNone/>
+              <a:defRPr sz="900"/>
+            </a:lvl6pPr>
+            <a:lvl7pPr marL="2743200" indent="0">
+              <a:buNone/>
+              <a:defRPr sz="900"/>
+            </a:lvl7pPr>
+            <a:lvl8pPr marL="3200400" indent="0">
+              <a:buNone/>
+              <a:defRPr sz="900"/>
+            </a:lvl8pPr>
+            <a:lvl9pPr marL="3657600" indent="0">
+              <a:buNone/>
+              <a:defRPr sz="900"/>
+            </a:lvl9pPr>
+          </a:lstStyle>
+          <a:p>
+            <a:pPr lvl="0"/>
+            <a:r>
+              <a:rPr lang="en-US" smtClean="0"/>
+              <a:t>Click to edit Master text styles</a:t>
+            </a:r>
+          </a:p>
+        </p:txBody>
+      </p:sp>
+      <p:sp>
+        <p:nvSpPr>
+          <p:cNvPr id="13" name="Text Placeholder 3"/>
+          <p:cNvSpPr>
+            <a:spLocks noGrp="1"/>
+          </p:cNvSpPr>
+          <p:nvPr>
+            <p:ph type="body" sz="half" idx="13"/>
+          </p:nvPr>
+        </p:nvSpPr>
+        <p:spPr>
+          <a:xfrm>
+            <a:off x="1154953" y="3848610"/>
+            <a:ext cx="8825659" cy="588517"/>
+          </a:xfrm>
+        </p:spPr>
+        <p:txBody>
+          <a:bodyPr anchor="b">
+            <a:normAutofit/>
+          </a:bodyPr>
+          <a:lstStyle>
+            <a:lvl1pPr marL="0" indent="0" algn="l" defTabSz="457200" rtl="0" eaLnBrk="1" latinLnBrk="0" hangingPunct="1">
+              <a:buNone/>
+              <a:defRPr lang="en-US" sz="3600" b="0" i="0" kern="1200" cap="none" dirty="0" smtClean="0">
+                <a:solidFill>
+                  <a:schemeClr val="accent1"/>
+                </a:solidFill>
+                <a:latin typeface="+mj-lt"/>
+                <a:ea typeface="+mj-ea"/>
+                <a:cs typeface="+mj-cs"/>
+              </a:defRPr>
+            </a:lvl1pPr>
+            <a:lvl2pPr marL="457200" indent="0">
+              <a:buNone/>
+              <a:defRPr sz="1200"/>
+            </a:lvl2pPr>
+            <a:lvl3pPr marL="914400" indent="0">
+              <a:buNone/>
+              <a:defRPr sz="1000"/>
+            </a:lvl3pPr>
+            <a:lvl4pPr marL="1371600" indent="0">
+              <a:buNone/>
+              <a:defRPr sz="900"/>
+            </a:lvl4pPr>
+            <a:lvl5pPr marL="1828800" indent="0">
+              <a:buNone/>
+              <a:defRPr sz="900"/>
+            </a:lvl5pPr>
+            <a:lvl6pPr marL="2286000" indent="0">
+              <a:buNone/>
+              <a:defRPr sz="900"/>
+            </a:lvl6pPr>
+            <a:lvl7pPr marL="2743200" indent="0">
+              <a:buNone/>
+              <a:defRPr sz="900"/>
+            </a:lvl7pPr>
+            <a:lvl8pPr marL="3200400" indent="0">
+              <a:buNone/>
+              <a:defRPr sz="900"/>
+            </a:lvl8pPr>
+            <a:lvl9pPr marL="3657600" indent="0">
+              <a:buNone/>
+              <a:defRPr sz="900"/>
+            </a:lvl9pPr>
+          </a:lstStyle>
+          <a:p>
+            <a:pPr lvl="0"/>
+            <a:r>
+              <a:rPr lang="en-US" smtClean="0"/>
+              <a:t>Click to edit Master text styles</a:t>
+            </a:r>
+          </a:p>
+        </p:txBody>
+      </p:sp>
+    </p:spTree>
+    <p:extLst>
+      <p:ext uri="{BB962C8B-B14F-4D97-AF65-F5344CB8AC3E}">
+        <p14:creationId xmlns:p14="http://schemas.microsoft.com/office/powerpoint/2010/main" val="2792226956"/>
+      </p:ext>
+    </p:extLst>
+  </p:cSld>
+  <p:clrMapOvr>
+    <a:masterClrMapping/>
+  </p:clrMapOvr>
+</p:sldLayout>
+</file>
+
+<file path=ppt/slideLayouts/slideLayout16.xml><?xml version="1.0" encoding="utf-8"?>
+<p:sldLayout xmlns:a="http://schemas.openxmlformats.org/drawingml/2006/main" xmlns:r="http://schemas.openxmlformats.org/officeDocument/2006/relationships" xmlns:p="http://schemas.openxmlformats.org/presentationml/2006/main" preserve="1">
+  <p:cSld name="3 Column">
+    <p:spTree>
+      <p:nvGrpSpPr>
+        <p:cNvPr id="1" name=""/>
+        <p:cNvGrpSpPr/>
+        <p:nvPr/>
+      </p:nvGrpSpPr>
+      <p:grpSpPr>
+        <a:xfrm>
+          <a:off x="0" y="0"/>
+          <a:ext cx="0" cy="0"/>
+          <a:chOff x="0" y="0"/>
+          <a:chExt cx="0" cy="0"/>
+        </a:xfrm>
+      </p:grpSpPr>
+      <p:sp>
+        <p:nvSpPr>
+          <p:cNvPr id="2" name="Title 1"/>
+          <p:cNvSpPr>
+            <a:spLocks noGrp="1"/>
+          </p:cNvSpPr>
+          <p:nvPr>
+            <p:ph type="title"/>
+          </p:nvPr>
+        </p:nvSpPr>
+        <p:spPr/>
+        <p:txBody>
+          <a:bodyPr/>
+          <a:lstStyle>
+            <a:lvl1pPr>
+              <a:defRPr sz="4000"/>
+            </a:lvl1pPr>
+          </a:lstStyle>
+          <a:p>
+            <a:r>
+              <a:rPr lang="en-US" smtClean="0"/>
+              <a:t>Click to edit Master title style</a:t>
+            </a:r>
+            <a:endParaRPr lang="en-US" dirty="0"/>
+          </a:p>
+        </p:txBody>
+      </p:sp>
+      <p:sp>
+        <p:nvSpPr>
+          <p:cNvPr id="3" name="Text Placeholder 2"/>
+          <p:cNvSpPr>
+            <a:spLocks noGrp="1"/>
+          </p:cNvSpPr>
+          <p:nvPr>
+            <p:ph type="body" idx="1"/>
+          </p:nvPr>
+        </p:nvSpPr>
+        <p:spPr>
+          <a:xfrm>
+            <a:off x="632947" y="1981200"/>
+            <a:ext cx="2946866" cy="576262"/>
+          </a:xfrm>
+        </p:spPr>
+        <p:txBody>
+          <a:bodyPr anchor="b">
+            <a:noAutofit/>
+          </a:bodyPr>
+          <a:lstStyle>
+            <a:lvl1pPr marL="0" indent="0">
+              <a:buNone/>
+              <a:defRPr sz="2400" b="0">
+                <a:solidFill>
+                  <a:schemeClr val="accent1"/>
+                </a:solidFill>
+              </a:defRPr>
+            </a:lvl1pPr>
+            <a:lvl2pPr marL="457200" indent="0">
+              <a:buNone/>
+              <a:defRPr sz="2000" b="1"/>
+            </a:lvl2pPr>
+            <a:lvl3pPr marL="914400" indent="0">
+              <a:buNone/>
+              <a:defRPr sz="1800" b="1"/>
+            </a:lvl3pPr>
+            <a:lvl4pPr marL="1371600" indent="0">
+              <a:buNone/>
+              <a:defRPr sz="1600" b="1"/>
+            </a:lvl4pPr>
+            <a:lvl5pPr marL="1828800" indent="0">
+              <a:buNone/>
+              <a:defRPr sz="1600" b="1"/>
+            </a:lvl5pPr>
+            <a:lvl6pPr marL="2286000" indent="0">
+              <a:buNone/>
+              <a:defRPr sz="1600" b="1"/>
+            </a:lvl6pPr>
+            <a:lvl7pPr marL="2743200" indent="0">
+              <a:buNone/>
+              <a:defRPr sz="1600" b="1"/>
+            </a:lvl7pPr>
+            <a:lvl8pPr marL="3200400" indent="0">
+              <a:buNone/>
+              <a:defRPr sz="1600" b="1"/>
+            </a:lvl8pPr>
+            <a:lvl9pPr marL="3657600" indent="0">
+              <a:buNone/>
+              <a:defRPr sz="1600" b="1"/>
+            </a:lvl9pPr>
+          </a:lstStyle>
+          <a:p>
+            <a:pPr lvl="0"/>
+            <a:r>
+              <a:rPr lang="en-US" smtClean="0"/>
+              <a:t>Click to edit Master text styles</a:t>
+            </a:r>
+          </a:p>
+        </p:txBody>
+      </p:sp>
+      <p:sp>
+        <p:nvSpPr>
+          <p:cNvPr id="5" name="Text Placeholder 4"/>
+          <p:cNvSpPr>
+            <a:spLocks noGrp="1"/>
+          </p:cNvSpPr>
+          <p:nvPr>
+            <p:ph type="body" sz="quarter" idx="3"/>
+          </p:nvPr>
+        </p:nvSpPr>
+        <p:spPr>
+          <a:xfrm>
+            <a:off x="3883659" y="1981200"/>
+            <a:ext cx="2936241" cy="576262"/>
+          </a:xfrm>
+        </p:spPr>
+        <p:txBody>
+          <a:bodyPr anchor="b">
+            <a:noAutofit/>
+          </a:bodyPr>
+          <a:lstStyle>
+            <a:lvl1pPr marL="0" indent="0">
+              <a:buNone/>
+              <a:defRPr sz="2400" b="0">
+                <a:solidFill>
+                  <a:schemeClr val="accent1"/>
+                </a:solidFill>
+              </a:defRPr>
+            </a:lvl1pPr>
+            <a:lvl2pPr marL="457200" indent="0">
+              <a:buNone/>
+              <a:defRPr sz="2000" b="1"/>
+            </a:lvl2pPr>
+            <a:lvl3pPr marL="914400" indent="0">
+              <a:buNone/>
+              <a:defRPr sz="1800" b="1"/>
+            </a:lvl3pPr>
+            <a:lvl4pPr marL="1371600" indent="0">
+              <a:buNone/>
+              <a:defRPr sz="1600" b="1"/>
+            </a:lvl4pPr>
+            <a:lvl5pPr marL="1828800" indent="0">
+              <a:buNone/>
+              <a:defRPr sz="1600" b="1"/>
+            </a:lvl5pPr>
+            <a:lvl6pPr marL="2286000" indent="0">
+              <a:buNone/>
+              <a:defRPr sz="1600" b="1"/>
+            </a:lvl6pPr>
+            <a:lvl7pPr marL="2743200" indent="0">
+              <a:buNone/>
+              <a:defRPr sz="1600" b="1"/>
+            </a:lvl7pPr>
+            <a:lvl8pPr marL="3200400" indent="0">
+              <a:buNone/>
+              <a:defRPr sz="1600" b="1"/>
+            </a:lvl8pPr>
+            <a:lvl9pPr marL="3657600" indent="0">
+              <a:buNone/>
+              <a:defRPr sz="1600" b="1"/>
+            </a:lvl9pPr>
+          </a:lstStyle>
+          <a:p>
+            <a:pPr lvl="0"/>
+            <a:r>
+              <a:rPr lang="en-US" smtClean="0"/>
+              <a:t>Click to edit Master text styles</a:t>
+            </a:r>
+          </a:p>
+        </p:txBody>
+      </p:sp>
+      <p:sp>
+        <p:nvSpPr>
+          <p:cNvPr id="14" name="Text Placeholder 4"/>
+          <p:cNvSpPr>
+            <a:spLocks noGrp="1"/>
+          </p:cNvSpPr>
+          <p:nvPr>
+            <p:ph type="body" sz="quarter" idx="13"/>
+          </p:nvPr>
+        </p:nvSpPr>
+        <p:spPr>
+          <a:xfrm>
+            <a:off x="7124700" y="1981200"/>
+            <a:ext cx="2932113" cy="576262"/>
+          </a:xfrm>
+        </p:spPr>
+        <p:txBody>
+          <a:bodyPr anchor="b">
+            <a:noAutofit/>
+          </a:bodyPr>
+          <a:lstStyle>
+            <a:lvl1pPr marL="0" indent="0">
+              <a:buNone/>
+              <a:defRPr sz="2400" b="0">
+                <a:solidFill>
+                  <a:schemeClr val="accent1"/>
+                </a:solidFill>
+              </a:defRPr>
+            </a:lvl1pPr>
+            <a:lvl2pPr marL="457200" indent="0">
+              <a:buNone/>
+              <a:defRPr sz="2000" b="1"/>
+            </a:lvl2pPr>
+            <a:lvl3pPr marL="914400" indent="0">
+              <a:buNone/>
+              <a:defRPr sz="1800" b="1"/>
+            </a:lvl3pPr>
+            <a:lvl4pPr marL="1371600" indent="0">
+              <a:buNone/>
+              <a:defRPr sz="1600" b="1"/>
+            </a:lvl4pPr>
+            <a:lvl5pPr marL="1828800" indent="0">
+              <a:buNone/>
+              <a:defRPr sz="1600" b="1"/>
+            </a:lvl5pPr>
+            <a:lvl6pPr marL="2286000" indent="0">
+              <a:buNone/>
+              <a:defRPr sz="1600" b="1"/>
+            </a:lvl6pPr>
+            <a:lvl7pPr marL="2743200" indent="0">
+              <a:buNone/>
+              <a:defRPr sz="1600" b="1"/>
+            </a:lvl7pPr>
+            <a:lvl8pPr marL="3200400" indent="0">
+              <a:buNone/>
+              <a:defRPr sz="1600" b="1"/>
+            </a:lvl8pPr>
+            <a:lvl9pPr marL="3657600" indent="0">
+              <a:buNone/>
+              <a:defRPr sz="1600" b="1"/>
+            </a:lvl9pPr>
+          </a:lstStyle>
+          <a:p>
+            <a:pPr lvl="0"/>
+            <a:r>
+              <a:rPr lang="en-US" smtClean="0"/>
+              <a:t>Click to edit Master text styles</a:t>
+            </a:r>
+          </a:p>
+        </p:txBody>
+      </p:sp>
+      <p:cxnSp>
+        <p:nvCxnSpPr>
+          <p:cNvPr id="17" name="Straight Connector 16"/>
+          <p:cNvCxnSpPr/>
+          <p:nvPr/>
+        </p:nvCxnSpPr>
+        <p:spPr>
+          <a:xfrm>
+            <a:off x="3726142" y="2133600"/>
+            <a:ext cx="0" cy="3962400"/>
+          </a:xfrm>
+          <a:prstGeom prst="line">
+            <a:avLst/>
+          </a:prstGeom>
+          <a:ln w="12700" cmpd="sng">
+            <a:solidFill>
+              <a:schemeClr val="accent1">
+                <a:alpha val="40000"/>
+              </a:schemeClr>
+            </a:solidFill>
+          </a:ln>
+        </p:spPr>
+        <p:style>
+          <a:lnRef idx="2">
+            <a:schemeClr val="accent1"/>
+          </a:lnRef>
+          <a:fillRef idx="0">
+            <a:schemeClr val="accent1"/>
+          </a:fillRef>
+          <a:effectRef idx="1">
+            <a:schemeClr val="accent1"/>
+          </a:effectRef>
+          <a:fontRef idx="minor">
+            <a:schemeClr val="tx1"/>
+          </a:fontRef>
+        </p:style>
+      </p:cxnSp>
+      <p:cxnSp>
+        <p:nvCxnSpPr>
+          <p:cNvPr id="18" name="Straight Connector 17"/>
+          <p:cNvCxnSpPr/>
+          <p:nvPr/>
+        </p:nvCxnSpPr>
+        <p:spPr>
+          <a:xfrm>
+            <a:off x="6962227" y="2133600"/>
+            <a:ext cx="0" cy="3966882"/>
+          </a:xfrm>
+          <a:prstGeom prst="line">
+            <a:avLst/>
+          </a:prstGeom>
+          <a:ln w="12700" cmpd="sng">
+            <a:solidFill>
+              <a:schemeClr val="accent1">
+                <a:alpha val="40000"/>
+              </a:schemeClr>
+            </a:solidFill>
+          </a:ln>
+        </p:spPr>
+        <p:style>
+          <a:lnRef idx="2">
+            <a:schemeClr val="accent1"/>
+          </a:lnRef>
+          <a:fillRef idx="0">
+            <a:schemeClr val="accent1"/>
+          </a:fillRef>
+          <a:effectRef idx="1">
+            <a:schemeClr val="accent1"/>
+          </a:effectRef>
+          <a:fontRef idx="minor">
+            <a:schemeClr val="tx1"/>
+          </a:fontRef>
+        </p:style>
+      </p:cxnSp>
+      <p:sp>
+        <p:nvSpPr>
+          <p:cNvPr id="16" name="Text Placeholder 3"/>
+          <p:cNvSpPr>
+            <a:spLocks noGrp="1"/>
+          </p:cNvSpPr>
+          <p:nvPr>
+            <p:ph type="body" sz="half" idx="15"/>
+          </p:nvPr>
+        </p:nvSpPr>
+        <p:spPr>
+          <a:xfrm>
+            <a:off x="652463" y="2667000"/>
+            <a:ext cx="2927350" cy="3589338"/>
+          </a:xfrm>
+        </p:spPr>
+        <p:txBody>
+          <a:bodyPr anchor="t">
+            <a:normAutofit/>
+          </a:bodyPr>
+          <a:lstStyle>
+            <a:lvl1pPr marL="0" indent="0">
+              <a:buNone/>
+              <a:defRPr sz="1400"/>
+            </a:lvl1pPr>
+            <a:lvl2pPr marL="457200" indent="0">
+              <a:buNone/>
+              <a:defRPr sz="1200"/>
+            </a:lvl2pPr>
+            <a:lvl3pPr marL="914400" indent="0">
+              <a:buNone/>
+              <a:defRPr sz="1000"/>
+            </a:lvl3pPr>
+            <a:lvl4pPr marL="1371600" indent="0">
+              <a:buNone/>
+              <a:defRPr sz="900"/>
+            </a:lvl4pPr>
+            <a:lvl5pPr marL="1828800" indent="0">
+              <a:buNone/>
+              <a:defRPr sz="900"/>
+            </a:lvl5pPr>
+            <a:lvl6pPr marL="2286000" indent="0">
+              <a:buNone/>
+              <a:defRPr sz="900"/>
+            </a:lvl6pPr>
+            <a:lvl7pPr marL="2743200" indent="0">
+              <a:buNone/>
+              <a:defRPr sz="900"/>
+            </a:lvl7pPr>
+            <a:lvl8pPr marL="3200400" indent="0">
+              <a:buNone/>
+              <a:defRPr sz="900"/>
+            </a:lvl8pPr>
+            <a:lvl9pPr marL="3657600" indent="0">
+              <a:buNone/>
+              <a:defRPr sz="900"/>
+            </a:lvl9pPr>
+          </a:lstStyle>
+          <a:p>
+            <a:pPr lvl="0"/>
+            <a:r>
+              <a:rPr lang="en-US" smtClean="0"/>
+              <a:t>Click to edit Master text styles</a:t>
+            </a:r>
+          </a:p>
+        </p:txBody>
+      </p:sp>
+      <p:sp>
+        <p:nvSpPr>
+          <p:cNvPr id="19" name="Text Placeholder 3"/>
+          <p:cNvSpPr>
+            <a:spLocks noGrp="1"/>
+          </p:cNvSpPr>
+          <p:nvPr>
+            <p:ph type="body" sz="half" idx="16"/>
+          </p:nvPr>
+        </p:nvSpPr>
+        <p:spPr>
+          <a:xfrm>
+            <a:off x="3873106" y="2667000"/>
+            <a:ext cx="2946794" cy="3589338"/>
+          </a:xfrm>
+        </p:spPr>
+        <p:txBody>
+          <a:bodyPr anchor="t">
+            <a:normAutofit/>
+          </a:bodyPr>
+          <a:lstStyle>
+            <a:lvl1pPr marL="0" indent="0">
+              <a:buNone/>
+              <a:defRPr sz="1400"/>
+            </a:lvl1pPr>
+            <a:lvl2pPr marL="457200" indent="0">
+              <a:buNone/>
+              <a:defRPr sz="1200"/>
+            </a:lvl2pPr>
+            <a:lvl3pPr marL="914400" indent="0">
+              <a:buNone/>
+              <a:defRPr sz="1000"/>
+            </a:lvl3pPr>
+            <a:lvl4pPr marL="1371600" indent="0">
+              <a:buNone/>
+              <a:defRPr sz="900"/>
+            </a:lvl4pPr>
+            <a:lvl5pPr marL="1828800" indent="0">
+              <a:buNone/>
+              <a:defRPr sz="900"/>
+            </a:lvl5pPr>
+            <a:lvl6pPr marL="2286000" indent="0">
+              <a:buNone/>
+              <a:defRPr sz="900"/>
+            </a:lvl6pPr>
+            <a:lvl7pPr marL="2743200" indent="0">
+              <a:buNone/>
+              <a:defRPr sz="900"/>
+            </a:lvl7pPr>
+            <a:lvl8pPr marL="3200400" indent="0">
+              <a:buNone/>
+              <a:defRPr sz="900"/>
+            </a:lvl8pPr>
+            <a:lvl9pPr marL="3657600" indent="0">
+              <a:buNone/>
+              <a:defRPr sz="900"/>
+            </a:lvl9pPr>
+          </a:lstStyle>
+          <a:p>
+            <a:pPr lvl="0"/>
+            <a:r>
+              <a:rPr lang="en-US" smtClean="0"/>
+              <a:t>Click to edit Master text styles</a:t>
+            </a:r>
+          </a:p>
+        </p:txBody>
+      </p:sp>
+      <p:sp>
+        <p:nvSpPr>
+          <p:cNvPr id="20" name="Text Placeholder 3"/>
+          <p:cNvSpPr>
+            <a:spLocks noGrp="1"/>
+          </p:cNvSpPr>
+          <p:nvPr>
+            <p:ph type="body" sz="half" idx="17"/>
+          </p:nvPr>
+        </p:nvSpPr>
+        <p:spPr>
+          <a:xfrm>
+            <a:off x="7124700" y="2667000"/>
+            <a:ext cx="2932113" cy="3589338"/>
+          </a:xfrm>
+        </p:spPr>
+        <p:txBody>
+          <a:bodyPr anchor="t">
+            <a:normAutofit/>
+          </a:bodyPr>
+          <a:lstStyle>
+            <a:lvl1pPr marL="0" indent="0">
+              <a:buNone/>
+              <a:defRPr sz="1400"/>
+            </a:lvl1pPr>
+            <a:lvl2pPr marL="457200" indent="0">
+              <a:buNone/>
+              <a:defRPr sz="1200"/>
+            </a:lvl2pPr>
+            <a:lvl3pPr marL="914400" indent="0">
+              <a:buNone/>
+              <a:defRPr sz="1000"/>
+            </a:lvl3pPr>
+            <a:lvl4pPr marL="1371600" indent="0">
+              <a:buNone/>
+              <a:defRPr sz="900"/>
+            </a:lvl4pPr>
+            <a:lvl5pPr marL="1828800" indent="0">
+              <a:buNone/>
+              <a:defRPr sz="900"/>
+            </a:lvl5pPr>
+            <a:lvl6pPr marL="2286000" indent="0">
+              <a:buNone/>
+              <a:defRPr sz="900"/>
+            </a:lvl6pPr>
+            <a:lvl7pPr marL="2743200" indent="0">
+              <a:buNone/>
+              <a:defRPr sz="900"/>
+            </a:lvl7pPr>
+            <a:lvl8pPr marL="3200400" indent="0">
+              <a:buNone/>
+              <a:defRPr sz="900"/>
+            </a:lvl8pPr>
+            <a:lvl9pPr marL="3657600" indent="0">
+              <a:buNone/>
+              <a:defRPr sz="900"/>
+            </a:lvl9pPr>
+          </a:lstStyle>
+          <a:p>
+            <a:pPr lvl="0"/>
+            <a:r>
+              <a:rPr lang="en-US" smtClean="0"/>
+              <a:t>Click to edit Master text styles</a:t>
+            </a:r>
+          </a:p>
+        </p:txBody>
+      </p:sp>
+      <p:sp>
+        <p:nvSpPr>
+          <p:cNvPr id="7" name="Date Placeholder 3"/>
+          <p:cNvSpPr>
+            <a:spLocks noGrp="1"/>
+          </p:cNvSpPr>
+          <p:nvPr>
+            <p:ph type="dt" sz="half" idx="10"/>
+          </p:nvPr>
+        </p:nvSpPr>
+        <p:spPr/>
+        <p:txBody>
+          <a:bodyPr/>
+          <a:lstStyle/>
+          <a:p>
+            <a:fld id="{40FF0622-75E4-48B8-A617-5428CA5926CE}" type="datetimeFigureOut">
+              <a:rPr lang="en-US" smtClean="0"/>
+              <a:t>7/31/2013</a:t>
+            </a:fld>
+            <a:endParaRPr lang="en-US"/>
+          </a:p>
+        </p:txBody>
+      </p:sp>
+      <p:sp>
+        <p:nvSpPr>
+          <p:cNvPr id="4" name="Footer Placeholder 4"/>
+          <p:cNvSpPr>
+            <a:spLocks noGrp="1"/>
+          </p:cNvSpPr>
+          <p:nvPr>
+            <p:ph type="ftr" sz="quarter" idx="11"/>
+          </p:nvPr>
+        </p:nvSpPr>
+        <p:spPr/>
+        <p:txBody>
+          <a:bodyPr/>
+          <a:lstStyle/>
+          <a:p>
+            <a:endParaRPr lang="en-US"/>
+          </a:p>
+        </p:txBody>
+      </p:sp>
+      <p:sp>
+        <p:nvSpPr>
+          <p:cNvPr id="6" name="Slide Number Placeholder 5"/>
+          <p:cNvSpPr>
+            <a:spLocks noGrp="1"/>
+          </p:cNvSpPr>
+          <p:nvPr>
+            <p:ph type="sldNum" sz="quarter" idx="12"/>
+          </p:nvPr>
+        </p:nvSpPr>
+        <p:spPr/>
+        <p:txBody>
+          <a:bodyPr/>
+          <a:lstStyle/>
+          <a:p>
+            <a:fld id="{BA875541-8164-4CC7-9F2F-6F0C49BB858D}" type="slidenum">
+              <a:rPr lang="en-US" smtClean="0"/>
+              <a:t>‹#›</a:t>
+            </a:fld>
+            <a:endParaRPr lang="en-US"/>
+          </a:p>
+        </p:txBody>
+      </p:sp>
+    </p:spTree>
+    <p:extLst>
+      <p:ext uri="{BB962C8B-B14F-4D97-AF65-F5344CB8AC3E}">
+        <p14:creationId xmlns:p14="http://schemas.microsoft.com/office/powerpoint/2010/main" val="2064947024"/>
+      </p:ext>
+    </p:extLst>
+  </p:cSld>
+  <p:clrMapOvr>
+    <a:masterClrMapping/>
+  </p:clrMapOvr>
+</p:sldLayout>
+</file>
+
+<file path=ppt/slideLayouts/slideLayout17.xml><?xml version="1.0" encoding="utf-8"?>
+<p:sldLayout xmlns:a="http://schemas.openxmlformats.org/drawingml/2006/main" xmlns:r="http://schemas.openxmlformats.org/officeDocument/2006/relationships" xmlns:p="http://schemas.openxmlformats.org/presentationml/2006/main" preserve="1">
+  <p:cSld name="3 Picture Column">
+    <p:spTree>
+      <p:nvGrpSpPr>
+        <p:cNvPr id="1" name=""/>
+        <p:cNvGrpSpPr/>
+        <p:nvPr/>
+      </p:nvGrpSpPr>
+      <p:grpSpPr>
+        <a:xfrm>
+          <a:off x="0" y="0"/>
+          <a:ext cx="0" cy="0"/>
+          <a:chOff x="0" y="0"/>
+          <a:chExt cx="0" cy="0"/>
+        </a:xfrm>
+      </p:grpSpPr>
+      <p:sp>
+        <p:nvSpPr>
+          <p:cNvPr id="2" name="Title 1"/>
+          <p:cNvSpPr>
+            <a:spLocks noGrp="1"/>
+          </p:cNvSpPr>
+          <p:nvPr>
+            <p:ph type="title"/>
+          </p:nvPr>
+        </p:nvSpPr>
+        <p:spPr/>
+        <p:txBody>
+          <a:bodyPr/>
+          <a:lstStyle>
+            <a:lvl1pPr>
+              <a:defRPr sz="4000"/>
+            </a:lvl1pPr>
+          </a:lstStyle>
+          <a:p>
+            <a:r>
+              <a:rPr lang="en-US" smtClean="0"/>
+              <a:t>Click to edit Master title style</a:t>
+            </a:r>
+            <a:endParaRPr lang="en-US" dirty="0"/>
+          </a:p>
+        </p:txBody>
+      </p:sp>
+      <p:sp>
+        <p:nvSpPr>
+          <p:cNvPr id="3" name="Text Placeholder 2"/>
+          <p:cNvSpPr>
+            <a:spLocks noGrp="1"/>
+          </p:cNvSpPr>
+          <p:nvPr>
+            <p:ph type="body" idx="1"/>
+          </p:nvPr>
+        </p:nvSpPr>
+        <p:spPr>
+          <a:xfrm>
+            <a:off x="652463" y="4250949"/>
+            <a:ext cx="2940050" cy="576262"/>
+          </a:xfrm>
+        </p:spPr>
+        <p:txBody>
+          <a:bodyPr anchor="b">
+            <a:noAutofit/>
+          </a:bodyPr>
+          <a:lstStyle>
+            <a:lvl1pPr marL="0" indent="0">
+              <a:buNone/>
+              <a:defRPr sz="2400" b="0">
+                <a:solidFill>
+                  <a:schemeClr val="accent1"/>
+                </a:solidFill>
+              </a:defRPr>
+            </a:lvl1pPr>
+            <a:lvl2pPr marL="457200" indent="0">
+              <a:buNone/>
+              <a:defRPr sz="2000" b="1"/>
+            </a:lvl2pPr>
+            <a:lvl3pPr marL="914400" indent="0">
+              <a:buNone/>
+              <a:defRPr sz="1800" b="1"/>
+            </a:lvl3pPr>
+            <a:lvl4pPr marL="1371600" indent="0">
+              <a:buNone/>
+              <a:defRPr sz="1600" b="1"/>
+            </a:lvl4pPr>
+            <a:lvl5pPr marL="1828800" indent="0">
+              <a:buNone/>
+              <a:defRPr sz="1600" b="1"/>
+            </a:lvl5pPr>
+            <a:lvl6pPr marL="2286000" indent="0">
+              <a:buNone/>
+              <a:defRPr sz="1600" b="1"/>
+            </a:lvl6pPr>
+            <a:lvl7pPr marL="2743200" indent="0">
+              <a:buNone/>
+              <a:defRPr sz="1600" b="1"/>
+            </a:lvl7pPr>
+            <a:lvl8pPr marL="3200400" indent="0">
+              <a:buNone/>
+              <a:defRPr sz="1600" b="1"/>
+            </a:lvl8pPr>
+            <a:lvl9pPr marL="3657600" indent="0">
+              <a:buNone/>
+              <a:defRPr sz="1600" b="1"/>
+            </a:lvl9pPr>
+          </a:lstStyle>
+          <a:p>
+            <a:pPr lvl="0"/>
+            <a:r>
+              <a:rPr lang="en-US" smtClean="0"/>
+              <a:t>Click to edit Master text styles</a:t>
+            </a:r>
+          </a:p>
+        </p:txBody>
+      </p:sp>
+      <p:sp>
+        <p:nvSpPr>
+          <p:cNvPr id="5" name="Text Placeholder 4"/>
+          <p:cNvSpPr>
+            <a:spLocks noGrp="1"/>
+          </p:cNvSpPr>
+          <p:nvPr>
+            <p:ph type="body" sz="quarter" idx="3"/>
+          </p:nvPr>
+        </p:nvSpPr>
+        <p:spPr>
+          <a:xfrm>
+            <a:off x="3889375" y="4250949"/>
+            <a:ext cx="2930525" cy="576262"/>
+          </a:xfrm>
+        </p:spPr>
+        <p:txBody>
+          <a:bodyPr anchor="b">
+            <a:noAutofit/>
+          </a:bodyPr>
+          <a:lstStyle>
+            <a:lvl1pPr marL="0" indent="0">
+              <a:buNone/>
+              <a:defRPr sz="2400" b="0">
+                <a:solidFill>
+                  <a:schemeClr val="accent1"/>
+                </a:solidFill>
+              </a:defRPr>
+            </a:lvl1pPr>
+            <a:lvl2pPr marL="457200" indent="0">
+              <a:buNone/>
+              <a:defRPr sz="2000" b="1"/>
+            </a:lvl2pPr>
+            <a:lvl3pPr marL="914400" indent="0">
+              <a:buNone/>
+              <a:defRPr sz="1800" b="1"/>
+            </a:lvl3pPr>
+            <a:lvl4pPr marL="1371600" indent="0">
+              <a:buNone/>
+              <a:defRPr sz="1600" b="1"/>
+            </a:lvl4pPr>
+            <a:lvl5pPr marL="1828800" indent="0">
+              <a:buNone/>
+              <a:defRPr sz="1600" b="1"/>
+            </a:lvl5pPr>
+            <a:lvl6pPr marL="2286000" indent="0">
+              <a:buNone/>
+              <a:defRPr sz="1600" b="1"/>
+            </a:lvl6pPr>
+            <a:lvl7pPr marL="2743200" indent="0">
+              <a:buNone/>
+              <a:defRPr sz="1600" b="1"/>
+            </a:lvl7pPr>
+            <a:lvl8pPr marL="3200400" indent="0">
+              <a:buNone/>
+              <a:defRPr sz="1600" b="1"/>
+            </a:lvl8pPr>
+            <a:lvl9pPr marL="3657600" indent="0">
+              <a:buNone/>
+              <a:defRPr sz="1600" b="1"/>
+            </a:lvl9pPr>
+          </a:lstStyle>
+          <a:p>
+            <a:pPr lvl="0"/>
+            <a:r>
+              <a:rPr lang="en-US" smtClean="0"/>
+              <a:t>Click to edit Master text styles</a:t>
+            </a:r>
+          </a:p>
+        </p:txBody>
+      </p:sp>
+      <p:sp>
+        <p:nvSpPr>
+          <p:cNvPr id="14" name="Text Placeholder 4"/>
+          <p:cNvSpPr>
+            <a:spLocks noGrp="1"/>
+          </p:cNvSpPr>
+          <p:nvPr>
+            <p:ph type="body" sz="quarter" idx="13"/>
+          </p:nvPr>
+        </p:nvSpPr>
+        <p:spPr>
+          <a:xfrm>
+            <a:off x="7124700" y="4250949"/>
+            <a:ext cx="2932113" cy="576262"/>
+          </a:xfrm>
+        </p:spPr>
+        <p:txBody>
+          <a:bodyPr anchor="b">
+            <a:noAutofit/>
+          </a:bodyPr>
+          <a:lstStyle>
+            <a:lvl1pPr marL="0" indent="0">
+              <a:buNone/>
+              <a:defRPr sz="2400" b="0">
+                <a:solidFill>
+                  <a:schemeClr val="accent1"/>
+                </a:solidFill>
+              </a:defRPr>
+            </a:lvl1pPr>
+            <a:lvl2pPr marL="457200" indent="0">
+              <a:buNone/>
+              <a:defRPr sz="2000" b="1"/>
+            </a:lvl2pPr>
+            <a:lvl3pPr marL="914400" indent="0">
+              <a:buNone/>
+              <a:defRPr sz="1800" b="1"/>
+            </a:lvl3pPr>
+            <a:lvl4pPr marL="1371600" indent="0">
+              <a:buNone/>
+              <a:defRPr sz="1600" b="1"/>
+            </a:lvl4pPr>
+            <a:lvl5pPr marL="1828800" indent="0">
+              <a:buNone/>
+              <a:defRPr sz="1600" b="1"/>
+            </a:lvl5pPr>
+            <a:lvl6pPr marL="2286000" indent="0">
+              <a:buNone/>
+              <a:defRPr sz="1600" b="1"/>
+            </a:lvl6pPr>
+            <a:lvl7pPr marL="2743200" indent="0">
+              <a:buNone/>
+              <a:defRPr sz="1600" b="1"/>
+            </a:lvl7pPr>
+            <a:lvl8pPr marL="3200400" indent="0">
+              <a:buNone/>
+              <a:defRPr sz="1600" b="1"/>
+            </a:lvl8pPr>
+            <a:lvl9pPr marL="3657600" indent="0">
+              <a:buNone/>
+              <a:defRPr sz="1600" b="1"/>
+            </a:lvl9pPr>
+          </a:lstStyle>
+          <a:p>
+            <a:pPr lvl="0"/>
+            <a:r>
+              <a:rPr lang="en-US" smtClean="0"/>
+              <a:t>Click to edit Master text styles</a:t>
+            </a:r>
+          </a:p>
+        </p:txBody>
+      </p:sp>
+      <p:sp>
+        <p:nvSpPr>
+          <p:cNvPr id="22" name="Text Placeholder 3"/>
+          <p:cNvSpPr>
+            <a:spLocks noGrp="1"/>
+          </p:cNvSpPr>
+          <p:nvPr>
+            <p:ph type="body" sz="half" idx="18"/>
+          </p:nvPr>
+        </p:nvSpPr>
+        <p:spPr>
+          <a:xfrm>
+            <a:off x="652463" y="4827211"/>
+            <a:ext cx="2940050" cy="659189"/>
+          </a:xfrm>
+        </p:spPr>
+        <p:txBody>
+          <a:bodyPr anchor="t">
+            <a:normAutofit/>
+          </a:bodyPr>
+          <a:lstStyle>
+            <a:lvl1pPr marL="0" indent="0">
+              <a:buNone/>
+              <a:defRPr sz="1400"/>
+            </a:lvl1pPr>
+            <a:lvl2pPr marL="457200" indent="0">
+              <a:buNone/>
+              <a:defRPr sz="1200"/>
+            </a:lvl2pPr>
+            <a:lvl3pPr marL="914400" indent="0">
+              <a:buNone/>
+              <a:defRPr sz="1000"/>
+            </a:lvl3pPr>
+            <a:lvl4pPr marL="1371600" indent="0">
+              <a:buNone/>
+              <a:defRPr sz="900"/>
+            </a:lvl4pPr>
+            <a:lvl5pPr marL="1828800" indent="0">
+              <a:buNone/>
+              <a:defRPr sz="900"/>
+            </a:lvl5pPr>
+            <a:lvl6pPr marL="2286000" indent="0">
+              <a:buNone/>
+              <a:defRPr sz="900"/>
+            </a:lvl6pPr>
+            <a:lvl7pPr marL="2743200" indent="0">
+              <a:buNone/>
+              <a:defRPr sz="900"/>
+            </a:lvl7pPr>
+            <a:lvl8pPr marL="3200400" indent="0">
+              <a:buNone/>
+              <a:defRPr sz="900"/>
+            </a:lvl8pPr>
+            <a:lvl9pPr marL="3657600" indent="0">
+              <a:buNone/>
+              <a:defRPr sz="900"/>
+            </a:lvl9pPr>
+          </a:lstStyle>
+          <a:p>
+            <a:pPr lvl="0"/>
+            <a:r>
+              <a:rPr lang="en-US" smtClean="0"/>
+              <a:t>Click to edit Master text styles</a:t>
+            </a:r>
+          </a:p>
+        </p:txBody>
+      </p:sp>
+      <p:sp>
+        <p:nvSpPr>
+          <p:cNvPr id="23" name="Text Placeholder 3"/>
+          <p:cNvSpPr>
+            <a:spLocks noGrp="1"/>
+          </p:cNvSpPr>
+          <p:nvPr>
+            <p:ph type="body" sz="half" idx="19"/>
+          </p:nvPr>
+        </p:nvSpPr>
+        <p:spPr>
+          <a:xfrm>
+            <a:off x="3888022" y="4827210"/>
+            <a:ext cx="2934406" cy="659189"/>
+          </a:xfrm>
+        </p:spPr>
+        <p:txBody>
+          <a:bodyPr anchor="t">
+            <a:normAutofit/>
+          </a:bodyPr>
+          <a:lstStyle>
+            <a:lvl1pPr marL="0" indent="0">
+              <a:buNone/>
+              <a:defRPr sz="1400"/>
+            </a:lvl1pPr>
+            <a:lvl2pPr marL="457200" indent="0">
+              <a:buNone/>
+              <a:defRPr sz="1200"/>
+            </a:lvl2pPr>
+            <a:lvl3pPr marL="914400" indent="0">
+              <a:buNone/>
+              <a:defRPr sz="1000"/>
+            </a:lvl3pPr>
+            <a:lvl4pPr marL="1371600" indent="0">
+              <a:buNone/>
+              <a:defRPr sz="900"/>
+            </a:lvl4pPr>
+            <a:lvl5pPr marL="1828800" indent="0">
+              <a:buNone/>
+              <a:defRPr sz="900"/>
+            </a:lvl5pPr>
+            <a:lvl6pPr marL="2286000" indent="0">
+              <a:buNone/>
+              <a:defRPr sz="900"/>
+            </a:lvl6pPr>
+            <a:lvl7pPr marL="2743200" indent="0">
+              <a:buNone/>
+              <a:defRPr sz="900"/>
+            </a:lvl7pPr>
+            <a:lvl8pPr marL="3200400" indent="0">
+              <a:buNone/>
+              <a:defRPr sz="900"/>
+            </a:lvl8pPr>
+            <a:lvl9pPr marL="3657600" indent="0">
+              <a:buNone/>
+              <a:defRPr sz="900"/>
+            </a:lvl9pPr>
+          </a:lstStyle>
+          <a:p>
+            <a:pPr lvl="0"/>
+            <a:r>
+              <a:rPr lang="en-US" smtClean="0"/>
+              <a:t>Click to edit Master text styles</a:t>
+            </a:r>
+          </a:p>
+        </p:txBody>
+      </p:sp>
+      <p:sp>
+        <p:nvSpPr>
+          <p:cNvPr id="24" name="Text Placeholder 3"/>
+          <p:cNvSpPr>
+            <a:spLocks noGrp="1"/>
+          </p:cNvSpPr>
+          <p:nvPr>
+            <p:ph type="body" sz="half" idx="20"/>
+          </p:nvPr>
+        </p:nvSpPr>
+        <p:spPr>
+          <a:xfrm>
+            <a:off x="7124575" y="4827208"/>
+            <a:ext cx="2935997" cy="659189"/>
+          </a:xfrm>
+        </p:spPr>
+        <p:txBody>
+          <a:bodyPr anchor="t">
+            <a:normAutofit/>
+          </a:bodyPr>
+          <a:lstStyle>
+            <a:lvl1pPr marL="0" indent="0">
+              <a:buNone/>
+              <a:defRPr sz="1400"/>
+            </a:lvl1pPr>
+            <a:lvl2pPr marL="457200" indent="0">
+              <a:buNone/>
+              <a:defRPr sz="1200"/>
+            </a:lvl2pPr>
+            <a:lvl3pPr marL="914400" indent="0">
+              <a:buNone/>
+              <a:defRPr sz="1000"/>
+            </a:lvl3pPr>
+            <a:lvl4pPr marL="1371600" indent="0">
+              <a:buNone/>
+              <a:defRPr sz="900"/>
+            </a:lvl4pPr>
+            <a:lvl5pPr marL="1828800" indent="0">
+              <a:buNone/>
+              <a:defRPr sz="900"/>
+            </a:lvl5pPr>
+            <a:lvl6pPr marL="2286000" indent="0">
+              <a:buNone/>
+              <a:defRPr sz="900"/>
+            </a:lvl6pPr>
+            <a:lvl7pPr marL="2743200" indent="0">
+              <a:buNone/>
+              <a:defRPr sz="900"/>
+            </a:lvl7pPr>
+            <a:lvl8pPr marL="3200400" indent="0">
+              <a:buNone/>
+              <a:defRPr sz="900"/>
+            </a:lvl8pPr>
+            <a:lvl9pPr marL="3657600" indent="0">
+              <a:buNone/>
+              <a:defRPr sz="900"/>
+            </a:lvl9pPr>
+          </a:lstStyle>
+          <a:p>
+            <a:pPr lvl="0"/>
+            <a:r>
+              <a:rPr lang="en-US" smtClean="0"/>
+              <a:t>Click to edit Master text styles</a:t>
+            </a:r>
+          </a:p>
+        </p:txBody>
+      </p:sp>
+      <p:sp>
+        <p:nvSpPr>
+          <p:cNvPr id="29" name="Picture Placeholder 2"/>
+          <p:cNvSpPr>
+            <a:spLocks noGrp="1"/>
+          </p:cNvSpPr>
+          <p:nvPr>
+            <p:ph type="pic" idx="15"/>
+          </p:nvPr>
+        </p:nvSpPr>
+        <p:spPr>
+          <a:xfrm>
+            <a:off x="652463" y="2209800"/>
+            <a:ext cx="2940050" cy="1524000"/>
+          </a:xfrm>
+          <a:prstGeom prst="roundRect">
+            <a:avLst>
+              <a:gd name="adj" fmla="val 1858"/>
+            </a:avLst>
+          </a:prstGeom>
+          <a:effectLst>
+            <a:outerShdw blurRad="50800" dist="50800" dir="5400000" algn="tl" rotWithShape="0">
+              <a:srgbClr val="000000">
+                <a:alpha val="43000"/>
+              </a:srgbClr>
+            </a:outerShdw>
+          </a:effectLst>
+        </p:spPr>
+        <p:txBody>
+          <a:bodyPr anchor="ctr">
+            <a:normAutofit/>
+          </a:bodyPr>
+          <a:lstStyle>
+            <a:lvl1pPr marL="0" indent="0" algn="ctr">
+              <a:buNone/>
+              <a:defRPr sz="1600"/>
+            </a:lvl1pPr>
+            <a:lvl2pPr marL="457200" indent="0">
+              <a:buNone/>
+              <a:defRPr sz="2800"/>
+            </a:lvl2pPr>
+            <a:lvl3pPr marL="914400" indent="0">
+              <a:buNone/>
+              <a:defRPr sz="2400"/>
+            </a:lvl3pPr>
+            <a:lvl4pPr marL="1371600" indent="0">
+              <a:buNone/>
+              <a:defRPr sz="2000"/>
+            </a:lvl4pPr>
+            <a:lvl5pPr marL="1828800" indent="0">
+              <a:buNone/>
+              <a:defRPr sz="2000"/>
+            </a:lvl5pPr>
+            <a:lvl6pPr marL="2286000" indent="0">
+              <a:buNone/>
+              <a:defRPr sz="2000"/>
+            </a:lvl6pPr>
+            <a:lvl7pPr marL="2743200" indent="0">
+              <a:buNone/>
+              <a:defRPr sz="2000"/>
+            </a:lvl7pPr>
+            <a:lvl8pPr marL="3200400" indent="0">
+              <a:buNone/>
+              <a:defRPr sz="2000"/>
+            </a:lvl8pPr>
+            <a:lvl9pPr marL="3657600" indent="0">
+              <a:buNone/>
+              <a:defRPr sz="2000"/>
+            </a:lvl9pPr>
+          </a:lstStyle>
+          <a:p>
+            <a:r>
+              <a:rPr lang="en-US" dirty="0" smtClean="0"/>
+              <a:t>Click icon to add picture</a:t>
+            </a:r>
+            <a:endParaRPr lang="en-US" dirty="0"/>
+          </a:p>
+        </p:txBody>
+      </p:sp>
+      <p:sp>
+        <p:nvSpPr>
+          <p:cNvPr id="30" name="Picture Placeholder 2"/>
+          <p:cNvSpPr>
+            <a:spLocks noGrp="1"/>
+          </p:cNvSpPr>
+          <p:nvPr>
+            <p:ph type="pic" idx="21"/>
+          </p:nvPr>
+        </p:nvSpPr>
+        <p:spPr>
+          <a:xfrm>
+            <a:off x="3889374" y="2209800"/>
+            <a:ext cx="2930525" cy="1524000"/>
+          </a:xfrm>
+          <a:prstGeom prst="roundRect">
+            <a:avLst>
+              <a:gd name="adj" fmla="val 1858"/>
+            </a:avLst>
+          </a:prstGeom>
+          <a:effectLst>
+            <a:outerShdw blurRad="50800" dist="50800" dir="5400000" algn="tl" rotWithShape="0">
+              <a:srgbClr val="000000">
+                <a:alpha val="43000"/>
+              </a:srgbClr>
+            </a:outerShdw>
+          </a:effectLst>
+        </p:spPr>
+        <p:txBody>
+          <a:bodyPr anchor="ctr">
+            <a:normAutofit/>
+          </a:bodyPr>
+          <a:lstStyle>
+            <a:lvl1pPr marL="0" indent="0" algn="ctr">
+              <a:buNone/>
+              <a:defRPr sz="1600"/>
+            </a:lvl1pPr>
+            <a:lvl2pPr marL="457200" indent="0">
+              <a:buNone/>
+              <a:defRPr sz="2800"/>
+            </a:lvl2pPr>
+            <a:lvl3pPr marL="914400" indent="0">
+              <a:buNone/>
+              <a:defRPr sz="2400"/>
+            </a:lvl3pPr>
+            <a:lvl4pPr marL="1371600" indent="0">
+              <a:buNone/>
+              <a:defRPr sz="2000"/>
+            </a:lvl4pPr>
+            <a:lvl5pPr marL="1828800" indent="0">
+              <a:buNone/>
+              <a:defRPr sz="2000"/>
+            </a:lvl5pPr>
+            <a:lvl6pPr marL="2286000" indent="0">
+              <a:buNone/>
+              <a:defRPr sz="2000"/>
+            </a:lvl6pPr>
+            <a:lvl7pPr marL="2743200" indent="0">
+              <a:buNone/>
+              <a:defRPr sz="2000"/>
+            </a:lvl7pPr>
+            <a:lvl8pPr marL="3200400" indent="0">
+              <a:buNone/>
+              <a:defRPr sz="2000"/>
+            </a:lvl8pPr>
+            <a:lvl9pPr marL="3657600" indent="0">
+              <a:buNone/>
+              <a:defRPr sz="2000"/>
+            </a:lvl9pPr>
+          </a:lstStyle>
+          <a:p>
+            <a:r>
+              <a:rPr lang="en-US" dirty="0" smtClean="0"/>
+              <a:t>Click icon to add picture</a:t>
+            </a:r>
+            <a:endParaRPr lang="en-US" dirty="0"/>
+          </a:p>
+        </p:txBody>
+      </p:sp>
+      <p:sp>
+        <p:nvSpPr>
+          <p:cNvPr id="31" name="Picture Placeholder 2"/>
+          <p:cNvSpPr>
+            <a:spLocks noGrp="1"/>
+          </p:cNvSpPr>
+          <p:nvPr>
+            <p:ph type="pic" idx="22"/>
+          </p:nvPr>
+        </p:nvSpPr>
+        <p:spPr>
+          <a:xfrm>
+            <a:off x="7124699" y="2209800"/>
+            <a:ext cx="2932113" cy="1524000"/>
+          </a:xfrm>
+          <a:prstGeom prst="roundRect">
+            <a:avLst>
+              <a:gd name="adj" fmla="val 1858"/>
+            </a:avLst>
+          </a:prstGeom>
+          <a:effectLst>
+            <a:outerShdw blurRad="50800" dist="50800" dir="5400000" algn="tl" rotWithShape="0">
+              <a:srgbClr val="000000">
+                <a:alpha val="43000"/>
+              </a:srgbClr>
+            </a:outerShdw>
+          </a:effectLst>
+        </p:spPr>
+        <p:txBody>
+          <a:bodyPr anchor="ctr">
+            <a:normAutofit/>
+          </a:bodyPr>
+          <a:lstStyle>
+            <a:lvl1pPr marL="0" indent="0" algn="ctr">
+              <a:buNone/>
+              <a:defRPr sz="1600"/>
+            </a:lvl1pPr>
+            <a:lvl2pPr marL="457200" indent="0">
+              <a:buNone/>
+              <a:defRPr sz="2800"/>
+            </a:lvl2pPr>
+            <a:lvl3pPr marL="914400" indent="0">
+              <a:buNone/>
+              <a:defRPr sz="2400"/>
+            </a:lvl3pPr>
+            <a:lvl4pPr marL="1371600" indent="0">
+              <a:buNone/>
+              <a:defRPr sz="2000"/>
+            </a:lvl4pPr>
+            <a:lvl5pPr marL="1828800" indent="0">
+              <a:buNone/>
+              <a:defRPr sz="2000"/>
+            </a:lvl5pPr>
+            <a:lvl6pPr marL="2286000" indent="0">
+              <a:buNone/>
+              <a:defRPr sz="2000"/>
+            </a:lvl6pPr>
+            <a:lvl7pPr marL="2743200" indent="0">
+              <a:buNone/>
+              <a:defRPr sz="2000"/>
+            </a:lvl7pPr>
+            <a:lvl8pPr marL="3200400" indent="0">
+              <a:buNone/>
+              <a:defRPr sz="2000"/>
+            </a:lvl8pPr>
+            <a:lvl9pPr marL="3657600" indent="0">
+              <a:buNone/>
+              <a:defRPr sz="2000"/>
+            </a:lvl9pPr>
+          </a:lstStyle>
+          <a:p>
+            <a:r>
+              <a:rPr lang="en-US" dirty="0" smtClean="0"/>
+              <a:t>Click icon to add picture</a:t>
+            </a:r>
+            <a:endParaRPr lang="en-US" dirty="0"/>
+          </a:p>
+        </p:txBody>
+      </p:sp>
+      <p:cxnSp>
+        <p:nvCxnSpPr>
+          <p:cNvPr id="17" name="Straight Connector 16"/>
+          <p:cNvCxnSpPr/>
+          <p:nvPr/>
+        </p:nvCxnSpPr>
+        <p:spPr>
+          <a:xfrm>
+            <a:off x="3726142" y="2133600"/>
+            <a:ext cx="0" cy="3962400"/>
+          </a:xfrm>
+          <a:prstGeom prst="line">
+            <a:avLst/>
+          </a:prstGeom>
+          <a:ln w="12700" cmpd="sng">
+            <a:solidFill>
+              <a:schemeClr val="accent1">
+                <a:alpha val="40000"/>
+              </a:schemeClr>
+            </a:solidFill>
+          </a:ln>
+        </p:spPr>
+        <p:style>
+          <a:lnRef idx="2">
+            <a:schemeClr val="accent1"/>
+          </a:lnRef>
+          <a:fillRef idx="0">
+            <a:schemeClr val="accent1"/>
+          </a:fillRef>
+          <a:effectRef idx="1">
+            <a:schemeClr val="accent1"/>
+          </a:effectRef>
+          <a:fontRef idx="minor">
+            <a:schemeClr val="tx1"/>
+          </a:fontRef>
+        </p:style>
+      </p:cxnSp>
+      <p:cxnSp>
+        <p:nvCxnSpPr>
+          <p:cNvPr id="18" name="Straight Connector 17"/>
+          <p:cNvCxnSpPr/>
+          <p:nvPr/>
+        </p:nvCxnSpPr>
+        <p:spPr>
+          <a:xfrm>
+            <a:off x="6962227" y="2133600"/>
+            <a:ext cx="0" cy="3966882"/>
+          </a:xfrm>
+          <a:prstGeom prst="line">
+            <a:avLst/>
+          </a:prstGeom>
+          <a:ln w="12700" cmpd="sng">
+            <a:solidFill>
+              <a:schemeClr val="accent1">
+                <a:alpha val="40000"/>
+              </a:schemeClr>
+            </a:solidFill>
+          </a:ln>
+        </p:spPr>
+        <p:style>
+          <a:lnRef idx="2">
+            <a:schemeClr val="accent1"/>
+          </a:lnRef>
+          <a:fillRef idx="0">
+            <a:schemeClr val="accent1"/>
+          </a:fillRef>
+          <a:effectRef idx="1">
+            <a:schemeClr val="accent1"/>
+          </a:effectRef>
+          <a:fontRef idx="minor">
+            <a:schemeClr val="tx1"/>
+          </a:fontRef>
+        </p:style>
+      </p:cxnSp>
+      <p:sp>
+        <p:nvSpPr>
+          <p:cNvPr id="7" name="Date Placeholder 3"/>
+          <p:cNvSpPr>
+            <a:spLocks noGrp="1"/>
+          </p:cNvSpPr>
+          <p:nvPr>
+            <p:ph type="dt" sz="half" idx="10"/>
+          </p:nvPr>
+        </p:nvSpPr>
+        <p:spPr/>
+        <p:txBody>
+          <a:bodyPr/>
+          <a:lstStyle/>
+          <a:p>
+            <a:fld id="{40FF0622-75E4-48B8-A617-5428CA5926CE}" type="datetimeFigureOut">
+              <a:rPr lang="en-US" smtClean="0"/>
+              <a:t>7/31/2013</a:t>
+            </a:fld>
+            <a:endParaRPr lang="en-US"/>
+          </a:p>
+        </p:txBody>
+      </p:sp>
+      <p:sp>
+        <p:nvSpPr>
+          <p:cNvPr id="4" name="Footer Placeholder 4"/>
+          <p:cNvSpPr>
+            <a:spLocks noGrp="1"/>
+          </p:cNvSpPr>
+          <p:nvPr>
+            <p:ph type="ftr" sz="quarter" idx="11"/>
+          </p:nvPr>
+        </p:nvSpPr>
+        <p:spPr/>
+        <p:txBody>
+          <a:bodyPr/>
+          <a:lstStyle/>
+          <a:p>
+            <a:endParaRPr lang="en-US"/>
+          </a:p>
+        </p:txBody>
+      </p:sp>
+      <p:sp>
+        <p:nvSpPr>
+          <p:cNvPr id="6" name="Slide Number Placeholder 5"/>
+          <p:cNvSpPr>
+            <a:spLocks noGrp="1"/>
+          </p:cNvSpPr>
+          <p:nvPr>
+            <p:ph type="sldNum" sz="quarter" idx="12"/>
+          </p:nvPr>
+        </p:nvSpPr>
+        <p:spPr/>
+        <p:txBody>
+          <a:bodyPr/>
+          <a:lstStyle/>
+          <a:p>
+            <a:fld id="{BA875541-8164-4CC7-9F2F-6F0C49BB858D}" type="slidenum">
+              <a:rPr lang="en-US" smtClean="0"/>
+              <a:t>‹#›</a:t>
+            </a:fld>
+            <a:endParaRPr lang="en-US"/>
+          </a:p>
+        </p:txBody>
+      </p:sp>
+    </p:spTree>
+    <p:extLst>
+      <p:ext uri="{BB962C8B-B14F-4D97-AF65-F5344CB8AC3E}">
+        <p14:creationId xmlns:p14="http://schemas.microsoft.com/office/powerpoint/2010/main" val="4033552640"/>
+      </p:ext>
+    </p:extLst>
+  </p:cSld>
+  <p:clrMapOvr>
+    <a:masterClrMapping/>
+  </p:clrMapOvr>
+</p:sldLayout>
+</file>
+
+<file path=ppt/slideLayouts/slideLayout18.xml><?xml version="1.0" encoding="utf-8"?>
 <p:sldLayout xmlns:a="http://schemas.openxmlformats.org/drawingml/2006/main" xmlns:r="http://schemas.openxmlformats.org/officeDocument/2006/relationships" xmlns:p="http://schemas.openxmlformats.org/presentationml/2006/main" type="vertTx" preserve="1">
   <p:cSld name="Title and Vertical Text">
     <p:spTree>
@@ -424,7 +3516,7 @@
         </p:nvSpPr>
         <p:spPr/>
         <p:txBody>
-          <a:bodyPr vert="eaVert"/>
+          <a:bodyPr vert="eaVert" anchor="b" anchorCtr="0"/>
           <a:lstStyle/>
           <a:p>
             <a:pPr lvl="0"/>
@@ -479,9 +3571,9 @@
           <a:bodyPr/>
           <a:lstStyle/>
           <a:p>
-            <a:fld id="{241EB5C9-1307-BA42-ABA2-0BC069CD8E7F}" type="datetimeFigureOut">
-              <a:rPr lang="en-US" smtClean="0"/>
-              <a:t>4/5/2019</a:t>
+            <a:fld id="{40FF0622-75E4-48B8-A617-5428CA5926CE}" type="datetimeFigureOut">
+              <a:rPr lang="en-US" smtClean="0"/>
+              <a:t>7/31/2013</a:t>
             </a:fld>
             <a:endParaRPr lang="en-US"/>
           </a:p>
@@ -521,7 +3613,7 @@
           <a:bodyPr/>
           <a:lstStyle/>
           <a:p>
-            <a:fld id="{C5EF2332-01BF-834F-8236-50238282D533}" type="slidenum">
+            <a:fld id="{BA875541-8164-4CC7-9F2F-6F0C49BB858D}" type="slidenum">
               <a:rPr lang="en-US" smtClean="0"/>
               <a:t>‹#›</a:t>
             </a:fld>
@@ -532,7 +3624,7 @@
     </p:spTree>
     <p:extLst>
       <p:ext uri="{BB962C8B-B14F-4D97-AF65-F5344CB8AC3E}">
-        <p14:creationId xmlns:p14="http://schemas.microsoft.com/office/powerpoint/2010/main" val="313914798"/>
+        <p14:creationId xmlns:p14="http://schemas.microsoft.com/office/powerpoint/2010/main" val="650983008"/>
       </p:ext>
     </p:extLst>
   </p:cSld>
@@ -542,7 +3634,7 @@
 </p:sldLayout>
 </file>
 
-<file path=ppt/slideLayouts/slideLayout11.xml><?xml version="1.0" encoding="utf-8"?>
+<file path=ppt/slideLayouts/slideLayout19.xml><?xml version="1.0" encoding="utf-8"?>
 <p:sldLayout xmlns:a="http://schemas.openxmlformats.org/drawingml/2006/main" xmlns:r="http://schemas.openxmlformats.org/officeDocument/2006/relationships" xmlns:p="http://schemas.openxmlformats.org/presentationml/2006/main" type="vertTitleAndTx" preserve="1">
   <p:cSld name="Vertical Title and Text">
     <p:spTree>
@@ -571,12 +3663,12 @@
         </p:nvSpPr>
         <p:spPr>
           <a:xfrm>
-            <a:off x="6629400" y="274638"/>
-            <a:ext cx="2057400" cy="5851525"/>
+            <a:off x="8164151" y="1447799"/>
+            <a:ext cx="1409965" cy="4413251"/>
           </a:xfrm>
         </p:spPr>
         <p:txBody>
-          <a:bodyPr vert="eaVert"/>
+          <a:bodyPr vert="eaVert" anchor="b" anchorCtr="0"/>
           <a:lstStyle/>
           <a:p>
             <a:r>
@@ -599,8 +3691,8 @@
         </p:nvSpPr>
         <p:spPr>
           <a:xfrm>
-            <a:off x="457200" y="274638"/>
-            <a:ext cx="6019800" cy="5851525"/>
+            <a:off x="1154954" y="1447799"/>
+            <a:ext cx="6776630" cy="4413251"/>
           </a:xfrm>
         </p:spPr>
         <p:txBody>
@@ -659,9 +3751,9 @@
           <a:bodyPr/>
           <a:lstStyle/>
           <a:p>
-            <a:fld id="{241EB5C9-1307-BA42-ABA2-0BC069CD8E7F}" type="datetimeFigureOut">
-              <a:rPr lang="en-US" smtClean="0"/>
-              <a:t>4/5/2019</a:t>
+            <a:fld id="{40FF0622-75E4-48B8-A617-5428CA5926CE}" type="datetimeFigureOut">
+              <a:rPr lang="en-US" smtClean="0"/>
+              <a:t>7/31/2013</a:t>
             </a:fld>
             <a:endParaRPr lang="en-US"/>
           </a:p>
@@ -701,7 +3793,7 @@
           <a:bodyPr/>
           <a:lstStyle/>
           <a:p>
-            <a:fld id="{C5EF2332-01BF-834F-8236-50238282D533}" type="slidenum">
+            <a:fld id="{BA875541-8164-4CC7-9F2F-6F0C49BB858D}" type="slidenum">
               <a:rPr lang="en-US" smtClean="0"/>
               <a:t>‹#›</a:t>
             </a:fld>
@@ -712,7 +3804,7 @@
     </p:spTree>
     <p:extLst>
       <p:ext uri="{BB962C8B-B14F-4D97-AF65-F5344CB8AC3E}">
-        <p14:creationId xmlns:p14="http://schemas.microsoft.com/office/powerpoint/2010/main" val="2581529045"/>
+        <p14:creationId xmlns:p14="http://schemas.microsoft.com/office/powerpoint/2010/main" val="389002681"/>
       </p:ext>
     </p:extLst>
   </p:cSld>
@@ -810,13 +3902,13 @@
               <a:rPr lang="en-US" smtClean="0"/>
               <a:t>Fifth level</a:t>
             </a:r>
-            <a:endParaRPr lang="en-US"/>
-          </a:p>
-        </p:txBody>
-      </p:sp>
-      <p:sp>
-        <p:nvSpPr>
-          <p:cNvPr id="4" name="Date Placeholder 3"/>
+            <a:endParaRPr lang="en-US" dirty="0"/>
+          </a:p>
+        </p:txBody>
+      </p:sp>
+      <p:sp>
+        <p:nvSpPr>
+          <p:cNvPr id="7" name="Date Placeholder 6"/>
           <p:cNvSpPr>
             <a:spLocks noGrp="1"/>
           </p:cNvSpPr>
@@ -829,9 +3921,9 @@
           <a:bodyPr/>
           <a:lstStyle/>
           <a:p>
-            <a:fld id="{241EB5C9-1307-BA42-ABA2-0BC069CD8E7F}" type="datetimeFigureOut">
-              <a:rPr lang="en-US" smtClean="0"/>
-              <a:t>4/5/2019</a:t>
+            <a:fld id="{40FF0622-75E4-48B8-A617-5428CA5926CE}" type="datetimeFigureOut">
+              <a:rPr lang="en-US" smtClean="0"/>
+              <a:t>7/31/2013</a:t>
             </a:fld>
             <a:endParaRPr lang="en-US"/>
           </a:p>
@@ -871,7 +3963,7 @@
           <a:bodyPr/>
           <a:lstStyle/>
           <a:p>
-            <a:fld id="{C5EF2332-01BF-834F-8236-50238282D533}" type="slidenum">
+            <a:fld id="{BA875541-8164-4CC7-9F2F-6F0C49BB858D}" type="slidenum">
               <a:rPr lang="en-US" smtClean="0"/>
               <a:t>‹#›</a:t>
             </a:fld>
@@ -882,7 +3974,7 @@
     </p:spTree>
     <p:extLst>
       <p:ext uri="{BB962C8B-B14F-4D97-AF65-F5344CB8AC3E}">
-        <p14:creationId xmlns:p14="http://schemas.microsoft.com/office/powerpoint/2010/main" val="338346009"/>
+        <p14:creationId xmlns:p14="http://schemas.microsoft.com/office/powerpoint/2010/main" val="2522446727"/>
       </p:ext>
     </p:extLst>
   </p:cSld>
@@ -921,52 +4013,50 @@
         </p:nvSpPr>
         <p:spPr>
           <a:xfrm>
-            <a:off x="722313" y="4406900"/>
-            <a:ext cx="7772400" cy="1362075"/>
+            <a:off x="1154956" y="2861733"/>
+            <a:ext cx="8825657" cy="1915647"/>
           </a:xfrm>
         </p:spPr>
         <p:txBody>
+          <a:bodyPr anchor="b"/>
+          <a:lstStyle>
+            <a:lvl1pPr algn="l">
+              <a:defRPr sz="4000" b="0" cap="none"/>
+            </a:lvl1pPr>
+          </a:lstStyle>
+          <a:p>
+            <a:r>
+              <a:rPr lang="en-US" smtClean="0"/>
+              <a:t>Click to edit Master title style</a:t>
+            </a:r>
+            <a:endParaRPr lang="en-US" dirty="0"/>
+          </a:p>
+        </p:txBody>
+      </p:sp>
+      <p:sp>
+        <p:nvSpPr>
+          <p:cNvPr id="3" name="Text Placeholder 2"/>
+          <p:cNvSpPr>
+            <a:spLocks noGrp="1"/>
+          </p:cNvSpPr>
+          <p:nvPr>
+            <p:ph type="body" idx="1"/>
+          </p:nvPr>
+        </p:nvSpPr>
+        <p:spPr>
+          <a:xfrm>
+            <a:off x="1154955" y="4777381"/>
+            <a:ext cx="8825658" cy="860400"/>
+          </a:xfrm>
+        </p:spPr>
+        <p:txBody>
           <a:bodyPr anchor="t"/>
           <a:lstStyle>
-            <a:lvl1pPr algn="l">
-              <a:defRPr sz="4000" b="1" cap="all"/>
-            </a:lvl1pPr>
-          </a:lstStyle>
-          <a:p>
-            <a:r>
-              <a:rPr lang="en-US" smtClean="0"/>
-              <a:t>Click to edit Master title style</a:t>
-            </a:r>
-            <a:endParaRPr lang="en-US"/>
-          </a:p>
-        </p:txBody>
-      </p:sp>
-      <p:sp>
-        <p:nvSpPr>
-          <p:cNvPr id="3" name="Text Placeholder 2"/>
-          <p:cNvSpPr>
-            <a:spLocks noGrp="1"/>
-          </p:cNvSpPr>
-          <p:nvPr>
-            <p:ph type="body" idx="1"/>
-          </p:nvPr>
-        </p:nvSpPr>
-        <p:spPr>
-          <a:xfrm>
-            <a:off x="722313" y="2906713"/>
-            <a:ext cx="7772400" cy="1500187"/>
-          </a:xfrm>
-        </p:spPr>
-        <p:txBody>
-          <a:bodyPr anchor="b"/>
-          <a:lstStyle>
-            <a:lvl1pPr marL="0" indent="0">
-              <a:buNone/>
-              <a:defRPr sz="2000">
+            <a:lvl1pPr marL="0" indent="0" algn="l">
+              <a:buNone/>
+              <a:defRPr sz="2000" cap="all">
                 <a:solidFill>
-                  <a:schemeClr val="tx1">
-                    <a:tint val="75000"/>
-                  </a:schemeClr>
+                  <a:schemeClr val="accent1"/>
                 </a:solidFill>
               </a:defRPr>
             </a:lvl1pPr>
@@ -1075,9 +4165,9 @@
           <a:bodyPr/>
           <a:lstStyle/>
           <a:p>
-            <a:fld id="{241EB5C9-1307-BA42-ABA2-0BC069CD8E7F}" type="datetimeFigureOut">
-              <a:rPr lang="en-US" smtClean="0"/>
-              <a:t>4/5/2019</a:t>
+            <a:fld id="{40FF0622-75E4-48B8-A617-5428CA5926CE}" type="datetimeFigureOut">
+              <a:rPr lang="en-US" smtClean="0"/>
+              <a:t>7/31/2013</a:t>
             </a:fld>
             <a:endParaRPr lang="en-US"/>
           </a:p>
@@ -1117,7 +4207,7 @@
           <a:bodyPr/>
           <a:lstStyle/>
           <a:p>
-            <a:fld id="{C5EF2332-01BF-834F-8236-50238282D533}" type="slidenum">
+            <a:fld id="{BA875541-8164-4CC7-9F2F-6F0C49BB858D}" type="slidenum">
               <a:rPr lang="en-US" smtClean="0"/>
               <a:t>‹#›</a:t>
             </a:fld>
@@ -1128,7 +4218,7 @@
     </p:spTree>
     <p:extLst>
       <p:ext uri="{BB962C8B-B14F-4D97-AF65-F5344CB8AC3E}">
-        <p14:creationId xmlns:p14="http://schemas.microsoft.com/office/powerpoint/2010/main" val="1073069076"/>
+        <p14:creationId xmlns:p14="http://schemas.microsoft.com/office/powerpoint/2010/main" val="2362998368"/>
       </p:ext>
     </p:extLst>
   </p:cSld>
@@ -1190,39 +4280,41 @@
         </p:nvSpPr>
         <p:spPr>
           <a:xfrm>
-            <a:off x="457200" y="1600200"/>
-            <a:ext cx="4038600" cy="4525963"/>
+            <a:off x="1103312" y="2060575"/>
+            <a:ext cx="4396339" cy="4195763"/>
           </a:xfrm>
         </p:spPr>
         <p:txBody>
-          <a:bodyPr/>
+          <a:bodyPr>
+            <a:normAutofit/>
+          </a:bodyPr>
           <a:lstStyle>
             <a:lvl1pPr>
-              <a:defRPr sz="2800"/>
+              <a:defRPr sz="1800"/>
             </a:lvl1pPr>
             <a:lvl2pPr>
-              <a:defRPr sz="2400"/>
+              <a:defRPr sz="1600"/>
             </a:lvl2pPr>
             <a:lvl3pPr>
-              <a:defRPr sz="2000"/>
+              <a:defRPr sz="1400"/>
             </a:lvl3pPr>
             <a:lvl4pPr>
-              <a:defRPr sz="1800"/>
+              <a:defRPr sz="1200"/>
             </a:lvl4pPr>
             <a:lvl5pPr>
-              <a:defRPr sz="1800"/>
+              <a:defRPr sz="1200"/>
             </a:lvl5pPr>
             <a:lvl6pPr>
-              <a:defRPr sz="1800"/>
+              <a:defRPr sz="1200"/>
             </a:lvl6pPr>
             <a:lvl7pPr>
-              <a:defRPr sz="1800"/>
+              <a:defRPr sz="1200"/>
             </a:lvl7pPr>
             <a:lvl8pPr>
-              <a:defRPr sz="1800"/>
+              <a:defRPr sz="1200"/>
             </a:lvl8pPr>
             <a:lvl9pPr>
-              <a:defRPr sz="1800"/>
+              <a:defRPr sz="1200"/>
             </a:lvl9pPr>
           </a:lstStyle>
           <a:p>
@@ -1275,39 +4367,41 @@
         </p:nvSpPr>
         <p:spPr>
           <a:xfrm>
-            <a:off x="4648200" y="1600200"/>
-            <a:ext cx="4038600" cy="4525963"/>
+            <a:off x="5654493" y="2056092"/>
+            <a:ext cx="4396341" cy="4200245"/>
           </a:xfrm>
         </p:spPr>
         <p:txBody>
-          <a:bodyPr/>
+          <a:bodyPr>
+            <a:normAutofit/>
+          </a:bodyPr>
           <a:lstStyle>
             <a:lvl1pPr>
-              <a:defRPr sz="2800"/>
+              <a:defRPr sz="1800"/>
             </a:lvl1pPr>
             <a:lvl2pPr>
-              <a:defRPr sz="2400"/>
+              <a:defRPr sz="1600"/>
             </a:lvl2pPr>
             <a:lvl3pPr>
-              <a:defRPr sz="2000"/>
+              <a:defRPr sz="1400"/>
             </a:lvl3pPr>
             <a:lvl4pPr>
-              <a:defRPr sz="1800"/>
+              <a:defRPr sz="1200"/>
             </a:lvl4pPr>
             <a:lvl5pPr>
-              <a:defRPr sz="1800"/>
+              <a:defRPr sz="1200"/>
             </a:lvl5pPr>
             <a:lvl6pPr>
-              <a:defRPr sz="1800"/>
+              <a:defRPr sz="1200"/>
             </a:lvl6pPr>
             <a:lvl7pPr>
-              <a:defRPr sz="1800"/>
+              <a:defRPr sz="1200"/>
             </a:lvl7pPr>
             <a:lvl8pPr>
-              <a:defRPr sz="1800"/>
+              <a:defRPr sz="1200"/>
             </a:lvl8pPr>
             <a:lvl9pPr>
-              <a:defRPr sz="1800"/>
+              <a:defRPr sz="1200"/>
             </a:lvl9pPr>
           </a:lstStyle>
           <a:p>
@@ -1363,9 +4457,9 @@
           <a:bodyPr/>
           <a:lstStyle/>
           <a:p>
-            <a:fld id="{241EB5C9-1307-BA42-ABA2-0BC069CD8E7F}" type="datetimeFigureOut">
-              <a:rPr lang="en-US" smtClean="0"/>
-              <a:t>4/5/2019</a:t>
+            <a:fld id="{40FF0622-75E4-48B8-A617-5428CA5926CE}" type="datetimeFigureOut">
+              <a:rPr lang="en-US" smtClean="0"/>
+              <a:t>7/31/2013</a:t>
             </a:fld>
             <a:endParaRPr lang="en-US"/>
           </a:p>
@@ -1405,7 +4499,7 @@
           <a:bodyPr/>
           <a:lstStyle/>
           <a:p>
-            <a:fld id="{C5EF2332-01BF-834F-8236-50238282D533}" type="slidenum">
+            <a:fld id="{BA875541-8164-4CC7-9F2F-6F0C49BB858D}" type="slidenum">
               <a:rPr lang="en-US" smtClean="0"/>
               <a:t>‹#›</a:t>
             </a:fld>
@@ -1416,13 +4510,20 @@
     </p:spTree>
     <p:extLst>
       <p:ext uri="{BB962C8B-B14F-4D97-AF65-F5344CB8AC3E}">
-        <p14:creationId xmlns:p14="http://schemas.microsoft.com/office/powerpoint/2010/main" val="2619886245"/>
+        <p14:creationId xmlns:p14="http://schemas.microsoft.com/office/powerpoint/2010/main" val="1612208787"/>
       </p:ext>
     </p:extLst>
   </p:cSld>
   <p:clrMapOvr>
     <a:masterClrMapping/>
   </p:clrMapOvr>
+  <p:timing>
+    <p:tnLst>
+      <p:par>
+        <p:cTn id="1" dur="indefinite" restart="never" nodeType="tmRoot"/>
+      </p:par>
+    </p:tnLst>
+  </p:timing>
 </p:sldLayout>
 </file>
 
@@ -1482,16 +4583,22 @@
         </p:nvSpPr>
         <p:spPr>
           <a:xfrm>
-            <a:off x="457200" y="1535113"/>
-            <a:ext cx="4040188" cy="639762"/>
+            <a:off x="1103313" y="1905000"/>
+            <a:ext cx="4396338" cy="576262"/>
           </a:xfrm>
         </p:spPr>
         <p:txBody>
-          <a:bodyPr anchor="b"/>
+          <a:bodyPr anchor="b">
+            <a:noAutofit/>
+          </a:bodyPr>
           <a:lstStyle>
             <a:lvl1pPr marL="0" indent="0">
               <a:buNone/>
-              <a:defRPr sz="2400" b="1"/>
+              <a:defRPr sz="2400" b="0">
+                <a:solidFill>
+                  <a:schemeClr val="accent1"/>
+                </a:solidFill>
+              </a:defRPr>
             </a:lvl1pPr>
             <a:lvl2pPr marL="457200" indent="0">
               <a:buNone/>
@@ -1547,39 +4654,41 @@
         </p:nvSpPr>
         <p:spPr>
           <a:xfrm>
-            <a:off x="457200" y="2174875"/>
-            <a:ext cx="4040188" cy="3951288"/>
+            <a:off x="1103312" y="2514600"/>
+            <a:ext cx="4396339" cy="3741738"/>
           </a:xfrm>
         </p:spPr>
         <p:txBody>
-          <a:bodyPr/>
+          <a:bodyPr>
+            <a:normAutofit/>
+          </a:bodyPr>
           <a:lstStyle>
             <a:lvl1pPr>
-              <a:defRPr sz="2400"/>
+              <a:defRPr sz="1800"/>
             </a:lvl1pPr>
             <a:lvl2pPr>
-              <a:defRPr sz="2000"/>
+              <a:defRPr sz="1600"/>
             </a:lvl2pPr>
             <a:lvl3pPr>
-              <a:defRPr sz="1800"/>
+              <a:defRPr sz="1400"/>
             </a:lvl3pPr>
             <a:lvl4pPr>
-              <a:defRPr sz="1600"/>
+              <a:defRPr sz="1200"/>
             </a:lvl4pPr>
             <a:lvl5pPr>
-              <a:defRPr sz="1600"/>
+              <a:defRPr sz="1200"/>
             </a:lvl5pPr>
             <a:lvl6pPr>
-              <a:defRPr sz="1600"/>
+              <a:defRPr sz="1200"/>
             </a:lvl6pPr>
             <a:lvl7pPr>
-              <a:defRPr sz="1600"/>
+              <a:defRPr sz="1200"/>
             </a:lvl7pPr>
             <a:lvl8pPr>
-              <a:defRPr sz="1600"/>
+              <a:defRPr sz="1200"/>
             </a:lvl8pPr>
             <a:lvl9pPr>
-              <a:defRPr sz="1600"/>
+              <a:defRPr sz="1200"/>
             </a:lvl9pPr>
           </a:lstStyle>
           <a:p>
@@ -1632,16 +4741,22 @@
         </p:nvSpPr>
         <p:spPr>
           <a:xfrm>
-            <a:off x="4645025" y="1535113"/>
-            <a:ext cx="4041775" cy="639762"/>
+            <a:off x="5654495" y="1905000"/>
+            <a:ext cx="4396339" cy="576262"/>
           </a:xfrm>
         </p:spPr>
         <p:txBody>
-          <a:bodyPr anchor="b"/>
+          <a:bodyPr anchor="b">
+            <a:noAutofit/>
+          </a:bodyPr>
           <a:lstStyle>
             <a:lvl1pPr marL="0" indent="0">
               <a:buNone/>
-              <a:defRPr sz="2400" b="1"/>
+              <a:defRPr sz="2400" b="0">
+                <a:solidFill>
+                  <a:schemeClr val="accent1"/>
+                </a:solidFill>
+              </a:defRPr>
             </a:lvl1pPr>
             <a:lvl2pPr marL="457200" indent="0">
               <a:buNone/>
@@ -1697,39 +4812,41 @@
         </p:nvSpPr>
         <p:spPr>
           <a:xfrm>
-            <a:off x="4645025" y="2174875"/>
-            <a:ext cx="4041775" cy="3951288"/>
+            <a:off x="5654495" y="2514600"/>
+            <a:ext cx="4396339" cy="3741738"/>
           </a:xfrm>
         </p:spPr>
         <p:txBody>
-          <a:bodyPr/>
+          <a:bodyPr>
+            <a:normAutofit/>
+          </a:bodyPr>
           <a:lstStyle>
             <a:lvl1pPr>
-              <a:defRPr sz="2400"/>
+              <a:defRPr sz="1800"/>
             </a:lvl1pPr>
             <a:lvl2pPr>
-              <a:defRPr sz="2000"/>
+              <a:defRPr sz="1600"/>
             </a:lvl2pPr>
             <a:lvl3pPr>
-              <a:defRPr sz="1800"/>
+              <a:defRPr sz="1400"/>
             </a:lvl3pPr>
             <a:lvl4pPr>
-              <a:defRPr sz="1600"/>
+              <a:defRPr sz="1200"/>
             </a:lvl4pPr>
             <a:lvl5pPr>
-              <a:defRPr sz="1600"/>
+              <a:defRPr sz="1200"/>
             </a:lvl5pPr>
             <a:lvl6pPr>
-              <a:defRPr sz="1600"/>
+              <a:defRPr sz="1200"/>
             </a:lvl6pPr>
             <a:lvl7pPr>
-              <a:defRPr sz="1600"/>
+              <a:defRPr sz="1200"/>
             </a:lvl7pPr>
             <a:lvl8pPr>
-              <a:defRPr sz="1600"/>
+              <a:defRPr sz="1200"/>
             </a:lvl8pPr>
             <a:lvl9pPr>
-              <a:defRPr sz="1600"/>
+              <a:defRPr sz="1200"/>
             </a:lvl9pPr>
           </a:lstStyle>
           <a:p>
@@ -1785,9 +4902,9 @@
           <a:bodyPr/>
           <a:lstStyle/>
           <a:p>
-            <a:fld id="{241EB5C9-1307-BA42-ABA2-0BC069CD8E7F}" type="datetimeFigureOut">
-              <a:rPr lang="en-US" smtClean="0"/>
-              <a:t>4/5/2019</a:t>
+            <a:fld id="{40FF0622-75E4-48B8-A617-5428CA5926CE}" type="datetimeFigureOut">
+              <a:rPr lang="en-US" smtClean="0"/>
+              <a:t>7/31/2013</a:t>
             </a:fld>
             <a:endParaRPr lang="en-US"/>
           </a:p>
@@ -1827,7 +4944,7 @@
           <a:bodyPr/>
           <a:lstStyle/>
           <a:p>
-            <a:fld id="{C5EF2332-01BF-834F-8236-50238282D533}" type="slidenum">
+            <a:fld id="{BA875541-8164-4CC7-9F2F-6F0C49BB858D}" type="slidenum">
               <a:rPr lang="en-US" smtClean="0"/>
               <a:t>‹#›</a:t>
             </a:fld>
@@ -1838,7 +4955,7 @@
     </p:spTree>
     <p:extLst>
       <p:ext uri="{BB962C8B-B14F-4D97-AF65-F5344CB8AC3E}">
-        <p14:creationId xmlns:p14="http://schemas.microsoft.com/office/powerpoint/2010/main" val="2535793967"/>
+        <p14:creationId xmlns:p14="http://schemas.microsoft.com/office/powerpoint/2010/main" val="3182202837"/>
       </p:ext>
     </p:extLst>
   </p:cSld>
@@ -1890,7 +5007,7 @@
       </p:sp>
       <p:sp>
         <p:nvSpPr>
-          <p:cNvPr id="3" name="Date Placeholder 2"/>
+          <p:cNvPr id="7" name="Date Placeholder 2"/>
           <p:cNvSpPr>
             <a:spLocks noGrp="1"/>
           </p:cNvSpPr>
@@ -1903,9 +5020,9 @@
           <a:bodyPr/>
           <a:lstStyle/>
           <a:p>
-            <a:fld id="{241EB5C9-1307-BA42-ABA2-0BC069CD8E7F}" type="datetimeFigureOut">
-              <a:rPr lang="en-US" smtClean="0"/>
-              <a:t>4/5/2019</a:t>
+            <a:fld id="{40FF0622-75E4-48B8-A617-5428CA5926CE}" type="datetimeFigureOut">
+              <a:rPr lang="en-US" smtClean="0"/>
+              <a:t>7/31/2013</a:t>
             </a:fld>
             <a:endParaRPr lang="en-US"/>
           </a:p>
@@ -1913,7 +5030,7 @@
       </p:sp>
       <p:sp>
         <p:nvSpPr>
-          <p:cNvPr id="4" name="Footer Placeholder 3"/>
+          <p:cNvPr id="5" name="Footer Placeholder 3"/>
           <p:cNvSpPr>
             <a:spLocks noGrp="1"/>
           </p:cNvSpPr>
@@ -1932,7 +5049,7 @@
       </p:sp>
       <p:sp>
         <p:nvSpPr>
-          <p:cNvPr id="5" name="Slide Number Placeholder 4"/>
+          <p:cNvPr id="6" name="Slide Number Placeholder 4"/>
           <p:cNvSpPr>
             <a:spLocks noGrp="1"/>
           </p:cNvSpPr>
@@ -1945,7 +5062,7 @@
           <a:bodyPr/>
           <a:lstStyle/>
           <a:p>
-            <a:fld id="{C5EF2332-01BF-834F-8236-50238282D533}" type="slidenum">
+            <a:fld id="{BA875541-8164-4CC7-9F2F-6F0C49BB858D}" type="slidenum">
               <a:rPr lang="en-US" smtClean="0"/>
               <a:t>‹#›</a:t>
             </a:fld>
@@ -1956,7 +5073,7 @@
     </p:spTree>
     <p:extLst>
       <p:ext uri="{BB962C8B-B14F-4D97-AF65-F5344CB8AC3E}">
-        <p14:creationId xmlns:p14="http://schemas.microsoft.com/office/powerpoint/2010/main" val="3472721253"/>
+        <p14:creationId xmlns:p14="http://schemas.microsoft.com/office/powerpoint/2010/main" val="1359123117"/>
       </p:ext>
     </p:extLst>
   </p:cSld>
@@ -1985,7 +5102,7 @@
       </p:grpSpPr>
       <p:sp>
         <p:nvSpPr>
-          <p:cNvPr id="2" name="Date Placeholder 1"/>
+          <p:cNvPr id="7" name="Date Placeholder 1"/>
           <p:cNvSpPr>
             <a:spLocks noGrp="1"/>
           </p:cNvSpPr>
@@ -1998,9 +5115,9 @@
           <a:bodyPr/>
           <a:lstStyle/>
           <a:p>
-            <a:fld id="{241EB5C9-1307-BA42-ABA2-0BC069CD8E7F}" type="datetimeFigureOut">
-              <a:rPr lang="en-US" smtClean="0"/>
-              <a:t>4/5/2019</a:t>
+            <a:fld id="{40FF0622-75E4-48B8-A617-5428CA5926CE}" type="datetimeFigureOut">
+              <a:rPr lang="en-US" smtClean="0"/>
+              <a:t>7/31/2013</a:t>
             </a:fld>
             <a:endParaRPr lang="en-US"/>
           </a:p>
@@ -2008,7 +5125,7 @@
       </p:sp>
       <p:sp>
         <p:nvSpPr>
-          <p:cNvPr id="3" name="Footer Placeholder 2"/>
+          <p:cNvPr id="5" name="Footer Placeholder 2"/>
           <p:cNvSpPr>
             <a:spLocks noGrp="1"/>
           </p:cNvSpPr>
@@ -2027,7 +5144,7 @@
       </p:sp>
       <p:sp>
         <p:nvSpPr>
-          <p:cNvPr id="4" name="Slide Number Placeholder 3"/>
+          <p:cNvPr id="6" name="Slide Number Placeholder 3"/>
           <p:cNvSpPr>
             <a:spLocks noGrp="1"/>
           </p:cNvSpPr>
@@ -2040,7 +5157,7 @@
           <a:bodyPr/>
           <a:lstStyle/>
           <a:p>
-            <a:fld id="{C5EF2332-01BF-834F-8236-50238282D533}" type="slidenum">
+            <a:fld id="{BA875541-8164-4CC7-9F2F-6F0C49BB858D}" type="slidenum">
               <a:rPr lang="en-US" smtClean="0"/>
               <a:t>‹#›</a:t>
             </a:fld>
@@ -2051,7 +5168,7 @@
     </p:spTree>
     <p:extLst>
       <p:ext uri="{BB962C8B-B14F-4D97-AF65-F5344CB8AC3E}">
-        <p14:creationId xmlns:p14="http://schemas.microsoft.com/office/powerpoint/2010/main" val="2130901097"/>
+        <p14:creationId xmlns:p14="http://schemas.microsoft.com/office/powerpoint/2010/main" val="451531610"/>
       </p:ext>
     </p:extLst>
   </p:cSld>
@@ -2090,15 +5207,15 @@
         </p:nvSpPr>
         <p:spPr>
           <a:xfrm>
-            <a:off x="457200" y="273050"/>
-            <a:ext cx="3008313" cy="1162050"/>
+            <a:off x="1154954" y="1447800"/>
+            <a:ext cx="3401064" cy="1447800"/>
           </a:xfrm>
         </p:spPr>
         <p:txBody>
           <a:bodyPr anchor="b"/>
           <a:lstStyle>
             <a:lvl1pPr algn="l">
-              <a:defRPr sz="2000" b="1"/>
+              <a:defRPr sz="2400" b="0"/>
             </a:lvl1pPr>
           </a:lstStyle>
           <a:p>
@@ -2106,7 +5223,7 @@
               <a:rPr lang="en-US" smtClean="0"/>
               <a:t>Click to edit Master title style</a:t>
             </a:r>
-            <a:endParaRPr lang="en-US"/>
+            <a:endParaRPr lang="en-US" dirty="0"/>
           </a:p>
         </p:txBody>
       </p:sp>
@@ -2122,39 +5239,41 @@
         </p:nvSpPr>
         <p:spPr>
           <a:xfrm>
-            <a:off x="3575050" y="273050"/>
-            <a:ext cx="5111750" cy="5853113"/>
+            <a:off x="4784616" y="1447800"/>
+            <a:ext cx="5195997" cy="4572000"/>
           </a:xfrm>
         </p:spPr>
         <p:txBody>
-          <a:bodyPr/>
+          <a:bodyPr anchor="ctr">
+            <a:normAutofit/>
+          </a:bodyPr>
           <a:lstStyle>
             <a:lvl1pPr>
-              <a:defRPr sz="3200"/>
+              <a:defRPr sz="2000"/>
             </a:lvl1pPr>
             <a:lvl2pPr>
-              <a:defRPr sz="2800"/>
+              <a:defRPr sz="1800"/>
             </a:lvl2pPr>
             <a:lvl3pPr>
-              <a:defRPr sz="2400"/>
+              <a:defRPr sz="1600"/>
             </a:lvl3pPr>
             <a:lvl4pPr>
-              <a:defRPr sz="2000"/>
+              <a:defRPr sz="1400"/>
             </a:lvl4pPr>
             <a:lvl5pPr>
-              <a:defRPr sz="2000"/>
+              <a:defRPr sz="1400"/>
             </a:lvl5pPr>
             <a:lvl6pPr>
-              <a:defRPr sz="2000"/>
+              <a:defRPr sz="1400"/>
             </a:lvl6pPr>
             <a:lvl7pPr>
-              <a:defRPr sz="2000"/>
+              <a:defRPr sz="1400"/>
             </a:lvl7pPr>
             <a:lvl8pPr>
-              <a:defRPr sz="2000"/>
+              <a:defRPr sz="1400"/>
             </a:lvl8pPr>
             <a:lvl9pPr>
-              <a:defRPr sz="2000"/>
+              <a:defRPr sz="1400"/>
             </a:lvl9pPr>
           </a:lstStyle>
           <a:p>
@@ -2207,8 +5326,8 @@
         </p:nvSpPr>
         <p:spPr>
           <a:xfrm>
-            <a:off x="457200" y="1435100"/>
-            <a:ext cx="3008313" cy="4691063"/>
+            <a:off x="1154954" y="3129280"/>
+            <a:ext cx="3401063" cy="2895599"/>
           </a:xfrm>
         </p:spPr>
         <p:txBody>
@@ -2262,7 +5381,7 @@
       </p:sp>
       <p:sp>
         <p:nvSpPr>
-          <p:cNvPr id="5" name="Date Placeholder 4"/>
+          <p:cNvPr id="7" name="Date Placeholder 4"/>
           <p:cNvSpPr>
             <a:spLocks noGrp="1"/>
           </p:cNvSpPr>
@@ -2275,9 +5394,9 @@
           <a:bodyPr/>
           <a:lstStyle/>
           <a:p>
-            <a:fld id="{241EB5C9-1307-BA42-ABA2-0BC069CD8E7F}" type="datetimeFigureOut">
-              <a:rPr lang="en-US" smtClean="0"/>
-              <a:t>4/5/2019</a:t>
+            <a:fld id="{40FF0622-75E4-48B8-A617-5428CA5926CE}" type="datetimeFigureOut">
+              <a:rPr lang="en-US" smtClean="0"/>
+              <a:t>7/31/2013</a:t>
             </a:fld>
             <a:endParaRPr lang="en-US"/>
           </a:p>
@@ -2285,7 +5404,7 @@
       </p:sp>
       <p:sp>
         <p:nvSpPr>
-          <p:cNvPr id="6" name="Footer Placeholder 5"/>
+          <p:cNvPr id="5" name="Footer Placeholder 5"/>
           <p:cNvSpPr>
             <a:spLocks noGrp="1"/>
           </p:cNvSpPr>
@@ -2304,7 +5423,7 @@
       </p:sp>
       <p:sp>
         <p:nvSpPr>
-          <p:cNvPr id="7" name="Slide Number Placeholder 6"/>
+          <p:cNvPr id="6" name="Slide Number Placeholder 6"/>
           <p:cNvSpPr>
             <a:spLocks noGrp="1"/>
           </p:cNvSpPr>
@@ -2317,7 +5436,7 @@
           <a:bodyPr/>
           <a:lstStyle/>
           <a:p>
-            <a:fld id="{C5EF2332-01BF-834F-8236-50238282D533}" type="slidenum">
+            <a:fld id="{BA875541-8164-4CC7-9F2F-6F0C49BB858D}" type="slidenum">
               <a:rPr lang="en-US" smtClean="0"/>
               <a:t>‹#›</a:t>
             </a:fld>
@@ -2328,7 +5447,7 @@
     </p:spTree>
     <p:extLst>
       <p:ext uri="{BB962C8B-B14F-4D97-AF65-F5344CB8AC3E}">
-        <p14:creationId xmlns:p14="http://schemas.microsoft.com/office/powerpoint/2010/main" val="3540895647"/>
+        <p14:creationId xmlns:p14="http://schemas.microsoft.com/office/powerpoint/2010/main" val="1757989233"/>
       </p:ext>
     </p:extLst>
   </p:cSld>
@@ -2367,15 +5486,17 @@
         </p:nvSpPr>
         <p:spPr>
           <a:xfrm>
-            <a:off x="1792288" y="4800600"/>
-            <a:ext cx="5486400" cy="566738"/>
+            <a:off x="1153907" y="1854192"/>
+            <a:ext cx="5092906" cy="1574808"/>
           </a:xfrm>
         </p:spPr>
         <p:txBody>
-          <a:bodyPr anchor="b"/>
+          <a:bodyPr anchor="b">
+            <a:normAutofit/>
+          </a:bodyPr>
           <a:lstStyle>
             <a:lvl1pPr algn="l">
-              <a:defRPr sz="2000" b="1"/>
+              <a:defRPr sz="3600" b="0"/>
             </a:lvl1pPr>
           </a:lstStyle>
           <a:p>
@@ -2383,7 +5504,7 @@
               <a:rPr lang="en-US" smtClean="0"/>
               <a:t>Click to edit Master title style</a:t>
             </a:r>
-            <a:endParaRPr lang="en-US"/>
+            <a:endParaRPr lang="en-US" dirty="0"/>
           </a:p>
         </p:txBody>
       </p:sp>
@@ -2399,16 +5520,30 @@
         </p:nvSpPr>
         <p:spPr>
           <a:xfrm>
-            <a:off x="1792288" y="612775"/>
-            <a:ext cx="5486400" cy="4114800"/>
+            <a:off x="6949546" y="1143000"/>
+            <a:ext cx="3200400" cy="4572000"/>
           </a:xfrm>
+          <a:prstGeom prst="roundRect">
+            <a:avLst>
+              <a:gd name="adj" fmla="val 1858"/>
+            </a:avLst>
+          </a:prstGeom>
+          <a:effectLst>
+            <a:outerShdw blurRad="50800" dist="50800" dir="5400000" algn="tl" rotWithShape="0">
+              <a:srgbClr val="000000">
+                <a:alpha val="43000"/>
+              </a:srgbClr>
+            </a:outerShdw>
+          </a:effectLst>
         </p:spPr>
         <p:txBody>
-          <a:bodyPr/>
+          <a:bodyPr anchor="ctr">
+            <a:normAutofit/>
+          </a:bodyPr>
           <a:lstStyle>
-            <a:lvl1pPr marL="0" indent="0">
-              <a:buNone/>
-              <a:defRPr sz="3200"/>
+            <a:lvl1pPr marL="0" indent="0" algn="ctr">
+              <a:buNone/>
+              <a:defRPr sz="1600"/>
             </a:lvl1pPr>
             <a:lvl2pPr marL="457200" indent="0">
               <a:buNone/>
@@ -2444,7 +5579,11 @@
             </a:lvl9pPr>
           </a:lstStyle>
           <a:p>
-            <a:endParaRPr lang="en-US"/>
+            <a:r>
+              <a:rPr lang="en-US" dirty="0" smtClean="0"/>
+              <a:t>Click icon to add picture</a:t>
+            </a:r>
+            <a:endParaRPr lang="en-US" dirty="0"/>
           </a:p>
         </p:txBody>
       </p:sp>
@@ -2460,12 +5599,14 @@
         </p:nvSpPr>
         <p:spPr>
           <a:xfrm>
-            <a:off x="1792288" y="5367338"/>
-            <a:ext cx="5486400" cy="804862"/>
+            <a:off x="1154954" y="3657600"/>
+            <a:ext cx="5084979" cy="1371600"/>
           </a:xfrm>
         </p:spPr>
         <p:txBody>
-          <a:bodyPr/>
+          <a:bodyPr>
+            <a:normAutofit/>
+          </a:bodyPr>
           <a:lstStyle>
             <a:lvl1pPr marL="0" indent="0">
               <a:buNone/>
@@ -2528,9 +5669,9 @@
           <a:bodyPr/>
           <a:lstStyle/>
           <a:p>
-            <a:fld id="{241EB5C9-1307-BA42-ABA2-0BC069CD8E7F}" type="datetimeFigureOut">
-              <a:rPr lang="en-US" smtClean="0"/>
-              <a:t>4/5/2019</a:t>
+            <a:fld id="{40FF0622-75E4-48B8-A617-5428CA5926CE}" type="datetimeFigureOut">
+              <a:rPr lang="en-US" smtClean="0"/>
+              <a:t>7/31/2013</a:t>
             </a:fld>
             <a:endParaRPr lang="en-US"/>
           </a:p>
@@ -2570,7 +5711,7 @@
           <a:bodyPr/>
           <a:lstStyle/>
           <a:p>
-            <a:fld id="{C5EF2332-01BF-834F-8236-50238282D533}" type="slidenum">
+            <a:fld id="{BA875541-8164-4CC7-9F2F-6F0C49BB858D}" type="slidenum">
               <a:rPr lang="en-US" smtClean="0"/>
               <a:t>‹#›</a:t>
             </a:fld>
@@ -2581,7 +5722,7 @@
     </p:spTree>
     <p:extLst>
       <p:ext uri="{BB962C8B-B14F-4D97-AF65-F5344CB8AC3E}">
-        <p14:creationId xmlns:p14="http://schemas.microsoft.com/office/powerpoint/2010/main" val="3566899855"/>
+        <p14:creationId xmlns:p14="http://schemas.microsoft.com/office/powerpoint/2010/main" val="669085966"/>
       </p:ext>
     </p:extLst>
   </p:cSld>
@@ -2595,8 +5736,8 @@
 <p:sldMaster xmlns:a="http://schemas.openxmlformats.org/drawingml/2006/main" xmlns:r="http://schemas.openxmlformats.org/officeDocument/2006/relationships" xmlns:p="http://schemas.openxmlformats.org/presentationml/2006/main">
   <p:cSld>
     <p:bg>
-      <p:bgRef idx="1001">
-        <a:schemeClr val="bg1"/>
+      <p:bgRef idx="1003">
+        <a:schemeClr val="bg2"/>
       </p:bgRef>
     </p:bg>
     <p:spTree>
@@ -2615,26 +5756,425 @@
       </p:grpSpPr>
       <p:sp>
         <p:nvSpPr>
-          <p:cNvPr id="2" name="Title Placeholder 1"/>
-          <p:cNvSpPr>
-            <a:spLocks noGrp="1"/>
-          </p:cNvSpPr>
-          <p:nvPr>
-            <p:ph type="title"/>
-          </p:nvPr>
+          <p:cNvPr id="13" name="Oval 12"/>
+          <p:cNvSpPr/>
+          <p:nvPr/>
         </p:nvSpPr>
         <p:spPr>
           <a:xfrm>
-            <a:off x="457200" y="274638"/>
-            <a:ext cx="8229600" cy="1143000"/>
+            <a:off x="-153988" y="2667000"/>
+            <a:ext cx="4191000" cy="4191000"/>
+          </a:xfrm>
+          <a:prstGeom prst="ellipse">
+            <a:avLst/>
+          </a:prstGeom>
+          <a:gradFill flip="none" rotWithShape="1">
+            <a:gsLst>
+              <a:gs pos="0">
+                <a:schemeClr val="accent1">
+                  <a:lumMod val="60000"/>
+                  <a:lumOff val="40000"/>
+                  <a:alpha val="11000"/>
+                </a:schemeClr>
+              </a:gs>
+              <a:gs pos="75000">
+                <a:schemeClr val="accent1">
+                  <a:lumMod val="60000"/>
+                  <a:lumOff val="40000"/>
+                  <a:alpha val="0"/>
+                </a:schemeClr>
+              </a:gs>
+              <a:gs pos="36000">
+                <a:schemeClr val="accent1">
+                  <a:lumMod val="60000"/>
+                  <a:lumOff val="40000"/>
+                  <a:alpha val="10000"/>
+                </a:schemeClr>
+              </a:gs>
+            </a:gsLst>
+            <a:path path="circle">
+              <a:fillToRect l="50000" t="50000" r="50000" b="50000"/>
+            </a:path>
+            <a:tileRect/>
+          </a:gradFill>
+          <a:ln>
+            <a:noFill/>
+          </a:ln>
+          <a:effectLst/>
+        </p:spPr>
+        <p:style>
+          <a:lnRef idx="1">
+            <a:schemeClr val="accent1"/>
+          </a:lnRef>
+          <a:fillRef idx="3">
+            <a:schemeClr val="accent1"/>
+          </a:fillRef>
+          <a:effectRef idx="2">
+            <a:schemeClr val="accent1"/>
+          </a:effectRef>
+          <a:fontRef idx="minor">
+            <a:schemeClr val="lt1"/>
+          </a:fontRef>
+        </p:style>
+        <p:txBody>
+          <a:bodyPr rtlCol="0" anchor="ctr"/>
+          <a:lstStyle/>
+          <a:p>
+            <a:pPr algn="ctr"/>
+            <a:endParaRPr lang="en-US"/>
+          </a:p>
+        </p:txBody>
+      </p:sp>
+      <p:sp>
+        <p:nvSpPr>
+          <p:cNvPr id="15" name="Oval 14"/>
+          <p:cNvSpPr/>
+          <p:nvPr/>
+        </p:nvSpPr>
+        <p:spPr>
+          <a:xfrm>
+            <a:off x="-839788" y="2895600"/>
+            <a:ext cx="2362200" cy="2362200"/>
+          </a:xfrm>
+          <a:prstGeom prst="ellipse">
+            <a:avLst/>
+          </a:prstGeom>
+          <a:gradFill flip="none" rotWithShape="1">
+            <a:gsLst>
+              <a:gs pos="0">
+                <a:schemeClr val="accent1">
+                  <a:lumMod val="60000"/>
+                  <a:lumOff val="40000"/>
+                  <a:alpha val="8000"/>
+                </a:schemeClr>
+              </a:gs>
+              <a:gs pos="71000">
+                <a:schemeClr val="bg2">
+                  <a:lumMod val="60000"/>
+                  <a:lumOff val="40000"/>
+                  <a:alpha val="0"/>
+                </a:schemeClr>
+              </a:gs>
+              <a:gs pos="36000">
+                <a:schemeClr val="accent1">
+                  <a:lumMod val="60000"/>
+                  <a:lumOff val="40000"/>
+                  <a:alpha val="5000"/>
+                </a:schemeClr>
+              </a:gs>
+            </a:gsLst>
+            <a:path path="circle">
+              <a:fillToRect l="50000" t="50000" r="50000" b="50000"/>
+            </a:path>
+            <a:tileRect/>
+          </a:gradFill>
+          <a:ln>
+            <a:noFill/>
+          </a:ln>
+          <a:effectLst/>
+        </p:spPr>
+        <p:style>
+          <a:lnRef idx="1">
+            <a:schemeClr val="accent1"/>
+          </a:lnRef>
+          <a:fillRef idx="3">
+            <a:schemeClr val="accent1"/>
+          </a:fillRef>
+          <a:effectRef idx="2">
+            <a:schemeClr val="accent1"/>
+          </a:effectRef>
+          <a:fontRef idx="minor">
+            <a:schemeClr val="lt1"/>
+          </a:fontRef>
+        </p:style>
+        <p:txBody>
+          <a:bodyPr rtlCol="0" anchor="ctr"/>
+          <a:lstStyle/>
+          <a:p>
+            <a:pPr algn="ctr"/>
+            <a:endParaRPr lang="en-US"/>
+          </a:p>
+        </p:txBody>
+      </p:sp>
+      <p:sp>
+        <p:nvSpPr>
+          <p:cNvPr id="16" name="Oval 15"/>
+          <p:cNvSpPr/>
+          <p:nvPr/>
+        </p:nvSpPr>
+        <p:spPr>
+          <a:xfrm>
+            <a:off x="8609012" y="1676400"/>
+            <a:ext cx="2819400" cy="2819400"/>
+          </a:xfrm>
+          <a:prstGeom prst="ellipse">
+            <a:avLst/>
+          </a:prstGeom>
+          <a:gradFill flip="none" rotWithShape="1">
+            <a:gsLst>
+              <a:gs pos="0">
+                <a:schemeClr val="accent1">
+                  <a:lumMod val="60000"/>
+                  <a:lumOff val="40000"/>
+                  <a:alpha val="7000"/>
+                </a:schemeClr>
+              </a:gs>
+              <a:gs pos="69000">
+                <a:schemeClr val="accent1">
+                  <a:lumMod val="60000"/>
+                  <a:lumOff val="40000"/>
+                  <a:alpha val="0"/>
+                </a:schemeClr>
+              </a:gs>
+              <a:gs pos="36000">
+                <a:schemeClr val="accent1">
+                  <a:lumMod val="60000"/>
+                  <a:lumOff val="40000"/>
+                  <a:alpha val="6000"/>
+                </a:schemeClr>
+              </a:gs>
+            </a:gsLst>
+            <a:path path="circle">
+              <a:fillToRect l="50000" t="50000" r="50000" b="50000"/>
+            </a:path>
+            <a:tileRect/>
+          </a:gradFill>
+          <a:ln>
+            <a:noFill/>
+          </a:ln>
+          <a:effectLst/>
+        </p:spPr>
+        <p:style>
+          <a:lnRef idx="1">
+            <a:schemeClr val="accent1"/>
+          </a:lnRef>
+          <a:fillRef idx="3">
+            <a:schemeClr val="accent1"/>
+          </a:fillRef>
+          <a:effectRef idx="2">
+            <a:schemeClr val="accent1"/>
+          </a:effectRef>
+          <a:fontRef idx="minor">
+            <a:schemeClr val="lt1"/>
+          </a:fontRef>
+        </p:style>
+        <p:txBody>
+          <a:bodyPr rtlCol="0" anchor="ctr"/>
+          <a:lstStyle/>
+          <a:p>
+            <a:pPr algn="ctr"/>
+            <a:endParaRPr lang="en-US"/>
+          </a:p>
+        </p:txBody>
+      </p:sp>
+      <p:sp>
+        <p:nvSpPr>
+          <p:cNvPr id="17" name="Oval 16"/>
+          <p:cNvSpPr/>
+          <p:nvPr/>
+        </p:nvSpPr>
+        <p:spPr>
+          <a:xfrm>
+            <a:off x="7999412" y="-457200"/>
+            <a:ext cx="1600200" cy="1600200"/>
+          </a:xfrm>
+          <a:prstGeom prst="ellipse">
+            <a:avLst/>
+          </a:prstGeom>
+          <a:gradFill flip="none" rotWithShape="1">
+            <a:gsLst>
+              <a:gs pos="0">
+                <a:schemeClr val="accent1">
+                  <a:lumMod val="60000"/>
+                  <a:lumOff val="40000"/>
+                  <a:alpha val="14000"/>
+                </a:schemeClr>
+              </a:gs>
+              <a:gs pos="73000">
+                <a:schemeClr val="accent1">
+                  <a:lumMod val="60000"/>
+                  <a:lumOff val="40000"/>
+                  <a:alpha val="0"/>
+                </a:schemeClr>
+              </a:gs>
+              <a:gs pos="36000">
+                <a:schemeClr val="accent1">
+                  <a:lumMod val="60000"/>
+                  <a:lumOff val="40000"/>
+                  <a:alpha val="7000"/>
+                </a:schemeClr>
+              </a:gs>
+            </a:gsLst>
+            <a:path path="circle">
+              <a:fillToRect l="50000" t="50000" r="50000" b="50000"/>
+            </a:path>
+            <a:tileRect/>
+          </a:gradFill>
+          <a:ln>
+            <a:noFill/>
+          </a:ln>
+          <a:effectLst/>
+        </p:spPr>
+        <p:style>
+          <a:lnRef idx="1">
+            <a:schemeClr val="accent1"/>
+          </a:lnRef>
+          <a:fillRef idx="3">
+            <a:schemeClr val="accent1"/>
+          </a:fillRef>
+          <a:effectRef idx="2">
+            <a:schemeClr val="accent1"/>
+          </a:effectRef>
+          <a:fontRef idx="minor">
+            <a:schemeClr val="lt1"/>
+          </a:fontRef>
+        </p:style>
+        <p:txBody>
+          <a:bodyPr rtlCol="0" anchor="ctr"/>
+          <a:lstStyle/>
+          <a:p>
+            <a:pPr algn="ctr"/>
+            <a:endParaRPr lang="en-US"/>
+          </a:p>
+        </p:txBody>
+      </p:sp>
+      <p:sp>
+        <p:nvSpPr>
+          <p:cNvPr id="18" name="Oval 17"/>
+          <p:cNvSpPr/>
+          <p:nvPr/>
+        </p:nvSpPr>
+        <p:spPr>
+          <a:xfrm>
+            <a:off x="8609012" y="6096000"/>
+            <a:ext cx="990600" cy="990600"/>
+          </a:xfrm>
+          <a:prstGeom prst="ellipse">
+            <a:avLst/>
+          </a:prstGeom>
+          <a:gradFill flip="none" rotWithShape="1">
+            <a:gsLst>
+              <a:gs pos="0">
+                <a:schemeClr val="accent1">
+                  <a:lumMod val="60000"/>
+                  <a:lumOff val="40000"/>
+                  <a:alpha val="10000"/>
+                </a:schemeClr>
+              </a:gs>
+              <a:gs pos="66000">
+                <a:schemeClr val="accent1">
+                  <a:lumMod val="60000"/>
+                  <a:lumOff val="40000"/>
+                  <a:alpha val="0"/>
+                </a:schemeClr>
+              </a:gs>
+              <a:gs pos="31000">
+                <a:schemeClr val="accent1">
+                  <a:lumMod val="60000"/>
+                  <a:lumOff val="40000"/>
+                  <a:alpha val="5000"/>
+                </a:schemeClr>
+              </a:gs>
+            </a:gsLst>
+            <a:path path="circle">
+              <a:fillToRect l="50000" t="50000" r="50000" b="50000"/>
+            </a:path>
+            <a:tileRect/>
+          </a:gradFill>
+          <a:ln>
+            <a:noFill/>
+          </a:ln>
+          <a:effectLst/>
+        </p:spPr>
+        <p:style>
+          <a:lnRef idx="1">
+            <a:schemeClr val="accent1"/>
+          </a:lnRef>
+          <a:fillRef idx="3">
+            <a:schemeClr val="accent1"/>
+          </a:fillRef>
+          <a:effectRef idx="2">
+            <a:schemeClr val="accent1"/>
+          </a:effectRef>
+          <a:fontRef idx="minor">
+            <a:schemeClr val="lt1"/>
+          </a:fontRef>
+        </p:style>
+        <p:txBody>
+          <a:bodyPr rtlCol="0" anchor="ctr"/>
+          <a:lstStyle/>
+          <a:p>
+            <a:pPr algn="ctr"/>
+            <a:endParaRPr lang="en-US"/>
+          </a:p>
+        </p:txBody>
+      </p:sp>
+      <p:sp>
+        <p:nvSpPr>
+          <p:cNvPr id="14" name="Rectangle 13"/>
+          <p:cNvSpPr/>
+          <p:nvPr/>
+        </p:nvSpPr>
+        <p:spPr>
+          <a:xfrm>
+            <a:off x="10437812" y="0"/>
+            <a:ext cx="685800" cy="1143000"/>
+          </a:xfrm>
+          <a:prstGeom prst="rect">
+            <a:avLst/>
+          </a:prstGeom>
+          <a:solidFill>
+            <a:schemeClr val="accent1"/>
+          </a:solidFill>
+          <a:ln>
+            <a:noFill/>
+          </a:ln>
+        </p:spPr>
+        <p:style>
+          <a:lnRef idx="1">
+            <a:schemeClr val="accent1"/>
+          </a:lnRef>
+          <a:fillRef idx="3">
+            <a:schemeClr val="accent1"/>
+          </a:fillRef>
+          <a:effectRef idx="2">
+            <a:schemeClr val="accent1"/>
+          </a:effectRef>
+          <a:fontRef idx="minor">
+            <a:schemeClr val="lt1"/>
+          </a:fontRef>
+        </p:style>
+        <p:txBody>
+          <a:bodyPr rtlCol="0" anchor="ctr"/>
+          <a:lstStyle/>
+          <a:p>
+            <a:pPr algn="ctr"/>
+            <a:endParaRPr lang="en-US"/>
+          </a:p>
+        </p:txBody>
+      </p:sp>
+      <p:sp>
+        <p:nvSpPr>
+          <p:cNvPr id="2" name="Title Placeholder 1"/>
+          <p:cNvSpPr>
+            <a:spLocks noGrp="1"/>
+          </p:cNvSpPr>
+          <p:nvPr>
+            <p:ph type="title"/>
+          </p:nvPr>
+        </p:nvSpPr>
+        <p:spPr>
+          <a:xfrm>
+            <a:off x="646111" y="452718"/>
+            <a:ext cx="9404723" cy="1400530"/>
           </a:xfrm>
           <a:prstGeom prst="rect">
             <a:avLst/>
           </a:prstGeom>
         </p:spPr>
         <p:txBody>
-          <a:bodyPr vert="horz" lIns="91440" tIns="45720" rIns="91440" bIns="45720" rtlCol="0" anchor="ctr">
-            <a:normAutofit/>
+          <a:bodyPr vert="horz" lIns="91440" tIns="45720" rIns="91440" bIns="45720" rtlCol="0" anchor="t">
+            <a:noAutofit/>
           </a:bodyPr>
           <a:lstStyle/>
           <a:p>
@@ -2658,8 +6198,8 @@
         </p:nvSpPr>
         <p:spPr>
           <a:xfrm>
-            <a:off x="457200" y="1600200"/>
-            <a:ext cx="8229600" cy="4525963"/>
+            <a:off x="1103312" y="2052918"/>
+            <a:ext cx="8946541" cy="4195481"/>
           </a:xfrm>
           <a:prstGeom prst="rect">
             <a:avLst/>
@@ -2673,38 +6213,38 @@
           <a:p>
             <a:pPr lvl="0"/>
             <a:r>
-              <a:rPr lang="en-US" smtClean="0"/>
+              <a:rPr lang="en-US" dirty="0" smtClean="0"/>
               <a:t>Click to edit Master text styles</a:t>
             </a:r>
           </a:p>
           <a:p>
             <a:pPr lvl="1"/>
             <a:r>
-              <a:rPr lang="en-US" smtClean="0"/>
+              <a:rPr lang="en-US" dirty="0" smtClean="0"/>
               <a:t>Second level</a:t>
             </a:r>
           </a:p>
           <a:p>
             <a:pPr lvl="2"/>
             <a:r>
-              <a:rPr lang="en-US" smtClean="0"/>
+              <a:rPr lang="en-US" dirty="0" smtClean="0"/>
               <a:t>Third level</a:t>
             </a:r>
           </a:p>
           <a:p>
             <a:pPr lvl="3"/>
             <a:r>
-              <a:rPr lang="en-US" smtClean="0"/>
+              <a:rPr lang="en-US" dirty="0" smtClean="0"/>
               <a:t>Fourth level</a:t>
             </a:r>
           </a:p>
           <a:p>
             <a:pPr lvl="4"/>
             <a:r>
-              <a:rPr lang="en-US" smtClean="0"/>
+              <a:rPr lang="en-US" dirty="0" smtClean="0"/>
               <a:t>Fifth level</a:t>
             </a:r>
-            <a:endParaRPr lang="en-US"/>
+            <a:endParaRPr lang="en-US" dirty="0"/>
           </a:p>
         </p:txBody>
       </p:sp>
@@ -2719,19 +6259,99 @@
           </p:nvPr>
         </p:nvSpPr>
         <p:spPr>
-          <a:xfrm>
-            <a:off x="457200" y="6356350"/>
-            <a:ext cx="2133600" cy="365125"/>
+          <a:xfrm rot="5400000">
+            <a:off x="10155639" y="1790701"/>
+            <a:ext cx="990599" cy="304799"/>
           </a:xfrm>
           <a:prstGeom prst="rect">
             <a:avLst/>
           </a:prstGeom>
         </p:spPr>
         <p:txBody>
-          <a:bodyPr vert="horz" lIns="91440" tIns="45720" rIns="91440" bIns="45720" rtlCol="0" anchor="ctr"/>
+          <a:bodyPr vert="horz" lIns="91440" tIns="45720" rIns="91440" bIns="45720" rtlCol="0" anchor="t"/>
           <a:lstStyle>
             <a:lvl1pPr algn="l">
-              <a:defRPr sz="1200">
+              <a:defRPr sz="1100" b="0" i="0">
+                <a:solidFill>
+                  <a:schemeClr val="tx1">
+                    <a:tint val="75000"/>
+                    <a:alpha val="60000"/>
+                  </a:schemeClr>
+                </a:solidFill>
+              </a:defRPr>
+            </a:lvl1pPr>
+          </a:lstStyle>
+          <a:p>
+            <a:fld id="{40FF0622-75E4-48B8-A617-5428CA5926CE}" type="datetimeFigureOut">
+              <a:rPr lang="en-US" smtClean="0"/>
+              <a:t>7/31/2013</a:t>
+            </a:fld>
+            <a:endParaRPr lang="en-US"/>
+          </a:p>
+        </p:txBody>
+      </p:sp>
+      <p:sp>
+        <p:nvSpPr>
+          <p:cNvPr id="5" name="Footer Placeholder 4"/>
+          <p:cNvSpPr>
+            <a:spLocks noGrp="1"/>
+          </p:cNvSpPr>
+          <p:nvPr>
+            <p:ph type="ftr" sz="quarter" idx="3"/>
+          </p:nvPr>
+        </p:nvSpPr>
+        <p:spPr>
+          <a:xfrm rot="5400000">
+            <a:off x="8951573" y="3225297"/>
+            <a:ext cx="3859795" cy="304801"/>
+          </a:xfrm>
+          <a:prstGeom prst="rect">
+            <a:avLst/>
+          </a:prstGeom>
+        </p:spPr>
+        <p:txBody>
+          <a:bodyPr vert="horz" lIns="91440" tIns="45720" rIns="91440" bIns="45720" rtlCol="0" anchor="b"/>
+          <a:lstStyle>
+            <a:lvl1pPr algn="l">
+              <a:defRPr sz="1100" b="0" i="0">
+                <a:solidFill>
+                  <a:schemeClr val="tx1">
+                    <a:tint val="75000"/>
+                    <a:alpha val="60000"/>
+                  </a:schemeClr>
+                </a:solidFill>
+              </a:defRPr>
+            </a:lvl1pPr>
+          </a:lstStyle>
+          <a:p>
+            <a:endParaRPr lang="en-US"/>
+          </a:p>
+        </p:txBody>
+      </p:sp>
+      <p:sp>
+        <p:nvSpPr>
+          <p:cNvPr id="6" name="Slide Number Placeholder 5"/>
+          <p:cNvSpPr>
+            <a:spLocks noGrp="1"/>
+          </p:cNvSpPr>
+          <p:nvPr>
+            <p:ph type="sldNum" sz="quarter" idx="4"/>
+          </p:nvPr>
+        </p:nvSpPr>
+        <p:spPr>
+          <a:xfrm>
+            <a:off x="10352540" y="295729"/>
+            <a:ext cx="838199" cy="767687"/>
+          </a:xfrm>
+          <a:prstGeom prst="rect">
+            <a:avLst/>
+          </a:prstGeom>
+        </p:spPr>
+        <p:txBody>
+          <a:bodyPr vert="horz" lIns="91440" tIns="45720" rIns="91440" bIns="45720" rtlCol="0" anchor="b"/>
+          <a:lstStyle>
+            <a:lvl1pPr algn="ctr">
+              <a:defRPr sz="2800" b="0" i="0">
                 <a:solidFill>
                   <a:schemeClr val="tx1">
                     <a:tint val="75000"/>
@@ -2741,85 +6361,7 @@
             </a:lvl1pPr>
           </a:lstStyle>
           <a:p>
-            <a:fld id="{241EB5C9-1307-BA42-ABA2-0BC069CD8E7F}" type="datetimeFigureOut">
-              <a:rPr lang="en-US" smtClean="0"/>
-              <a:t>4/5/2019</a:t>
-            </a:fld>
-            <a:endParaRPr lang="en-US"/>
-          </a:p>
-        </p:txBody>
-      </p:sp>
-      <p:sp>
-        <p:nvSpPr>
-          <p:cNvPr id="5" name="Footer Placeholder 4"/>
-          <p:cNvSpPr>
-            <a:spLocks noGrp="1"/>
-          </p:cNvSpPr>
-          <p:nvPr>
-            <p:ph type="ftr" sz="quarter" idx="3"/>
-          </p:nvPr>
-        </p:nvSpPr>
-        <p:spPr>
-          <a:xfrm>
-            <a:off x="3124200" y="6356350"/>
-            <a:ext cx="2895600" cy="365125"/>
-          </a:xfrm>
-          <a:prstGeom prst="rect">
-            <a:avLst/>
-          </a:prstGeom>
-        </p:spPr>
-        <p:txBody>
-          <a:bodyPr vert="horz" lIns="91440" tIns="45720" rIns="91440" bIns="45720" rtlCol="0" anchor="ctr"/>
-          <a:lstStyle>
-            <a:lvl1pPr algn="ctr">
-              <a:defRPr sz="1200">
-                <a:solidFill>
-                  <a:schemeClr val="tx1">
-                    <a:tint val="75000"/>
-                  </a:schemeClr>
-                </a:solidFill>
-              </a:defRPr>
-            </a:lvl1pPr>
-          </a:lstStyle>
-          <a:p>
-            <a:endParaRPr lang="en-US"/>
-          </a:p>
-        </p:txBody>
-      </p:sp>
-      <p:sp>
-        <p:nvSpPr>
-          <p:cNvPr id="6" name="Slide Number Placeholder 5"/>
-          <p:cNvSpPr>
-            <a:spLocks noGrp="1"/>
-          </p:cNvSpPr>
-          <p:nvPr>
-            <p:ph type="sldNum" sz="quarter" idx="4"/>
-          </p:nvPr>
-        </p:nvSpPr>
-        <p:spPr>
-          <a:xfrm>
-            <a:off x="6553200" y="6356350"/>
-            <a:ext cx="2133600" cy="365125"/>
-          </a:xfrm>
-          <a:prstGeom prst="rect">
-            <a:avLst/>
-          </a:prstGeom>
-        </p:spPr>
-        <p:txBody>
-          <a:bodyPr vert="horz" lIns="91440" tIns="45720" rIns="91440" bIns="45720" rtlCol="0" anchor="ctr"/>
-          <a:lstStyle>
-            <a:lvl1pPr algn="r">
-              <a:defRPr sz="1200">
-                <a:solidFill>
-                  <a:schemeClr val="tx1">
-                    <a:tint val="75000"/>
-                  </a:schemeClr>
-                </a:solidFill>
-              </a:defRPr>
-            </a:lvl1pPr>
-          </a:lstStyle>
-          <a:p>
-            <a:fld id="{C5EF2332-01BF-834F-8236-50238282D533}" type="slidenum">
+            <a:fld id="{BA875541-8164-4CC7-9F2F-6F0C49BB858D}" type="slidenum">
               <a:rPr lang="en-US" smtClean="0"/>
               <a:t>‹#›</a:t>
             </a:fld>
@@ -2830,32 +6372,127 @@
     </p:spTree>
     <p:extLst>
       <p:ext uri="{BB962C8B-B14F-4D97-AF65-F5344CB8AC3E}">
-        <p14:creationId xmlns:p14="http://schemas.microsoft.com/office/powerpoint/2010/main" val="3676200875"/>
+        <p14:creationId xmlns:p14="http://schemas.microsoft.com/office/powerpoint/2010/main" val="1563467285"/>
       </p:ext>
     </p:extLst>
   </p:cSld>
-  <p:clrMap bg1="lt1" tx1="dk1" bg2="lt2" tx2="dk2" accent1="accent1" accent2="accent2" accent3="accent3" accent4="accent4" accent5="accent5" accent6="accent6" hlink="hlink" folHlink="folHlink"/>
+  <p:clrMap bg1="dk1" tx1="lt1" bg2="dk2" tx2="lt2" accent1="accent1" accent2="accent2" accent3="accent3" accent4="accent4" accent5="accent5" accent6="accent6" hlink="hlink" folHlink="folHlink"/>
   <p:sldLayoutIdLst>
-    <p:sldLayoutId id="2147483649" r:id="rId1"/>
-    <p:sldLayoutId id="2147483650" r:id="rId2"/>
-    <p:sldLayoutId id="2147483651" r:id="rId3"/>
-    <p:sldLayoutId id="2147483652" r:id="rId4"/>
-    <p:sldLayoutId id="2147483653" r:id="rId5"/>
-    <p:sldLayoutId id="2147483654" r:id="rId6"/>
-    <p:sldLayoutId id="2147483655" r:id="rId7"/>
-    <p:sldLayoutId id="2147483656" r:id="rId8"/>
-    <p:sldLayoutId id="2147483657" r:id="rId9"/>
-    <p:sldLayoutId id="2147483658" r:id="rId10"/>
-    <p:sldLayoutId id="2147483659" r:id="rId11"/>
+    <p:sldLayoutId id="2147483681" r:id="rId1"/>
+    <p:sldLayoutId id="2147483682" r:id="rId2"/>
+    <p:sldLayoutId id="2147483683" r:id="rId3"/>
+    <p:sldLayoutId id="2147483684" r:id="rId4"/>
+    <p:sldLayoutId id="2147483685" r:id="rId5"/>
+    <p:sldLayoutId id="2147483686" r:id="rId6"/>
+    <p:sldLayoutId id="2147483687" r:id="rId7"/>
+    <p:sldLayoutId id="2147483688" r:id="rId8"/>
+    <p:sldLayoutId id="2147483689" r:id="rId9"/>
+    <p:sldLayoutId id="2147483690" r:id="rId10"/>
+    <p:sldLayoutId id="2147483691" r:id="rId11"/>
+    <p:sldLayoutId id="2147483692" r:id="rId12"/>
+    <p:sldLayoutId id="2147483693" r:id="rId13"/>
+    <p:sldLayoutId id="2147483694" r:id="rId14"/>
+    <p:sldLayoutId id="2147483695" r:id="rId15"/>
+    <p:sldLayoutId id="2147483696" r:id="rId16"/>
+    <p:sldLayoutId id="2147483697" r:id="rId17"/>
+    <p:sldLayoutId id="2147483698" r:id="rId18"/>
+    <p:sldLayoutId id="2147483699" r:id="rId19"/>
   </p:sldLayoutIdLst>
+  <p:timing>
+    <p:tnLst>
+      <p:par>
+        <p:cTn id="1" dur="indefinite" restart="never" nodeType="tmRoot"/>
+      </p:par>
+    </p:tnLst>
+  </p:timing>
   <p:txStyles>
     <p:titleStyle>
-      <a:lvl1pPr algn="ctr" defTabSz="457200" rtl="0" eaLnBrk="1" latinLnBrk="0" hangingPunct="1">
+      <a:lvl1pPr algn="l" defTabSz="457200" rtl="0" eaLnBrk="1" latinLnBrk="0" hangingPunct="1">
         <a:spcBef>
           <a:spcPct val="0"/>
         </a:spcBef>
         <a:buNone/>
-        <a:defRPr sz="4400" kern="1200">
+        <a:defRPr sz="4200" b="0" i="0" kern="1200">
+          <a:solidFill>
+            <a:schemeClr val="tx2"/>
+          </a:solidFill>
+          <a:latin typeface="+mj-lt"/>
+          <a:ea typeface="+mj-ea"/>
+          <a:cs typeface="+mj-cs"/>
+        </a:defRPr>
+      </a:lvl1pPr>
+      <a:lvl2pPr eaLnBrk="1" hangingPunct="1">
+        <a:defRPr>
+          <a:solidFill>
+            <a:schemeClr val="tx2"/>
+          </a:solidFill>
+        </a:defRPr>
+      </a:lvl2pPr>
+      <a:lvl3pPr eaLnBrk="1" hangingPunct="1">
+        <a:defRPr>
+          <a:solidFill>
+            <a:schemeClr val="tx2"/>
+          </a:solidFill>
+        </a:defRPr>
+      </a:lvl3pPr>
+      <a:lvl4pPr eaLnBrk="1" hangingPunct="1">
+        <a:defRPr>
+          <a:solidFill>
+            <a:schemeClr val="tx2"/>
+          </a:solidFill>
+        </a:defRPr>
+      </a:lvl4pPr>
+      <a:lvl5pPr eaLnBrk="1" hangingPunct="1">
+        <a:defRPr>
+          <a:solidFill>
+            <a:schemeClr val="tx2"/>
+          </a:solidFill>
+        </a:defRPr>
+      </a:lvl5pPr>
+      <a:lvl6pPr eaLnBrk="1" hangingPunct="1">
+        <a:defRPr>
+          <a:solidFill>
+            <a:schemeClr val="tx2"/>
+          </a:solidFill>
+        </a:defRPr>
+      </a:lvl6pPr>
+      <a:lvl7pPr eaLnBrk="1" hangingPunct="1">
+        <a:defRPr>
+          <a:solidFill>
+            <a:schemeClr val="tx2"/>
+          </a:solidFill>
+        </a:defRPr>
+      </a:lvl7pPr>
+      <a:lvl8pPr eaLnBrk="1" hangingPunct="1">
+        <a:defRPr>
+          <a:solidFill>
+            <a:schemeClr val="tx2"/>
+          </a:solidFill>
+        </a:defRPr>
+      </a:lvl8pPr>
+      <a:lvl9pPr eaLnBrk="1" hangingPunct="1">
+        <a:defRPr>
+          <a:solidFill>
+            <a:schemeClr val="tx2"/>
+          </a:solidFill>
+        </a:defRPr>
+      </a:lvl9pPr>
+    </p:titleStyle>
+    <p:bodyStyle>
+      <a:lvl1pPr marL="342900" indent="-342900" algn="l" defTabSz="457200" rtl="0" eaLnBrk="1" latinLnBrk="0" hangingPunct="1">
+        <a:spcBef>
+          <a:spcPct val="20000"/>
+        </a:spcBef>
+        <a:spcAft>
+          <a:spcPts val="600"/>
+        </a:spcAft>
+        <a:buClr>
+          <a:schemeClr val="accent1"/>
+        </a:buClr>
+        <a:buSzPct val="80000"/>
+        <a:buFont typeface="Wingdings 3" charset="2"/>
+        <a:buChar char=""/>
+        <a:defRPr sz="2000" b="0" i="0" kern="1200">
           <a:solidFill>
             <a:schemeClr val="tx1"/>
           </a:solidFill>
@@ -2864,141 +6501,180 @@
           <a:cs typeface="+mj-cs"/>
         </a:defRPr>
       </a:lvl1pPr>
-    </p:titleStyle>
-    <p:bodyStyle>
-      <a:lvl1pPr marL="342900" indent="-342900" algn="l" defTabSz="457200" rtl="0" eaLnBrk="1" latinLnBrk="0" hangingPunct="1">
-        <a:spcBef>
-          <a:spcPct val="20000"/>
-        </a:spcBef>
-        <a:buFont typeface="Arial"/>
-        <a:buChar char="•"/>
-        <a:defRPr sz="3200" kern="1200">
-          <a:solidFill>
-            <a:schemeClr val="tx1"/>
-          </a:solidFill>
-          <a:latin typeface="+mn-lt"/>
-          <a:ea typeface="+mn-ea"/>
-          <a:cs typeface="+mn-cs"/>
-        </a:defRPr>
-      </a:lvl1pPr>
       <a:lvl2pPr marL="742950" indent="-285750" algn="l" defTabSz="457200" rtl="0" eaLnBrk="1" latinLnBrk="0" hangingPunct="1">
         <a:spcBef>
           <a:spcPct val="20000"/>
         </a:spcBef>
-        <a:buFont typeface="Arial"/>
-        <a:buChar char="–"/>
-        <a:defRPr sz="2800" kern="1200">
+        <a:spcAft>
+          <a:spcPts val="600"/>
+        </a:spcAft>
+        <a:buClr>
+          <a:schemeClr val="accent1"/>
+        </a:buClr>
+        <a:buSzPct val="80000"/>
+        <a:buFont typeface="Wingdings 3" charset="2"/>
+        <a:buChar char=""/>
+        <a:defRPr sz="1800" b="0" i="0" kern="1200">
           <a:solidFill>
             <a:schemeClr val="tx1"/>
           </a:solidFill>
-          <a:latin typeface="+mn-lt"/>
-          <a:ea typeface="+mn-ea"/>
-          <a:cs typeface="+mn-cs"/>
+          <a:latin typeface="+mj-lt"/>
+          <a:ea typeface="+mj-ea"/>
+          <a:cs typeface="+mj-cs"/>
         </a:defRPr>
       </a:lvl2pPr>
       <a:lvl3pPr marL="1143000" indent="-228600" algn="l" defTabSz="457200" rtl="0" eaLnBrk="1" latinLnBrk="0" hangingPunct="1">
         <a:spcBef>
           <a:spcPct val="20000"/>
         </a:spcBef>
-        <a:buFont typeface="Arial"/>
-        <a:buChar char="•"/>
-        <a:defRPr sz="2400" kern="1200">
+        <a:spcAft>
+          <a:spcPts val="600"/>
+        </a:spcAft>
+        <a:buClr>
+          <a:schemeClr val="accent1"/>
+        </a:buClr>
+        <a:buSzPct val="80000"/>
+        <a:buFont typeface="Wingdings 3" charset="2"/>
+        <a:buChar char=""/>
+        <a:defRPr sz="1600" b="0" i="0" kern="1200">
           <a:solidFill>
             <a:schemeClr val="tx1"/>
           </a:solidFill>
-          <a:latin typeface="+mn-lt"/>
-          <a:ea typeface="+mn-ea"/>
-          <a:cs typeface="+mn-cs"/>
+          <a:latin typeface="+mj-lt"/>
+          <a:ea typeface="+mj-ea"/>
+          <a:cs typeface="+mj-cs"/>
         </a:defRPr>
       </a:lvl3pPr>
       <a:lvl4pPr marL="1600200" indent="-228600" algn="l" defTabSz="457200" rtl="0" eaLnBrk="1" latinLnBrk="0" hangingPunct="1">
         <a:spcBef>
           <a:spcPct val="20000"/>
         </a:spcBef>
-        <a:buFont typeface="Arial"/>
-        <a:buChar char="–"/>
-        <a:defRPr sz="2000" kern="1200">
+        <a:spcAft>
+          <a:spcPts val="600"/>
+        </a:spcAft>
+        <a:buClr>
+          <a:schemeClr val="accent1"/>
+        </a:buClr>
+        <a:buSzPct val="80000"/>
+        <a:buFont typeface="Wingdings 3" charset="2"/>
+        <a:buChar char=""/>
+        <a:defRPr sz="1400" b="0" i="0" kern="1200">
           <a:solidFill>
             <a:schemeClr val="tx1"/>
           </a:solidFill>
-          <a:latin typeface="+mn-lt"/>
-          <a:ea typeface="+mn-ea"/>
-          <a:cs typeface="+mn-cs"/>
+          <a:latin typeface="+mj-lt"/>
+          <a:ea typeface="+mj-ea"/>
+          <a:cs typeface="+mj-cs"/>
         </a:defRPr>
       </a:lvl4pPr>
       <a:lvl5pPr marL="2057400" indent="-228600" algn="l" defTabSz="457200" rtl="0" eaLnBrk="1" latinLnBrk="0" hangingPunct="1">
         <a:spcBef>
           <a:spcPct val="20000"/>
         </a:spcBef>
-        <a:buFont typeface="Arial"/>
-        <a:buChar char="»"/>
-        <a:defRPr sz="2000" kern="1200">
+        <a:spcAft>
+          <a:spcPts val="600"/>
+        </a:spcAft>
+        <a:buClr>
+          <a:schemeClr val="accent1"/>
+        </a:buClr>
+        <a:buSzPct val="80000"/>
+        <a:buFont typeface="Wingdings 3" charset="2"/>
+        <a:buChar char=""/>
+        <a:defRPr sz="1400" b="0" i="0" kern="1200">
           <a:solidFill>
             <a:schemeClr val="tx1"/>
           </a:solidFill>
-          <a:latin typeface="+mn-lt"/>
-          <a:ea typeface="+mn-ea"/>
-          <a:cs typeface="+mn-cs"/>
+          <a:latin typeface="+mj-lt"/>
+          <a:ea typeface="+mj-ea"/>
+          <a:cs typeface="+mj-cs"/>
         </a:defRPr>
       </a:lvl5pPr>
       <a:lvl6pPr marL="2514600" indent="-228600" algn="l" defTabSz="457200" rtl="0" eaLnBrk="1" latinLnBrk="0" hangingPunct="1">
         <a:spcBef>
           <a:spcPct val="20000"/>
         </a:spcBef>
-        <a:buFont typeface="Arial"/>
-        <a:buChar char="•"/>
-        <a:defRPr sz="2000" kern="1200">
+        <a:spcAft>
+          <a:spcPts val="600"/>
+        </a:spcAft>
+        <a:buClr>
+          <a:schemeClr val="accent1"/>
+        </a:buClr>
+        <a:buSzPct val="80000"/>
+        <a:buFont typeface="Wingdings 3" charset="2"/>
+        <a:buChar char=""/>
+        <a:defRPr sz="1200" b="0" i="0" kern="1200">
           <a:solidFill>
             <a:schemeClr val="tx1"/>
           </a:solidFill>
-          <a:latin typeface="+mn-lt"/>
-          <a:ea typeface="+mn-ea"/>
-          <a:cs typeface="+mn-cs"/>
+          <a:latin typeface="+mj-lt"/>
+          <a:ea typeface="+mj-ea"/>
+          <a:cs typeface="+mj-cs"/>
         </a:defRPr>
       </a:lvl6pPr>
       <a:lvl7pPr marL="2971800" indent="-228600" algn="l" defTabSz="457200" rtl="0" eaLnBrk="1" latinLnBrk="0" hangingPunct="1">
         <a:spcBef>
           <a:spcPct val="20000"/>
         </a:spcBef>
-        <a:buFont typeface="Arial"/>
-        <a:buChar char="•"/>
-        <a:defRPr sz="2000" kern="1200">
+        <a:spcAft>
+          <a:spcPts val="600"/>
+        </a:spcAft>
+        <a:buClr>
+          <a:schemeClr val="accent1"/>
+        </a:buClr>
+        <a:buSzPct val="80000"/>
+        <a:buFont typeface="Wingdings 3" charset="2"/>
+        <a:buChar char=""/>
+        <a:defRPr sz="1200" b="0" i="0" kern="1200">
           <a:solidFill>
             <a:schemeClr val="tx1"/>
           </a:solidFill>
-          <a:latin typeface="+mn-lt"/>
-          <a:ea typeface="+mn-ea"/>
-          <a:cs typeface="+mn-cs"/>
+          <a:latin typeface="+mj-lt"/>
+          <a:ea typeface="+mj-ea"/>
+          <a:cs typeface="+mj-cs"/>
         </a:defRPr>
       </a:lvl7pPr>
       <a:lvl8pPr marL="3429000" indent="-228600" algn="l" defTabSz="457200" rtl="0" eaLnBrk="1" latinLnBrk="0" hangingPunct="1">
         <a:spcBef>
           <a:spcPct val="20000"/>
         </a:spcBef>
-        <a:buFont typeface="Arial"/>
-        <a:buChar char="•"/>
-        <a:defRPr sz="2000" kern="1200">
+        <a:spcAft>
+          <a:spcPts val="600"/>
+        </a:spcAft>
+        <a:buClr>
+          <a:schemeClr val="accent1"/>
+        </a:buClr>
+        <a:buSzPct val="80000"/>
+        <a:buFont typeface="Wingdings 3" charset="2"/>
+        <a:buChar char=""/>
+        <a:defRPr sz="1200" b="0" i="0" kern="1200">
           <a:solidFill>
             <a:schemeClr val="tx1"/>
           </a:solidFill>
-          <a:latin typeface="+mn-lt"/>
-          <a:ea typeface="+mn-ea"/>
-          <a:cs typeface="+mn-cs"/>
+          <a:latin typeface="+mj-lt"/>
+          <a:ea typeface="+mj-ea"/>
+          <a:cs typeface="+mj-cs"/>
         </a:defRPr>
       </a:lvl8pPr>
       <a:lvl9pPr marL="3886200" indent="-228600" algn="l" defTabSz="457200" rtl="0" eaLnBrk="1" latinLnBrk="0" hangingPunct="1">
         <a:spcBef>
           <a:spcPct val="20000"/>
         </a:spcBef>
-        <a:buFont typeface="Arial"/>
-        <a:buChar char="•"/>
-        <a:defRPr sz="2000" kern="1200">
+        <a:spcAft>
+          <a:spcPts val="600"/>
+        </a:spcAft>
+        <a:buClr>
+          <a:schemeClr val="accent1"/>
+        </a:buClr>
+        <a:buSzPct val="80000"/>
+        <a:buFont typeface="Wingdings 3" charset="2"/>
+        <a:buChar char=""/>
+        <a:defRPr sz="1200" b="0" i="0" kern="1200">
           <a:solidFill>
             <a:schemeClr val="tx1"/>
           </a:solidFill>
-          <a:latin typeface="+mn-lt"/>
-          <a:ea typeface="+mn-ea"/>
-          <a:cs typeface="+mn-cs"/>
+          <a:latin typeface="+mj-lt"/>
+          <a:ea typeface="+mj-ea"/>
+          <a:cs typeface="+mj-cs"/>
         </a:defRPr>
       </a:lvl9pPr>
     </p:bodyStyle>
@@ -3130,8 +6806,8 @@
         </p:nvSpPr>
         <p:spPr>
           <a:xfrm>
-            <a:off x="685800" y="2130425"/>
-            <a:ext cx="7772400" cy="1470025"/>
+            <a:off x="1154955" y="1447800"/>
+            <a:ext cx="8825658" cy="3329581"/>
           </a:xfrm>
         </p:spPr>
         <p:txBody>
@@ -3168,8 +6844,8 @@
         </p:nvSpPr>
         <p:spPr>
           <a:xfrm>
-            <a:off x="1371600" y="3886200"/>
-            <a:ext cx="6400800" cy="1752600"/>
+            <a:off x="1154955" y="4777380"/>
+            <a:ext cx="8825658" cy="861420"/>
           </a:xfrm>
         </p:spPr>
         <p:txBody>
@@ -3295,8 +6971,8 @@
         </p:nvSpPr>
         <p:spPr>
           <a:xfrm>
-            <a:off x="722313" y="4406900"/>
-            <a:ext cx="7772400" cy="1362075"/>
+            <a:off x="1154956" y="2861733"/>
+            <a:ext cx="8825657" cy="1915647"/>
           </a:xfrm>
         </p:spPr>
         <p:txBody>
@@ -3525,8 +7201,8 @@
         </p:nvSpPr>
         <p:spPr>
           <a:xfrm>
-            <a:off x="722313" y="4406900"/>
-            <a:ext cx="7772400" cy="1362075"/>
+            <a:off x="1154956" y="2861733"/>
+            <a:ext cx="8825657" cy="1915647"/>
           </a:xfrm>
         </p:spPr>
         <p:txBody>
@@ -3674,8 +7350,8 @@
         </p:blipFill>
         <p:spPr bwMode="auto">
           <a:xfrm>
-            <a:off x="2057400" y="1600200"/>
-            <a:ext cx="5016500" cy="4013200"/>
+            <a:off x="3263900" y="2044700"/>
+            <a:ext cx="4597400" cy="3683000"/>
           </a:xfrm>
           <a:prstGeom prst="rect">
             <a:avLst/>
@@ -3696,8 +7372,8 @@
         </p:nvSpPr>
         <p:spPr>
           <a:xfrm>
-            <a:off x="457200" y="5613400"/>
-            <a:ext cx="8229600" cy="508000"/>
+            <a:off x="1092200" y="5727700"/>
+            <a:ext cx="8940800" cy="508000"/>
           </a:xfrm>
           <a:prstGeom prst="rect">
             <a:avLst/>
@@ -3825,9 +7501,9 @@
 </file>
 
 <file path=ppt/theme/theme1.xml><?xml version="1.0" encoding="utf-8"?>
-<a:theme xmlns:a="http://schemas.openxmlformats.org/drawingml/2006/main" name="Office Theme">
+<a:theme xmlns:a="http://schemas.openxmlformats.org/drawingml/2006/main" name="Ion">
   <a:themeElements>
-    <a:clrScheme name="Office">
+    <a:clrScheme name="Ion Red">
       <a:dk1>
         <a:sysClr val="windowText" lastClr="000000"/>
       </a:dk1>
@@ -3835,42 +7511,42 @@
         <a:sysClr val="window" lastClr="FFFFFF"/>
       </a:lt1>
       <a:dk2>
-        <a:srgbClr val="1F497D"/>
+        <a:srgbClr val="EE5818"/>
       </a:dk2>
       <a:lt2>
-        <a:srgbClr val="EEECE1"/>
+        <a:srgbClr val="EBEBEB"/>
       </a:lt2>
       <a:accent1>
-        <a:srgbClr val="4F81BD"/>
+        <a:srgbClr val="F5A408"/>
       </a:accent1>
       <a:accent2>
-        <a:srgbClr val="C0504D"/>
+        <a:srgbClr val="FA731A"/>
       </a:accent2>
       <a:accent3>
-        <a:srgbClr val="9BBB59"/>
+        <a:srgbClr val="AB9281"/>
       </a:accent3>
       <a:accent4>
-        <a:srgbClr val="8064A2"/>
+        <a:srgbClr val="A18CD0"/>
       </a:accent4>
       <a:accent5>
-        <a:srgbClr val="4BACC6"/>
+        <a:srgbClr val="8EBBD2"/>
       </a:accent5>
       <a:accent6>
-        <a:srgbClr val="F79646"/>
+        <a:srgbClr val="ACC995"/>
       </a:accent6>
       <a:hlink>
-        <a:srgbClr val="0000FF"/>
+        <a:srgbClr val="FAC96A"/>
       </a:hlink>
       <a:folHlink>
-        <a:srgbClr val="800080"/>
+        <a:srgbClr val="FCDB9B"/>
       </a:folHlink>
     </a:clrScheme>
-    <a:fontScheme name="Office">
+    <a:fontScheme name="Ion">
       <a:majorFont>
-        <a:latin typeface="Calibri"/>
+        <a:latin typeface="Century Gothic"/>
         <a:ea typeface=""/>
         <a:cs typeface=""/>
-        <a:font script="Jpan" typeface="ＭＳ Ｐゴシック"/>
+        <a:font script="Jpan" typeface="メイリオ"/>
         <a:font script="Hang" typeface="맑은 고딕"/>
         <a:font script="Hans" typeface="宋体"/>
         <a:font script="Hant" typeface="新細明體"/>
@@ -3902,10 +7578,10 @@
         <a:font script="Geor" typeface="Sylfaen"/>
       </a:majorFont>
       <a:minorFont>
-        <a:latin typeface="Calibri"/>
+        <a:latin typeface="Century Gothic"/>
         <a:ea typeface=""/>
         <a:cs typeface=""/>
-        <a:font script="Jpan" typeface="ＭＳ Ｐゴシック"/>
+        <a:font script="Jpan" typeface="メイリオ"/>
         <a:font script="Hang" typeface="맑은 고딕"/>
         <a:font script="Hans" typeface="宋体"/>
         <a:font script="Hant" typeface="新細明體"/>
@@ -3937,7 +7613,7 @@
         <a:font script="Geor" typeface="Sylfaen"/>
       </a:minorFont>
     </a:fontScheme>
-    <a:fmtScheme name="Office">
+    <a:fmtScheme name="Ion">
       <a:fillStyleLst>
         <a:solidFill>
           <a:schemeClr val="phClr"/>
@@ -3946,62 +7622,52 @@
           <a:gsLst>
             <a:gs pos="0">
               <a:schemeClr val="phClr">
-                <a:tint val="50000"/>
-                <a:satMod val="300000"/>
-              </a:schemeClr>
-            </a:gs>
-            <a:gs pos="35000">
-              <a:schemeClr val="phClr">
-                <a:tint val="37000"/>
-                <a:satMod val="300000"/>
+                <a:tint val="64000"/>
+                <a:lumMod val="118000"/>
               </a:schemeClr>
             </a:gs>
             <a:gs pos="100000">
               <a:schemeClr val="phClr">
-                <a:tint val="15000"/>
-                <a:satMod val="350000"/>
+                <a:tint val="92000"/>
+                <a:alpha val="100000"/>
+                <a:lumMod val="110000"/>
               </a:schemeClr>
             </a:gs>
           </a:gsLst>
-          <a:lin ang="16200000" scaled="1"/>
+          <a:lin ang="5400000" scaled="0"/>
         </a:gradFill>
         <a:gradFill rotWithShape="1">
           <a:gsLst>
             <a:gs pos="0">
               <a:schemeClr val="phClr">
-                <a:tint val="100000"/>
-                <a:shade val="100000"/>
-                <a:satMod val="130000"/>
+                <a:tint val="98000"/>
+                <a:lumMod val="114000"/>
               </a:schemeClr>
             </a:gs>
             <a:gs pos="100000">
               <a:schemeClr val="phClr">
-                <a:tint val="50000"/>
-                <a:shade val="100000"/>
-                <a:satMod val="350000"/>
+                <a:shade val="90000"/>
+                <a:lumMod val="84000"/>
               </a:schemeClr>
             </a:gs>
           </a:gsLst>
-          <a:lin ang="16200000" scaled="0"/>
+          <a:lin ang="5400000" scaled="0"/>
         </a:gradFill>
       </a:fillStyleLst>
       <a:lnStyleLst>
-        <a:ln w="9525" cap="flat" cmpd="sng" algn="ctr">
-          <a:solidFill>
-            <a:schemeClr val="phClr">
-              <a:shade val="95000"/>
-              <a:satMod val="105000"/>
-            </a:schemeClr>
-          </a:solidFill>
-          <a:prstDash val="solid"/>
-        </a:ln>
-        <a:ln w="25400" cap="flat" cmpd="sng" algn="ctr">
+        <a:ln w="9525" cap="rnd" cmpd="sng" algn="ctr">
           <a:solidFill>
             <a:schemeClr val="phClr"/>
           </a:solidFill>
           <a:prstDash val="solid"/>
         </a:ln>
-        <a:ln w="38100" cap="flat" cmpd="sng" algn="ctr">
+        <a:ln w="19050" cap="rnd" cmpd="sng" algn="ctr">
+          <a:solidFill>
+            <a:schemeClr val="phClr"/>
+          </a:solidFill>
+          <a:prstDash val="solid"/>
+        </a:ln>
+        <a:ln w="28575" cap="rnd" cmpd="sng" algn="ctr">
           <a:solidFill>
             <a:schemeClr val="phClr"/>
           </a:solidFill>
@@ -4010,28 +7676,22 @@
       </a:lnStyleLst>
       <a:effectStyleLst>
         <a:effectStyle>
+          <a:effectLst/>
+        </a:effectStyle>
+        <a:effectStyle>
           <a:effectLst>
-            <a:outerShdw blurRad="40000" dist="20000" dir="5400000" rotWithShape="0">
+            <a:outerShdw blurRad="38100" dist="25400" dir="5400000" rotWithShape="0">
               <a:srgbClr val="000000">
-                <a:alpha val="38000"/>
+                <a:alpha val="45000"/>
               </a:srgbClr>
             </a:outerShdw>
           </a:effectLst>
         </a:effectStyle>
         <a:effectStyle>
           <a:effectLst>
-            <a:outerShdw blurRad="40000" dist="23000" dir="5400000" rotWithShape="0">
+            <a:outerShdw blurRad="63500" dist="38100" dir="5400000" rotWithShape="0">
               <a:srgbClr val="000000">
-                <a:alpha val="35000"/>
-              </a:srgbClr>
-            </a:outerShdw>
-          </a:effectLst>
-        </a:effectStyle>
-        <a:effectStyle>
-          <a:effectLst>
-            <a:outerShdw blurRad="40000" dist="23000" dir="5400000" rotWithShape="0">
-              <a:srgbClr val="000000">
-                <a:alpha val="35000"/>
+                <a:alpha val="60000"/>
               </a:srgbClr>
             </a:outerShdw>
           </a:effectLst>
@@ -4039,12 +7699,10 @@
             <a:camera prst="orthographicFront">
               <a:rot lat="0" lon="0" rev="0"/>
             </a:camera>
-            <a:lightRig rig="threePt" dir="t">
-              <a:rot lat="0" lon="0" rev="1200000"/>
-            </a:lightRig>
+            <a:lightRig rig="threePt" dir="tl"/>
           </a:scene3d>
-          <a:sp3d>
-            <a:bevelT w="63500" h="25400"/>
+          <a:sp3d prstMaterial="plastic">
+            <a:bevelT w="0" h="0"/>
           </a:sp3d>
         </a:effectStyle>
       </a:effectStyleLst>
@@ -4056,90 +7714,51 @@
           <a:gsLst>
             <a:gs pos="0">
               <a:schemeClr val="phClr">
-                <a:tint val="40000"/>
-                <a:satMod val="350000"/>
-              </a:schemeClr>
-            </a:gs>
-            <a:gs pos="40000">
-              <a:schemeClr val="phClr">
-                <a:tint val="45000"/>
-                <a:shade val="99000"/>
-                <a:satMod val="350000"/>
+                <a:tint val="98000"/>
+                <a:hueMod val="104000"/>
+                <a:satMod val="128000"/>
+                <a:lumMod val="104000"/>
               </a:schemeClr>
             </a:gs>
             <a:gs pos="100000">
               <a:schemeClr val="phClr">
-                <a:shade val="20000"/>
-                <a:satMod val="255000"/>
+                <a:shade val="76000"/>
+                <a:hueMod val="89000"/>
+                <a:satMod val="164000"/>
+                <a:lumMod val="68000"/>
               </a:schemeClr>
             </a:gs>
           </a:gsLst>
           <a:path path="circle">
-            <a:fillToRect l="50000" t="-80000" r="50000" b="180000"/>
+            <a:fillToRect l="45000" t="65000" r="125000" b="100000"/>
           </a:path>
         </a:gradFill>
-        <a:gradFill rotWithShape="1">
-          <a:gsLst>
-            <a:gs pos="0">
+        <a:blipFill rotWithShape="1">
+          <a:blip xmlns:r="http://schemas.openxmlformats.org/officeDocument/2006/relationships" r:embed="rId1">
+            <a:duotone>
               <a:schemeClr val="phClr">
-                <a:tint val="80000"/>
-                <a:satMod val="300000"/>
+                <a:shade val="42000"/>
+                <a:hueMod val="42000"/>
+                <a:satMod val="124000"/>
+                <a:lumMod val="62000"/>
               </a:schemeClr>
-            </a:gs>
-            <a:gs pos="100000">
               <a:schemeClr val="phClr">
-                <a:shade val="30000"/>
-                <a:satMod val="200000"/>
+                <a:tint val="96000"/>
+                <a:satMod val="130000"/>
               </a:schemeClr>
-            </a:gs>
-          </a:gsLst>
-          <a:path path="circle">
-            <a:fillToRect l="50000" t="50000" r="50000" b="50000"/>
-          </a:path>
-        </a:gradFill>
+            </a:duotone>
+          </a:blip>
+          <a:stretch/>
+        </a:blipFill>
       </a:bgFillStyleLst>
     </a:fmtScheme>
   </a:themeElements>
-  <a:objectDefaults>
-    <a:spDef>
-      <a:spPr/>
-      <a:bodyPr/>
-      <a:lstStyle/>
-      <a:style>
-        <a:lnRef idx="1">
-          <a:schemeClr val="accent1"/>
-        </a:lnRef>
-        <a:fillRef idx="3">
-          <a:schemeClr val="accent1"/>
-        </a:fillRef>
-        <a:effectRef idx="2">
-          <a:schemeClr val="accent1"/>
-        </a:effectRef>
-        <a:fontRef idx="minor">
-          <a:schemeClr val="lt1"/>
-        </a:fontRef>
-      </a:style>
-    </a:spDef>
-    <a:lnDef>
-      <a:spPr/>
-      <a:bodyPr/>
-      <a:lstStyle/>
-      <a:style>
-        <a:lnRef idx="2">
-          <a:schemeClr val="accent1"/>
-        </a:lnRef>
-        <a:fillRef idx="0">
-          <a:schemeClr val="accent1"/>
-        </a:fillRef>
-        <a:effectRef idx="1">
-          <a:schemeClr val="accent1"/>
-        </a:effectRef>
-        <a:fontRef idx="minor">
-          <a:schemeClr val="tx1"/>
-        </a:fontRef>
-      </a:style>
-    </a:lnDef>
-  </a:objectDefaults>
+  <a:objectDefaults/>
   <a:extraClrSchemeLst/>
+  <a:extLst>
+    <a:ext uri="{05A4C25C-085E-4340-85A3-A5531E510DB2}">
+      <thm15:themeFamily xmlns:thm15="http://schemas.microsoft.com/office/thememl/2012/main" name="Ion" id="{B8441ADB-2E43-4AF7-B97A-BD870242C6A8}" vid="{5A2F9111-B2DB-470C-BA56-608F9B658826}"/>
+    </a:ext>
+  </a:extLst>
 </a:theme>
 </file>
--- a/Formal/Prototype_Presentation.pptx
+++ b/Formal/Prototype_Presentation.pptx
@@ -173,8 +173,8 @@
         </p:nvSpPr>
         <p:spPr>
           <a:xfrm>
-            <a:off x="567814" y="1777179"/>
-            <a:ext cx="8008376" cy="1496962"/>
+            <a:off x="1585452" y="1968909"/>
+            <a:ext cx="7005484" cy="1496963"/>
           </a:xfrm>
           <a:noFill/>
           <a:effectLst>
@@ -190,10 +190,10 @@
             <a:normAutofit/>
           </a:bodyPr>
           <a:lstStyle>
-            <a:lvl1pPr algn="l">
+            <a:lvl1pPr algn="r">
               <a:defRPr sz="3600">
                 <a:solidFill>
-                  <a:schemeClr val="bg1"/>
+                  <a:srgbClr val="002060"/>
                 </a:solidFill>
               </a:defRPr>
             </a:lvl1pPr>
@@ -233,8 +233,8 @@
         </p:nvSpPr>
         <p:spPr>
           <a:xfrm>
-            <a:off x="575187" y="3318385"/>
-            <a:ext cx="8001000" cy="678426"/>
+            <a:off x="1216742" y="3709220"/>
+            <a:ext cx="7382308" cy="678426"/>
           </a:xfrm>
         </p:spPr>
         <p:txBody>
@@ -242,12 +242,13 @@
             <a:normAutofit/>
           </a:bodyPr>
           <a:lstStyle>
-            <a:lvl1pPr marL="0" indent="0" algn="l">
+            <a:lvl1pPr marL="0" indent="0" algn="r">
               <a:buNone/>
               <a:defRPr sz="2800" b="0" i="0">
                 <a:solidFill>
-                  <a:schemeClr val="tx2">
-                    <a:lumMod val="50000"/>
+                  <a:schemeClr val="accent5">
+                    <a:lumMod val="20000"/>
+                    <a:lumOff val="80000"/>
                   </a:schemeClr>
                 </a:solidFill>
               </a:defRPr>
@@ -367,7 +368,7 @@
             <a:fld id="{53074F12-AA26-4AC8-9962-C36BB8F32554}" type="datetimeFigureOut">
               <a:rPr lang="en-US" smtClean="0"/>
               <a:pPr/>
-              <a:t>10/11/2018</a:t>
+              <a:t>8/6/2018</a:t>
             </a:fld>
             <a:endParaRPr lang="en-US"/>
           </a:p>
@@ -621,7 +622,7 @@
             <a:fld id="{53074F12-AA26-4AC8-9962-C36BB8F32554}" type="datetimeFigureOut">
               <a:rPr lang="en-US" smtClean="0"/>
               <a:pPr/>
-              <a:t>10/11/2018</a:t>
+              <a:t>8/6/2018</a:t>
             </a:fld>
             <a:endParaRPr lang="en-US"/>
           </a:p>
@@ -791,7 +792,7 @@
             <a:fld id="{53074F12-AA26-4AC8-9962-C36BB8F32554}" type="datetimeFigureOut">
               <a:rPr lang="en-US" smtClean="0"/>
               <a:pPr/>
-              <a:t>10/11/2018</a:t>
+              <a:t>8/6/2018</a:t>
             </a:fld>
             <a:endParaRPr lang="en-US"/>
           </a:p>
@@ -971,7 +972,7 @@
             <a:fld id="{53074F12-AA26-4AC8-9962-C36BB8F32554}" type="datetimeFigureOut">
               <a:rPr lang="en-US" smtClean="0"/>
               <a:pPr/>
-              <a:t>10/11/2018</a:t>
+              <a:t>8/6/2018</a:t>
             </a:fld>
             <a:endParaRPr lang="en-US"/>
           </a:p>
@@ -1111,7 +1112,7 @@
         </p:nvSpPr>
         <p:spPr>
           <a:xfrm>
-            <a:off x="449824" y="231711"/>
+            <a:off x="464573" y="290705"/>
             <a:ext cx="8259098" cy="763526"/>
           </a:xfrm>
         </p:spPr>
@@ -1120,10 +1121,13 @@
             <a:normAutofit/>
           </a:bodyPr>
           <a:lstStyle>
-            <a:lvl1pPr algn="l">
+            <a:lvl1pPr algn="r">
               <a:defRPr sz="3600" baseline="0">
                 <a:solidFill>
-                  <a:schemeClr val="bg1"/>
+                  <a:schemeClr val="accent5">
+                    <a:lumMod val="20000"/>
+                    <a:lumOff val="80000"/>
+                  </a:schemeClr>
                 </a:solidFill>
                 <a:effectLst>
                   <a:outerShdw blurRad="50800" dist="38100" dir="2700000" algn="tl" rotWithShape="0">
@@ -1155,8 +1159,8 @@
         </p:nvSpPr>
         <p:spPr>
           <a:xfrm>
-            <a:off x="463714" y="1179871"/>
-            <a:ext cx="8246070" cy="3598603"/>
+            <a:off x="463714" y="1334728"/>
+            <a:ext cx="8246070" cy="3443747"/>
           </a:xfrm>
         </p:spPr>
         <p:txBody>
@@ -1165,45 +1169,35 @@
             <a:lvl1pPr algn="l">
               <a:defRPr sz="2800">
                 <a:solidFill>
-                  <a:schemeClr val="tx2">
-                    <a:lumMod val="50000"/>
-                  </a:schemeClr>
+                  <a:schemeClr val="tx1"/>
                 </a:solidFill>
               </a:defRPr>
             </a:lvl1pPr>
             <a:lvl2pPr algn="l">
               <a:defRPr>
                 <a:solidFill>
-                  <a:schemeClr val="tx2">
-                    <a:lumMod val="50000"/>
-                  </a:schemeClr>
+                  <a:schemeClr val="tx1"/>
                 </a:solidFill>
               </a:defRPr>
             </a:lvl2pPr>
             <a:lvl3pPr algn="l">
               <a:defRPr>
                 <a:solidFill>
-                  <a:schemeClr val="tx2">
-                    <a:lumMod val="50000"/>
-                  </a:schemeClr>
+                  <a:schemeClr val="tx1"/>
                 </a:solidFill>
               </a:defRPr>
             </a:lvl3pPr>
             <a:lvl4pPr algn="l">
               <a:defRPr>
                 <a:solidFill>
-                  <a:schemeClr val="tx2">
-                    <a:lumMod val="50000"/>
-                  </a:schemeClr>
+                  <a:schemeClr val="tx1"/>
                 </a:solidFill>
               </a:defRPr>
             </a:lvl4pPr>
             <a:lvl5pPr algn="l">
               <a:defRPr>
                 <a:solidFill>
-                  <a:schemeClr val="tx2">
-                    <a:lumMod val="50000"/>
-                  </a:schemeClr>
+                  <a:schemeClr val="tx1"/>
                 </a:solidFill>
               </a:defRPr>
             </a:lvl5pPr>
@@ -1263,7 +1257,7 @@
             <a:fld id="{53074F12-AA26-4AC8-9962-C36BB8F32554}" type="datetimeFigureOut">
               <a:rPr lang="en-US" smtClean="0"/>
               <a:pPr/>
-              <a:t>10/11/2018</a:t>
+              <a:t>8/6/2018</a:t>
             </a:fld>
             <a:endParaRPr lang="en-US"/>
           </a:p>
@@ -1368,8 +1362,8 @@
         </p:nvSpPr>
         <p:spPr>
           <a:xfrm>
-            <a:off x="479616" y="413911"/>
-            <a:ext cx="6474869" cy="725349"/>
+            <a:off x="1885289" y="318046"/>
+            <a:ext cx="6827643" cy="725349"/>
           </a:xfrm>
         </p:spPr>
         <p:txBody>
@@ -1380,7 +1374,10 @@
             <a:lvl1pPr algn="l">
               <a:defRPr sz="3600">
                 <a:solidFill>
-                  <a:schemeClr val="bg1"/>
+                  <a:schemeClr val="accent5">
+                    <a:lumMod val="20000"/>
+                    <a:lumOff val="80000"/>
+                  </a:schemeClr>
                 </a:solidFill>
                 <a:effectLst>
                   <a:outerShdw blurRad="50800" dist="38100" dir="2700000" algn="tl" rotWithShape="0">
@@ -1412,8 +1409,8 @@
         </p:nvSpPr>
         <p:spPr>
           <a:xfrm>
-            <a:off x="479322" y="1150374"/>
-            <a:ext cx="6496665" cy="3545497"/>
+            <a:off x="1880419" y="1069258"/>
+            <a:ext cx="6850625" cy="3619239"/>
           </a:xfrm>
         </p:spPr>
         <p:txBody>
@@ -1422,45 +1419,35 @@
             <a:lvl1pPr>
               <a:defRPr sz="2800">
                 <a:solidFill>
-                  <a:schemeClr val="tx2">
-                    <a:lumMod val="50000"/>
-                  </a:schemeClr>
+                  <a:schemeClr val="bg1"/>
                 </a:solidFill>
               </a:defRPr>
             </a:lvl1pPr>
             <a:lvl2pPr>
               <a:defRPr>
                 <a:solidFill>
-                  <a:schemeClr val="tx2">
-                    <a:lumMod val="50000"/>
-                  </a:schemeClr>
+                  <a:schemeClr val="bg1"/>
                 </a:solidFill>
               </a:defRPr>
             </a:lvl2pPr>
             <a:lvl3pPr>
               <a:defRPr>
                 <a:solidFill>
-                  <a:schemeClr val="tx2">
-                    <a:lumMod val="50000"/>
-                  </a:schemeClr>
+                  <a:schemeClr val="bg1"/>
                 </a:solidFill>
               </a:defRPr>
             </a:lvl3pPr>
             <a:lvl4pPr>
               <a:defRPr>
                 <a:solidFill>
-                  <a:schemeClr val="tx2">
-                    <a:lumMod val="50000"/>
-                  </a:schemeClr>
+                  <a:schemeClr val="bg1"/>
                 </a:solidFill>
               </a:defRPr>
             </a:lvl4pPr>
             <a:lvl5pPr>
               <a:defRPr>
                 <a:solidFill>
-                  <a:schemeClr val="tx2">
-                    <a:lumMod val="50000"/>
-                  </a:schemeClr>
+                  <a:schemeClr val="bg1"/>
                 </a:solidFill>
               </a:defRPr>
             </a:lvl5pPr>
@@ -1520,7 +1507,7 @@
             <a:fld id="{53074F12-AA26-4AC8-9962-C36BB8F32554}" type="datetimeFigureOut">
               <a:rPr lang="en-US" smtClean="0"/>
               <a:pPr/>
-              <a:t>10/11/2018</a:t>
+              <a:t>8/6/2018</a:t>
             </a:fld>
             <a:endParaRPr lang="en-US"/>
           </a:p>
@@ -1767,7 +1754,7 @@
             <a:fld id="{53074F12-AA26-4AC8-9962-C36BB8F32554}" type="datetimeFigureOut">
               <a:rPr lang="en-US" smtClean="0"/>
               <a:pPr/>
-              <a:t>10/11/2018</a:t>
+              <a:t>8/6/2018</a:t>
             </a:fld>
             <a:endParaRPr lang="en-US"/>
           </a:p>
@@ -2054,7 +2041,7 @@
             <a:fld id="{53074F12-AA26-4AC8-9962-C36BB8F32554}" type="datetimeFigureOut">
               <a:rPr lang="en-US" smtClean="0"/>
               <a:pPr/>
-              <a:t>10/11/2018</a:t>
+              <a:t>8/6/2018</a:t>
             </a:fld>
             <a:endParaRPr lang="en-US"/>
           </a:p>
@@ -2145,7 +2132,7 @@
         </p:nvSpPr>
         <p:spPr>
           <a:xfrm>
-            <a:off x="510569" y="205277"/>
+            <a:off x="510570" y="264272"/>
             <a:ext cx="8093365" cy="763525"/>
           </a:xfrm>
         </p:spPr>
@@ -2154,10 +2141,13 @@
             <a:normAutofit/>
           </a:bodyPr>
           <a:lstStyle>
-            <a:lvl1pPr algn="l">
+            <a:lvl1pPr algn="r">
               <a:defRPr sz="3600" baseline="0">
                 <a:solidFill>
-                  <a:schemeClr val="bg1"/>
+                  <a:schemeClr val="accent5">
+                    <a:lumMod val="20000"/>
+                    <a:lumOff val="80000"/>
+                  </a:schemeClr>
                 </a:solidFill>
                 <a:effectLst>
                   <a:outerShdw blurRad="50800" dist="38100" dir="2700000" algn="tl" rotWithShape="0">
@@ -2189,7 +2179,7 @@
         </p:nvSpPr>
         <p:spPr>
           <a:xfrm>
-            <a:off x="522131" y="1581771"/>
+            <a:off x="522131" y="1618649"/>
             <a:ext cx="4040188" cy="479822"/>
           </a:xfrm>
         </p:spPr>
@@ -2200,9 +2190,7 @@
               <a:buNone/>
               <a:defRPr sz="2400" b="1">
                 <a:solidFill>
-                  <a:schemeClr val="tx2">
-                    <a:lumMod val="50000"/>
-                  </a:schemeClr>
+                  <a:schemeClr val="tx1"/>
                 </a:solidFill>
               </a:defRPr>
             </a:lvl1pPr>
@@ -2260,7 +2248,7 @@
         </p:nvSpPr>
         <p:spPr>
           <a:xfrm>
-            <a:off x="522131" y="2054168"/>
+            <a:off x="522131" y="2091046"/>
             <a:ext cx="4040188" cy="2276294"/>
           </a:xfrm>
         </p:spPr>
@@ -2270,45 +2258,35 @@
             <a:lvl1pPr algn="ctr">
               <a:defRPr sz="2400">
                 <a:solidFill>
-                  <a:schemeClr val="tx2">
-                    <a:lumMod val="50000"/>
-                  </a:schemeClr>
+                  <a:schemeClr val="tx1"/>
                 </a:solidFill>
               </a:defRPr>
             </a:lvl1pPr>
             <a:lvl2pPr algn="ctr">
               <a:defRPr sz="2000">
                 <a:solidFill>
-                  <a:schemeClr val="tx2">
-                    <a:lumMod val="50000"/>
-                  </a:schemeClr>
+                  <a:schemeClr val="tx1"/>
                 </a:solidFill>
               </a:defRPr>
             </a:lvl2pPr>
             <a:lvl3pPr algn="ctr">
               <a:defRPr sz="1800">
                 <a:solidFill>
-                  <a:schemeClr val="tx2">
-                    <a:lumMod val="50000"/>
-                  </a:schemeClr>
+                  <a:schemeClr val="tx1"/>
                 </a:solidFill>
               </a:defRPr>
             </a:lvl3pPr>
             <a:lvl4pPr algn="ctr">
               <a:defRPr sz="1600">
                 <a:solidFill>
-                  <a:schemeClr val="tx2">
-                    <a:lumMod val="50000"/>
-                  </a:schemeClr>
+                  <a:schemeClr val="tx1"/>
                 </a:solidFill>
               </a:defRPr>
             </a:lvl4pPr>
             <a:lvl5pPr algn="ctr">
               <a:defRPr sz="1600">
                 <a:solidFill>
-                  <a:schemeClr val="tx2">
-                    <a:lumMod val="50000"/>
-                  </a:schemeClr>
+                  <a:schemeClr val="tx1"/>
                 </a:solidFill>
               </a:defRPr>
             </a:lvl5pPr>
@@ -2374,7 +2352,7 @@
         </p:nvSpPr>
         <p:spPr>
           <a:xfrm>
-            <a:off x="4557252" y="1581771"/>
+            <a:off x="4557252" y="1618649"/>
             <a:ext cx="4041775" cy="479822"/>
           </a:xfrm>
         </p:spPr>
@@ -2385,9 +2363,7 @@
               <a:buNone/>
               <a:defRPr sz="2400" b="1">
                 <a:solidFill>
-                  <a:schemeClr val="tx2">
-                    <a:lumMod val="50000"/>
-                  </a:schemeClr>
+                  <a:schemeClr val="tx1"/>
                 </a:solidFill>
               </a:defRPr>
             </a:lvl1pPr>
@@ -2445,7 +2421,7 @@
         </p:nvSpPr>
         <p:spPr>
           <a:xfrm>
-            <a:off x="4557252" y="2054168"/>
+            <a:off x="4557252" y="2091046"/>
             <a:ext cx="4041775" cy="2276294"/>
           </a:xfrm>
         </p:spPr>
@@ -2455,45 +2431,35 @@
             <a:lvl1pPr algn="ctr">
               <a:defRPr sz="2400">
                 <a:solidFill>
-                  <a:schemeClr val="tx2">
-                    <a:lumMod val="50000"/>
-                  </a:schemeClr>
+                  <a:schemeClr val="tx1"/>
                 </a:solidFill>
               </a:defRPr>
             </a:lvl1pPr>
             <a:lvl2pPr algn="ctr">
               <a:defRPr sz="2000">
                 <a:solidFill>
-                  <a:schemeClr val="tx2">
-                    <a:lumMod val="50000"/>
-                  </a:schemeClr>
+                  <a:schemeClr val="tx1"/>
                 </a:solidFill>
               </a:defRPr>
             </a:lvl2pPr>
             <a:lvl3pPr algn="ctr">
               <a:defRPr sz="1800">
                 <a:solidFill>
-                  <a:schemeClr val="tx2">
-                    <a:lumMod val="50000"/>
-                  </a:schemeClr>
+                  <a:schemeClr val="tx1"/>
                 </a:solidFill>
               </a:defRPr>
             </a:lvl3pPr>
             <a:lvl4pPr algn="ctr">
               <a:defRPr sz="1600">
                 <a:solidFill>
-                  <a:schemeClr val="tx2">
-                    <a:lumMod val="50000"/>
-                  </a:schemeClr>
+                  <a:schemeClr val="tx1"/>
                 </a:solidFill>
               </a:defRPr>
             </a:lvl4pPr>
             <a:lvl5pPr algn="ctr">
               <a:defRPr sz="1600">
                 <a:solidFill>
-                  <a:schemeClr val="tx2">
-                    <a:lumMod val="50000"/>
-                  </a:schemeClr>
+                  <a:schemeClr val="tx1"/>
                 </a:solidFill>
               </a:defRPr>
             </a:lvl5pPr>
@@ -2565,7 +2531,7 @@
             <a:fld id="{53074F12-AA26-4AC8-9962-C36BB8F32554}" type="datetimeFigureOut">
               <a:rPr lang="en-US" smtClean="0"/>
               <a:pPr/>
-              <a:t>10/11/2018</a:t>
+              <a:t>8/6/2018</a:t>
             </a:fld>
             <a:endParaRPr lang="en-US"/>
           </a:p>
@@ -2684,7 +2650,7 @@
             <a:fld id="{53074F12-AA26-4AC8-9962-C36BB8F32554}" type="datetimeFigureOut">
               <a:rPr lang="en-US" smtClean="0"/>
               <a:pPr/>
-              <a:t>10/11/2018</a:t>
+              <a:t>8/6/2018</a:t>
             </a:fld>
             <a:endParaRPr lang="en-US"/>
           </a:p>
@@ -2781,7 +2747,7 @@
             <a:fld id="{53074F12-AA26-4AC8-9962-C36BB8F32554}" type="datetimeFigureOut">
               <a:rPr lang="en-US" smtClean="0"/>
               <a:pPr/>
-              <a:t>10/11/2018</a:t>
+              <a:t>8/6/2018</a:t>
             </a:fld>
             <a:endParaRPr lang="en-US"/>
           </a:p>
@@ -3058,7 +3024,7 @@
             <a:fld id="{53074F12-AA26-4AC8-9962-C36BB8F32554}" type="datetimeFigureOut">
               <a:rPr lang="en-US" smtClean="0"/>
               <a:pPr/>
-              <a:t>10/11/2018</a:t>
+              <a:t>8/6/2018</a:t>
             </a:fld>
             <a:endParaRPr lang="en-US"/>
           </a:p>
@@ -3280,7 +3246,7 @@
             <a:fld id="{53074F12-AA26-4AC8-9962-C36BB8F32554}" type="datetimeFigureOut">
               <a:rPr lang="en-US" smtClean="0"/>
               <a:pPr/>
-              <a:t>10/11/2018</a:t>
+              <a:t>8/6/2018</a:t>
             </a:fld>
             <a:endParaRPr lang="en-US"/>
           </a:p>
@@ -3722,8 +3688,8 @@
         </p:nvSpPr>
         <p:spPr>
           <a:xfrm>
-            <a:off x="567814" y="1777179"/>
-            <a:ext cx="8008376" cy="1496962"/>
+            <a:off x="1585452" y="1968909"/>
+            <a:ext cx="7005484" cy="1496963"/>
           </a:xfrm>
           <a:noFill/>
           <a:effectLst>
@@ -3768,8 +3734,8 @@
         </p:nvSpPr>
         <p:spPr>
           <a:xfrm>
-            <a:off x="575187" y="3318385"/>
-            <a:ext cx="8001000" cy="678426"/>
+            <a:off x="1216742" y="3709220"/>
+            <a:ext cx="7382308" cy="678426"/>
           </a:xfrm>
         </p:spPr>
         <p:txBody>
@@ -3856,7 +3822,7 @@
             </a:pPr>
             <a:r>
               <a:rPr/>
-              <a:t>2022-11-14</a:t>
+              <a:t>2022-11-16</a:t>
             </a:r>
           </a:p>
         </p:txBody>
@@ -3895,8 +3861,8 @@
         </p:nvSpPr>
         <p:spPr>
           <a:xfrm>
-            <a:off x="479616" y="413911"/>
-            <a:ext cx="6474869" cy="725349"/>
+            <a:off x="1885289" y="318046"/>
+            <a:ext cx="6827643" cy="725349"/>
           </a:xfrm>
         </p:spPr>
         <p:txBody>
@@ -3963,7 +3929,7 @@
         </p:nvSpPr>
         <p:spPr>
           <a:xfrm>
-            <a:off x="449824" y="231711"/>
+            <a:off x="464573" y="290705"/>
             <a:ext cx="8259098" cy="763526"/>
           </a:xfrm>
         </p:spPr>
@@ -4053,7 +4019,7 @@
         </p:nvSpPr>
         <p:spPr>
           <a:xfrm>
-            <a:off x="449824" y="231711"/>
+            <a:off x="464573" y="290705"/>
             <a:ext cx="8259098" cy="763526"/>
           </a:xfrm>
         </p:spPr>
@@ -4135,8 +4101,8 @@
         </p:nvSpPr>
         <p:spPr>
           <a:xfrm>
-            <a:off x="479616" y="413911"/>
-            <a:ext cx="6474869" cy="725349"/>
+            <a:off x="1885289" y="318046"/>
+            <a:ext cx="6827643" cy="725349"/>
           </a:xfrm>
         </p:spPr>
         <p:txBody>
@@ -4203,7 +4169,7 @@
         </p:nvSpPr>
         <p:spPr>
           <a:xfrm>
-            <a:off x="449824" y="231711"/>
+            <a:off x="464573" y="290705"/>
             <a:ext cx="8259098" cy="763526"/>
           </a:xfrm>
         </p:spPr>
@@ -4289,8 +4255,8 @@
         </p:blipFill>
         <p:spPr bwMode="auto">
           <a:xfrm>
-            <a:off x="2654300" y="1168400"/>
-            <a:ext cx="3860800" cy="3086100"/>
+            <a:off x="2743200" y="1333500"/>
+            <a:ext cx="3670300" cy="2933700"/>
           </a:xfrm>
           <a:prstGeom prst="rect">
             <a:avLst/>
@@ -4311,7 +4277,7 @@
         </p:nvSpPr>
         <p:spPr>
           <a:xfrm>
-            <a:off x="457200" y="4254500"/>
+            <a:off x="457200" y="4267200"/>
             <a:ext cx="8242300" cy="508000"/>
           </a:xfrm>
           <a:prstGeom prst="rect">
@@ -4375,7 +4341,7 @@
         </p:nvSpPr>
         <p:spPr>
           <a:xfrm>
-            <a:off x="449824" y="231711"/>
+            <a:off x="464573" y="290705"/>
             <a:ext cx="8259098" cy="763526"/>
           </a:xfrm>
         </p:spPr>
